--- a/03-aws-core-services-with-iam/03-aws-core-services-with-iam.pptx
+++ b/03-aws-core-services-with-iam/03-aws-core-services-with-iam.pptx
@@ -206,7 +206,7 @@
           <a:p>
             <a:fld id="{926F5171-4620-824D-BBEE-9B12D10DDA40}" type="datetimeFigureOut">
               <a:rPr lang="en-US" smtClean="0"/>
-              <a:t>6/11/21</a:t>
+              <a:t>6/17/21</a:t>
             </a:fld>
             <a:endParaRPr lang="en-US"/>
           </a:p>
@@ -1254,7 +1254,7 @@
           <a:p>
             <a:fld id="{5940F215-8337-114F-9F3D-71B1107C1CD3}" type="datetimeFigureOut">
               <a:rPr lang="en-US" smtClean="0"/>
-              <a:t>6/11/21</a:t>
+              <a:t>6/17/21</a:t>
             </a:fld>
             <a:endParaRPr lang="en-US"/>
           </a:p>
@@ -1478,7 +1478,7 @@
           <a:p>
             <a:fld id="{5940F215-8337-114F-9F3D-71B1107C1CD3}" type="datetimeFigureOut">
               <a:rPr lang="en-US" smtClean="0"/>
-              <a:t>6/11/21</a:t>
+              <a:t>6/17/21</a:t>
             </a:fld>
             <a:endParaRPr lang="en-US"/>
           </a:p>
@@ -1712,7 +1712,7 @@
           <a:p>
             <a:fld id="{5940F215-8337-114F-9F3D-71B1107C1CD3}" type="datetimeFigureOut">
               <a:rPr lang="en-US" smtClean="0"/>
-              <a:t>6/11/21</a:t>
+              <a:t>6/17/21</a:t>
             </a:fld>
             <a:endParaRPr lang="en-US"/>
           </a:p>
@@ -2106,7 +2106,7 @@
           <a:p>
             <a:fld id="{5940F215-8337-114F-9F3D-71B1107C1CD3}" type="datetimeFigureOut">
               <a:rPr lang="en-US" smtClean="0"/>
-              <a:t>6/11/21</a:t>
+              <a:t>6/17/21</a:t>
             </a:fld>
             <a:endParaRPr lang="en-US"/>
           </a:p>
@@ -2538,7 +2538,7 @@
           <a:p>
             <a:fld id="{5940F215-8337-114F-9F3D-71B1107C1CD3}" type="datetimeFigureOut">
               <a:rPr lang="en-US" smtClean="0"/>
-              <a:t>6/11/21</a:t>
+              <a:t>6/17/21</a:t>
             </a:fld>
             <a:endParaRPr lang="en-US"/>
           </a:p>
@@ -2830,7 +2830,7 @@
           <a:p>
             <a:fld id="{5940F215-8337-114F-9F3D-71B1107C1CD3}" type="datetimeFigureOut">
               <a:rPr lang="en-US" smtClean="0"/>
-              <a:t>6/11/21</a:t>
+              <a:t>6/17/21</a:t>
             </a:fld>
             <a:endParaRPr lang="en-US"/>
           </a:p>
@@ -3269,7 +3269,7 @@
           <a:p>
             <a:fld id="{5940F215-8337-114F-9F3D-71B1107C1CD3}" type="datetimeFigureOut">
               <a:rPr lang="en-US" smtClean="0"/>
-              <a:t>6/11/21</a:t>
+              <a:t>6/17/21</a:t>
             </a:fld>
             <a:endParaRPr lang="en-US"/>
           </a:p>
@@ -3435,7 +3435,7 @@
           <a:p>
             <a:fld id="{5940F215-8337-114F-9F3D-71B1107C1CD3}" type="datetimeFigureOut">
               <a:rPr lang="en-US" smtClean="0"/>
-              <a:t>6/11/21</a:t>
+              <a:t>6/17/21</a:t>
             </a:fld>
             <a:endParaRPr lang="en-US"/>
           </a:p>
@@ -3572,7 +3572,7 @@
           <a:p>
             <a:fld id="{5940F215-8337-114F-9F3D-71B1107C1CD3}" type="datetimeFigureOut">
               <a:rPr lang="en-US" smtClean="0"/>
-              <a:t>6/11/21</a:t>
+              <a:t>6/17/21</a:t>
             </a:fld>
             <a:endParaRPr lang="en-US"/>
           </a:p>
@@ -3909,7 +3909,7 @@
           <a:p>
             <a:fld id="{5940F215-8337-114F-9F3D-71B1107C1CD3}" type="datetimeFigureOut">
               <a:rPr lang="en-US" smtClean="0"/>
-              <a:t>6/11/21</a:t>
+              <a:t>6/17/21</a:t>
             </a:fld>
             <a:endParaRPr lang="en-US"/>
           </a:p>
@@ -5225,31 +5225,6 @@
           <a:chExt cx="0" cy="0"/>
         </a:xfrm>
       </p:grpSpPr>
-      <p:sp>
-        <p:nvSpPr>
-          <p:cNvPr id="2" name="Title 1">
-            <a:extLst>
-              <a:ext uri="{FF2B5EF4-FFF2-40B4-BE49-F238E27FC236}">
-                <a16:creationId xmlns:a16="http://schemas.microsoft.com/office/drawing/2014/main" id="{4ADC39C1-A856-F94C-875D-3E7B2339DD39}"/>
-              </a:ext>
-            </a:extLst>
-          </p:cNvPr>
-          <p:cNvSpPr>
-            <a:spLocks noGrp="1"/>
-          </p:cNvSpPr>
-          <p:nvPr>
-            <p:ph type="title"/>
-          </p:nvPr>
-        </p:nvSpPr>
-        <p:spPr/>
-        <p:txBody>
-          <a:bodyPr/>
-          <a:lstStyle/>
-          <a:p>
-            <a:endParaRPr lang="en-US"/>
-          </a:p>
-        </p:txBody>
-      </p:sp>
       <p:pic>
         <p:nvPicPr>
           <p:cNvPr id="13" name="Content Placeholder 12">
@@ -5662,2894 +5637,3271 @@
           </a:fontRef>
         </p:style>
       </p:cxnSp>
-      <p:sp>
-        <p:nvSpPr>
-          <p:cNvPr id="20" name="Rectangle 19">
+      <p:grpSp>
+        <p:nvGrpSpPr>
+          <p:cNvPr id="3" name="Group 2">
             <a:extLst>
               <a:ext uri="{FF2B5EF4-FFF2-40B4-BE49-F238E27FC236}">
-                <a16:creationId xmlns:a16="http://schemas.microsoft.com/office/drawing/2014/main" id="{FF73AB5E-89FE-3D42-8D5A-21CC3557A390}"/>
+                <a16:creationId xmlns:a16="http://schemas.microsoft.com/office/drawing/2014/main" id="{C5B0C8A8-81AF-584C-9248-28C5131CFA17}"/>
               </a:ext>
             </a:extLst>
           </p:cNvPr>
-          <p:cNvSpPr/>
+          <p:cNvGrpSpPr/>
           <p:nvPr/>
-        </p:nvSpPr>
-        <p:spPr>
+        </p:nvGrpSpPr>
+        <p:grpSpPr>
           <a:xfrm>
-            <a:off x="6394783" y="1467305"/>
-            <a:ext cx="2737183" cy="2129517"/>
+            <a:off x="6354253" y="1467305"/>
+            <a:ext cx="2777713" cy="2129517"/>
+            <a:chOff x="6354253" y="1467305"/>
+            <a:chExt cx="2777713" cy="2129517"/>
           </a:xfrm>
-          <a:prstGeom prst="rect">
-            <a:avLst/>
-          </a:prstGeom>
-          <a:solidFill>
-            <a:schemeClr val="accent2">
-              <a:lumMod val="20000"/>
-              <a:lumOff val="80000"/>
-            </a:schemeClr>
-          </a:solidFill>
-        </p:spPr>
-        <p:style>
-          <a:lnRef idx="2">
-            <a:schemeClr val="accent1">
-              <a:shade val="50000"/>
-            </a:schemeClr>
-          </a:lnRef>
-          <a:fillRef idx="1">
-            <a:schemeClr val="accent1"/>
-          </a:fillRef>
-          <a:effectRef idx="0">
-            <a:schemeClr val="accent1"/>
-          </a:effectRef>
-          <a:fontRef idx="minor">
-            <a:schemeClr val="lt1"/>
-          </a:fontRef>
-        </p:style>
-        <p:txBody>
-          <a:bodyPr rtlCol="0" anchor="t"/>
-          <a:lstStyle/>
-          <a:p>
-            <a:r>
-              <a:rPr lang="en-US" sz="1200" dirty="0">
-                <a:solidFill>
-                  <a:srgbClr val="002060"/>
-                </a:solidFill>
-                <a:latin typeface="Montserrat" pitchFamily="2" charset="77"/>
-              </a:rPr>
-              <a:t>Compute services</a:t>
-            </a:r>
-          </a:p>
-        </p:txBody>
-      </p:sp>
-      <p:sp>
-        <p:nvSpPr>
-          <p:cNvPr id="21" name="Rectangle 20">
+        </p:grpSpPr>
+        <p:sp>
+          <p:nvSpPr>
+            <p:cNvPr id="20" name="Rectangle 19">
+              <a:extLst>
+                <a:ext uri="{FF2B5EF4-FFF2-40B4-BE49-F238E27FC236}">
+                  <a16:creationId xmlns:a16="http://schemas.microsoft.com/office/drawing/2014/main" id="{FF73AB5E-89FE-3D42-8D5A-21CC3557A390}"/>
+                </a:ext>
+              </a:extLst>
+            </p:cNvPr>
+            <p:cNvSpPr/>
+            <p:nvPr/>
+          </p:nvSpPr>
+          <p:spPr>
+            <a:xfrm>
+              <a:off x="6394783" y="1467305"/>
+              <a:ext cx="2737183" cy="2129517"/>
+            </a:xfrm>
+            <a:prstGeom prst="rect">
+              <a:avLst/>
+            </a:prstGeom>
+            <a:solidFill>
+              <a:schemeClr val="accent2">
+                <a:lumMod val="20000"/>
+                <a:lumOff val="80000"/>
+              </a:schemeClr>
+            </a:solidFill>
+          </p:spPr>
+          <p:style>
+            <a:lnRef idx="2">
+              <a:schemeClr val="accent1">
+                <a:shade val="50000"/>
+              </a:schemeClr>
+            </a:lnRef>
+            <a:fillRef idx="1">
+              <a:schemeClr val="accent1"/>
+            </a:fillRef>
+            <a:effectRef idx="0">
+              <a:schemeClr val="accent1"/>
+            </a:effectRef>
+            <a:fontRef idx="minor">
+              <a:schemeClr val="lt1"/>
+            </a:fontRef>
+          </p:style>
+          <p:txBody>
+            <a:bodyPr rtlCol="0" anchor="t"/>
+            <a:lstStyle/>
+            <a:p>
+              <a:r>
+                <a:rPr lang="en-US" sz="1200" dirty="0">
+                  <a:solidFill>
+                    <a:srgbClr val="002060"/>
+                  </a:solidFill>
+                  <a:latin typeface="Montserrat" pitchFamily="2" charset="77"/>
+                </a:rPr>
+                <a:t>Compute services</a:t>
+              </a:r>
+            </a:p>
+          </p:txBody>
+        </p:sp>
+        <p:pic>
+          <p:nvPicPr>
+            <p:cNvPr id="24" name="Graphic 5">
+              <a:extLst>
+                <a:ext uri="{FF2B5EF4-FFF2-40B4-BE49-F238E27FC236}">
+                  <a16:creationId xmlns:a16="http://schemas.microsoft.com/office/drawing/2014/main" id="{05C48A2C-6668-C941-A408-BB5CE2571CAA}"/>
+                </a:ext>
+              </a:extLst>
+            </p:cNvPr>
+            <p:cNvPicPr>
+              <a:picLocks noChangeAspect="1" noChangeArrowheads="1"/>
+            </p:cNvPicPr>
+            <p:nvPr/>
+          </p:nvPicPr>
+          <p:blipFill>
+            <a:blip r:embed="rId8">
+              <a:extLst>
+                <a:ext uri="{28A0092B-C50C-407E-A947-70E740481C1C}">
+                  <a14:useLocalDpi xmlns:a14="http://schemas.microsoft.com/office/drawing/2010/main" val="0"/>
+                </a:ext>
+              </a:extLst>
+            </a:blip>
+            <a:srcRect/>
+            <a:stretch>
+              <a:fillRect/>
+            </a:stretch>
+          </p:blipFill>
+          <p:spPr bwMode="auto">
+            <a:xfrm>
+              <a:off x="6698169" y="1797419"/>
+              <a:ext cx="471213" cy="471213"/>
+            </a:xfrm>
+            <a:prstGeom prst="rect">
+              <a:avLst/>
+            </a:prstGeom>
+            <a:noFill/>
+            <a:ln>
+              <a:noFill/>
+            </a:ln>
+            <a:extLst>
+              <a:ext uri="{909E8E84-426E-40DD-AFC4-6F175D3DCCD1}">
+                <a14:hiddenFill xmlns:a14="http://schemas.microsoft.com/office/drawing/2010/main">
+                  <a:solidFill>
+                    <a:srgbClr val="FFFFFF"/>
+                  </a:solidFill>
+                </a14:hiddenFill>
+              </a:ext>
+              <a:ext uri="{91240B29-F687-4F45-9708-019B960494DF}">
+                <a14:hiddenLine xmlns:a14="http://schemas.microsoft.com/office/drawing/2010/main" w="9525">
+                  <a:solidFill>
+                    <a:srgbClr val="000000"/>
+                  </a:solidFill>
+                  <a:miter lim="800000"/>
+                  <a:headEnd/>
+                  <a:tailEnd/>
+                </a14:hiddenLine>
+              </a:ext>
+            </a:extLst>
+          </p:spPr>
+        </p:pic>
+        <p:sp>
+          <p:nvSpPr>
+            <p:cNvPr id="25" name="TextBox 6">
+              <a:extLst>
+                <a:ext uri="{FF2B5EF4-FFF2-40B4-BE49-F238E27FC236}">
+                  <a16:creationId xmlns:a16="http://schemas.microsoft.com/office/drawing/2014/main" id="{EBD6414B-CC15-D447-81E7-8CE01CF8B24A}"/>
+                </a:ext>
+              </a:extLst>
+            </p:cNvPr>
+            <p:cNvSpPr txBox="1">
+              <a:spLocks noChangeArrowheads="1"/>
+            </p:cNvSpPr>
+            <p:nvPr/>
+          </p:nvSpPr>
+          <p:spPr bwMode="auto">
+            <a:xfrm>
+              <a:off x="6354253" y="2262616"/>
+              <a:ext cx="1159043" cy="400110"/>
+            </a:xfrm>
+            <a:prstGeom prst="rect">
+              <a:avLst/>
+            </a:prstGeom>
+            <a:noFill/>
+            <a:ln>
+              <a:noFill/>
+            </a:ln>
+            <a:extLst>
+              <a:ext uri="{909E8E84-426E-40DD-AFC4-6F175D3DCCD1}">
+                <a14:hiddenFill xmlns:a14="http://schemas.microsoft.com/office/drawing/2010/main">
+                  <a:solidFill>
+                    <a:srgbClr val="FFFFFF"/>
+                  </a:solidFill>
+                </a14:hiddenFill>
+              </a:ext>
+              <a:ext uri="{91240B29-F687-4F45-9708-019B960494DF}">
+                <a14:hiddenLine xmlns:a14="http://schemas.microsoft.com/office/drawing/2010/main" w="9525">
+                  <a:solidFill>
+                    <a:srgbClr val="000000"/>
+                  </a:solidFill>
+                  <a:miter lim="800000"/>
+                  <a:headEnd/>
+                  <a:tailEnd/>
+                </a14:hiddenLine>
+              </a:ext>
+            </a:extLst>
+          </p:spPr>
+          <p:txBody>
+            <a:bodyPr wrap="square">
+              <a:spAutoFit/>
+            </a:bodyPr>
+            <a:lstStyle>
+              <a:lvl1pPr>
+                <a:defRPr>
+                  <a:solidFill>
+                    <a:schemeClr val="tx1"/>
+                  </a:solidFill>
+                  <a:latin typeface="Calibri" panose="020F0502020204030204" pitchFamily="34" charset="0"/>
+                </a:defRPr>
+              </a:lvl1pPr>
+              <a:lvl2pPr marL="742950" indent="-285750">
+                <a:defRPr>
+                  <a:solidFill>
+                    <a:schemeClr val="tx1"/>
+                  </a:solidFill>
+                  <a:latin typeface="Calibri" panose="020F0502020204030204" pitchFamily="34" charset="0"/>
+                </a:defRPr>
+              </a:lvl2pPr>
+              <a:lvl3pPr marL="1143000" indent="-228600">
+                <a:defRPr>
+                  <a:solidFill>
+                    <a:schemeClr val="tx1"/>
+                  </a:solidFill>
+                  <a:latin typeface="Calibri" panose="020F0502020204030204" pitchFamily="34" charset="0"/>
+                </a:defRPr>
+              </a:lvl3pPr>
+              <a:lvl4pPr marL="1600200" indent="-228600">
+                <a:defRPr>
+                  <a:solidFill>
+                    <a:schemeClr val="tx1"/>
+                  </a:solidFill>
+                  <a:latin typeface="Calibri" panose="020F0502020204030204" pitchFamily="34" charset="0"/>
+                </a:defRPr>
+              </a:lvl4pPr>
+              <a:lvl5pPr marL="2057400" indent="-228600">
+                <a:defRPr>
+                  <a:solidFill>
+                    <a:schemeClr val="tx1"/>
+                  </a:solidFill>
+                  <a:latin typeface="Calibri" panose="020F0502020204030204" pitchFamily="34" charset="0"/>
+                </a:defRPr>
+              </a:lvl5pPr>
+              <a:lvl6pPr marL="2514600" indent="-228600" eaLnBrk="0" fontAlgn="base" hangingPunct="0">
+                <a:spcBef>
+                  <a:spcPct val="0"/>
+                </a:spcBef>
+                <a:spcAft>
+                  <a:spcPct val="0"/>
+                </a:spcAft>
+                <a:defRPr>
+                  <a:solidFill>
+                    <a:schemeClr val="tx1"/>
+                  </a:solidFill>
+                  <a:latin typeface="Calibri" panose="020F0502020204030204" pitchFamily="34" charset="0"/>
+                </a:defRPr>
+              </a:lvl6pPr>
+              <a:lvl7pPr marL="2971800" indent="-228600" eaLnBrk="0" fontAlgn="base" hangingPunct="0">
+                <a:spcBef>
+                  <a:spcPct val="0"/>
+                </a:spcBef>
+                <a:spcAft>
+                  <a:spcPct val="0"/>
+                </a:spcAft>
+                <a:defRPr>
+                  <a:solidFill>
+                    <a:schemeClr val="tx1"/>
+                  </a:solidFill>
+                  <a:latin typeface="Calibri" panose="020F0502020204030204" pitchFamily="34" charset="0"/>
+                </a:defRPr>
+              </a:lvl7pPr>
+              <a:lvl8pPr marL="3429000" indent="-228600" eaLnBrk="0" fontAlgn="base" hangingPunct="0">
+                <a:spcBef>
+                  <a:spcPct val="0"/>
+                </a:spcBef>
+                <a:spcAft>
+                  <a:spcPct val="0"/>
+                </a:spcAft>
+                <a:defRPr>
+                  <a:solidFill>
+                    <a:schemeClr val="tx1"/>
+                  </a:solidFill>
+                  <a:latin typeface="Calibri" panose="020F0502020204030204" pitchFamily="34" charset="0"/>
+                </a:defRPr>
+              </a:lvl8pPr>
+              <a:lvl9pPr marL="3886200" indent="-228600" eaLnBrk="0" fontAlgn="base" hangingPunct="0">
+                <a:spcBef>
+                  <a:spcPct val="0"/>
+                </a:spcBef>
+                <a:spcAft>
+                  <a:spcPct val="0"/>
+                </a:spcAft>
+                <a:defRPr>
+                  <a:solidFill>
+                    <a:schemeClr val="tx1"/>
+                  </a:solidFill>
+                  <a:latin typeface="Calibri" panose="020F0502020204030204" pitchFamily="34" charset="0"/>
+                </a:defRPr>
+              </a:lvl9pPr>
+            </a:lstStyle>
+            <a:p>
+              <a:pPr algn="ctr" eaLnBrk="1" hangingPunct="1"/>
+              <a:r>
+                <a:rPr lang="en-US" altLang="en-US" sz="1000" dirty="0">
+                  <a:latin typeface="Arial" panose="020B0604020202020204" pitchFamily="34" charset="0"/>
+                  <a:ea typeface="Amazon Ember" panose="020B0603020204020204" pitchFamily="34" charset="0"/>
+                  <a:cs typeface="Arial" panose="020B0604020202020204" pitchFamily="34" charset="0"/>
+                </a:rPr>
+                <a:t>Elastic Compute Cloud (EC2)</a:t>
+              </a:r>
+            </a:p>
+          </p:txBody>
+        </p:sp>
+        <p:pic>
+          <p:nvPicPr>
+            <p:cNvPr id="26" name="Graphic 18">
+              <a:extLst>
+                <a:ext uri="{FF2B5EF4-FFF2-40B4-BE49-F238E27FC236}">
+                  <a16:creationId xmlns:a16="http://schemas.microsoft.com/office/drawing/2014/main" id="{17447196-6C1E-1740-A000-E71AB8D076DD}"/>
+                </a:ext>
+              </a:extLst>
+            </p:cNvPr>
+            <p:cNvPicPr>
+              <a:picLocks noChangeAspect="1" noChangeArrowheads="1"/>
+            </p:cNvPicPr>
+            <p:nvPr/>
+          </p:nvPicPr>
+          <p:blipFill>
+            <a:blip r:embed="rId9">
+              <a:extLst>
+                <a:ext uri="{28A0092B-C50C-407E-A947-70E740481C1C}">
+                  <a14:useLocalDpi xmlns:a14="http://schemas.microsoft.com/office/drawing/2010/main" val="0"/>
+                </a:ext>
+              </a:extLst>
+            </a:blip>
+            <a:srcRect/>
+            <a:stretch>
+              <a:fillRect/>
+            </a:stretch>
+          </p:blipFill>
+          <p:spPr bwMode="auto">
+            <a:xfrm>
+              <a:off x="7559303" y="2683155"/>
+              <a:ext cx="471213" cy="471213"/>
+            </a:xfrm>
+            <a:prstGeom prst="rect">
+              <a:avLst/>
+            </a:prstGeom>
+            <a:noFill/>
+            <a:ln>
+              <a:noFill/>
+            </a:ln>
+            <a:extLst>
+              <a:ext uri="{909E8E84-426E-40DD-AFC4-6F175D3DCCD1}">
+                <a14:hiddenFill xmlns:a14="http://schemas.microsoft.com/office/drawing/2010/main">
+                  <a:solidFill>
+                    <a:srgbClr val="FFFFFF"/>
+                  </a:solidFill>
+                </a14:hiddenFill>
+              </a:ext>
+              <a:ext uri="{91240B29-F687-4F45-9708-019B960494DF}">
+                <a14:hiddenLine xmlns:a14="http://schemas.microsoft.com/office/drawing/2010/main" w="9525">
+                  <a:solidFill>
+                    <a:srgbClr val="000000"/>
+                  </a:solidFill>
+                  <a:miter lim="800000"/>
+                  <a:headEnd/>
+                  <a:tailEnd/>
+                </a14:hiddenLine>
+              </a:ext>
+            </a:extLst>
+          </p:spPr>
+        </p:pic>
+        <p:sp>
+          <p:nvSpPr>
+            <p:cNvPr id="27" name="TextBox 6">
+              <a:extLst>
+                <a:ext uri="{FF2B5EF4-FFF2-40B4-BE49-F238E27FC236}">
+                  <a16:creationId xmlns:a16="http://schemas.microsoft.com/office/drawing/2014/main" id="{763D900E-C4C3-C249-A842-8B812416B3A3}"/>
+                </a:ext>
+              </a:extLst>
+            </p:cNvPr>
+            <p:cNvSpPr txBox="1">
+              <a:spLocks noChangeArrowheads="1"/>
+            </p:cNvSpPr>
+            <p:nvPr/>
+          </p:nvSpPr>
+          <p:spPr bwMode="auto">
+            <a:xfrm>
+              <a:off x="7091845" y="3127166"/>
+              <a:ext cx="1406127" cy="415498"/>
+            </a:xfrm>
+            <a:prstGeom prst="rect">
+              <a:avLst/>
+            </a:prstGeom>
+            <a:noFill/>
+            <a:ln>
+              <a:noFill/>
+            </a:ln>
+            <a:extLst>
+              <a:ext uri="{909E8E84-426E-40DD-AFC4-6F175D3DCCD1}">
+                <a14:hiddenFill xmlns:a14="http://schemas.microsoft.com/office/drawing/2010/main">
+                  <a:solidFill>
+                    <a:srgbClr val="FFFFFF"/>
+                  </a:solidFill>
+                </a14:hiddenFill>
+              </a:ext>
+              <a:ext uri="{91240B29-F687-4F45-9708-019B960494DF}">
+                <a14:hiddenLine xmlns:a14="http://schemas.microsoft.com/office/drawing/2010/main" w="9525">
+                  <a:solidFill>
+                    <a:srgbClr val="000000"/>
+                  </a:solidFill>
+                  <a:miter lim="800000"/>
+                  <a:headEnd/>
+                  <a:tailEnd/>
+                </a14:hiddenLine>
+              </a:ext>
+            </a:extLst>
+          </p:spPr>
+          <p:txBody>
+            <a:bodyPr wrap="square">
+              <a:spAutoFit/>
+            </a:bodyPr>
+            <a:lstStyle>
+              <a:lvl1pPr>
+                <a:defRPr>
+                  <a:solidFill>
+                    <a:schemeClr val="tx1"/>
+                  </a:solidFill>
+                  <a:latin typeface="Calibri" panose="020F0502020204030204" pitchFamily="34" charset="0"/>
+                </a:defRPr>
+              </a:lvl1pPr>
+              <a:lvl2pPr marL="742950" indent="-285750">
+                <a:defRPr>
+                  <a:solidFill>
+                    <a:schemeClr val="tx1"/>
+                  </a:solidFill>
+                  <a:latin typeface="Calibri" panose="020F0502020204030204" pitchFamily="34" charset="0"/>
+                </a:defRPr>
+              </a:lvl2pPr>
+              <a:lvl3pPr marL="1143000" indent="-228600">
+                <a:defRPr>
+                  <a:solidFill>
+                    <a:schemeClr val="tx1"/>
+                  </a:solidFill>
+                  <a:latin typeface="Calibri" panose="020F0502020204030204" pitchFamily="34" charset="0"/>
+                </a:defRPr>
+              </a:lvl3pPr>
+              <a:lvl4pPr marL="1600200" indent="-228600">
+                <a:defRPr>
+                  <a:solidFill>
+                    <a:schemeClr val="tx1"/>
+                  </a:solidFill>
+                  <a:latin typeface="Calibri" panose="020F0502020204030204" pitchFamily="34" charset="0"/>
+                </a:defRPr>
+              </a:lvl4pPr>
+              <a:lvl5pPr marL="2057400" indent="-228600">
+                <a:defRPr>
+                  <a:solidFill>
+                    <a:schemeClr val="tx1"/>
+                  </a:solidFill>
+                  <a:latin typeface="Calibri" panose="020F0502020204030204" pitchFamily="34" charset="0"/>
+                </a:defRPr>
+              </a:lvl5pPr>
+              <a:lvl6pPr marL="2514600" indent="-228600" eaLnBrk="0" fontAlgn="base" hangingPunct="0">
+                <a:spcBef>
+                  <a:spcPct val="0"/>
+                </a:spcBef>
+                <a:spcAft>
+                  <a:spcPct val="0"/>
+                </a:spcAft>
+                <a:defRPr>
+                  <a:solidFill>
+                    <a:schemeClr val="tx1"/>
+                  </a:solidFill>
+                  <a:latin typeface="Calibri" panose="020F0502020204030204" pitchFamily="34" charset="0"/>
+                </a:defRPr>
+              </a:lvl6pPr>
+              <a:lvl7pPr marL="2971800" indent="-228600" eaLnBrk="0" fontAlgn="base" hangingPunct="0">
+                <a:spcBef>
+                  <a:spcPct val="0"/>
+                </a:spcBef>
+                <a:spcAft>
+                  <a:spcPct val="0"/>
+                </a:spcAft>
+                <a:defRPr>
+                  <a:solidFill>
+                    <a:schemeClr val="tx1"/>
+                  </a:solidFill>
+                  <a:latin typeface="Calibri" panose="020F0502020204030204" pitchFamily="34" charset="0"/>
+                </a:defRPr>
+              </a:lvl7pPr>
+              <a:lvl8pPr marL="3429000" indent="-228600" eaLnBrk="0" fontAlgn="base" hangingPunct="0">
+                <a:spcBef>
+                  <a:spcPct val="0"/>
+                </a:spcBef>
+                <a:spcAft>
+                  <a:spcPct val="0"/>
+                </a:spcAft>
+                <a:defRPr>
+                  <a:solidFill>
+                    <a:schemeClr val="tx1"/>
+                  </a:solidFill>
+                  <a:latin typeface="Calibri" panose="020F0502020204030204" pitchFamily="34" charset="0"/>
+                </a:defRPr>
+              </a:lvl8pPr>
+              <a:lvl9pPr marL="3886200" indent="-228600" eaLnBrk="0" fontAlgn="base" hangingPunct="0">
+                <a:spcBef>
+                  <a:spcPct val="0"/>
+                </a:spcBef>
+                <a:spcAft>
+                  <a:spcPct val="0"/>
+                </a:spcAft>
+                <a:defRPr>
+                  <a:solidFill>
+                    <a:schemeClr val="tx1"/>
+                  </a:solidFill>
+                  <a:latin typeface="Calibri" panose="020F0502020204030204" pitchFamily="34" charset="0"/>
+                </a:defRPr>
+              </a:lvl9pPr>
+            </a:lstStyle>
+            <a:p>
+              <a:pPr algn="ctr" eaLnBrk="1" hangingPunct="1"/>
+              <a:r>
+                <a:rPr lang="en-US" altLang="en-US" sz="1000" dirty="0">
+                  <a:latin typeface="Arial" panose="020B0604020202020204" pitchFamily="34" charset="0"/>
+                  <a:ea typeface="Amazon Ember" panose="020B0603020204020204" pitchFamily="34" charset="0"/>
+                  <a:cs typeface="Arial" panose="020B0604020202020204" pitchFamily="34" charset="0"/>
+                </a:rPr>
+                <a:t>Elastic Container Service (EC2)</a:t>
+              </a:r>
+            </a:p>
+          </p:txBody>
+        </p:sp>
+        <p:pic>
+          <p:nvPicPr>
+            <p:cNvPr id="28" name="Graphic 7">
+              <a:extLst>
+                <a:ext uri="{FF2B5EF4-FFF2-40B4-BE49-F238E27FC236}">
+                  <a16:creationId xmlns:a16="http://schemas.microsoft.com/office/drawing/2014/main" id="{9596FB62-088F-3C49-A096-03228E3706DF}"/>
+                </a:ext>
+              </a:extLst>
+            </p:cNvPr>
+            <p:cNvPicPr>
+              <a:picLocks noChangeAspect="1" noChangeArrowheads="1"/>
+            </p:cNvPicPr>
+            <p:nvPr/>
+          </p:nvPicPr>
+          <p:blipFill>
+            <a:blip r:embed="rId10">
+              <a:extLst>
+                <a:ext uri="{28A0092B-C50C-407E-A947-70E740481C1C}">
+                  <a14:useLocalDpi xmlns:a14="http://schemas.microsoft.com/office/drawing/2010/main" val="0"/>
+                </a:ext>
+              </a:extLst>
+            </a:blip>
+            <a:srcRect/>
+            <a:stretch>
+              <a:fillRect/>
+            </a:stretch>
+          </p:blipFill>
+          <p:spPr bwMode="auto">
+            <a:xfrm>
+              <a:off x="8278887" y="1797419"/>
+              <a:ext cx="465197" cy="465197"/>
+            </a:xfrm>
+            <a:prstGeom prst="rect">
+              <a:avLst/>
+            </a:prstGeom>
+            <a:noFill/>
+            <a:ln>
+              <a:noFill/>
+            </a:ln>
+            <a:extLst>
+              <a:ext uri="{909E8E84-426E-40DD-AFC4-6F175D3DCCD1}">
+                <a14:hiddenFill xmlns:a14="http://schemas.microsoft.com/office/drawing/2010/main">
+                  <a:solidFill>
+                    <a:srgbClr val="FFFFFF"/>
+                  </a:solidFill>
+                </a14:hiddenFill>
+              </a:ext>
+              <a:ext uri="{91240B29-F687-4F45-9708-019B960494DF}">
+                <a14:hiddenLine xmlns:a14="http://schemas.microsoft.com/office/drawing/2010/main" w="9525">
+                  <a:solidFill>
+                    <a:srgbClr val="000000"/>
+                  </a:solidFill>
+                  <a:miter lim="800000"/>
+                  <a:headEnd/>
+                  <a:tailEnd/>
+                </a14:hiddenLine>
+              </a:ext>
+            </a:extLst>
+          </p:spPr>
+        </p:pic>
+        <p:sp>
+          <p:nvSpPr>
+            <p:cNvPr id="29" name="TextBox 6">
+              <a:extLst>
+                <a:ext uri="{FF2B5EF4-FFF2-40B4-BE49-F238E27FC236}">
+                  <a16:creationId xmlns:a16="http://schemas.microsoft.com/office/drawing/2014/main" id="{6CF444FC-ACB4-634A-A58C-4C54CE504903}"/>
+                </a:ext>
+              </a:extLst>
+            </p:cNvPr>
+            <p:cNvSpPr txBox="1">
+              <a:spLocks noChangeArrowheads="1"/>
+            </p:cNvSpPr>
+            <p:nvPr/>
+          </p:nvSpPr>
+          <p:spPr bwMode="auto">
+            <a:xfrm>
+              <a:off x="8046246" y="2262616"/>
+              <a:ext cx="930478" cy="253916"/>
+            </a:xfrm>
+            <a:prstGeom prst="rect">
+              <a:avLst/>
+            </a:prstGeom>
+            <a:noFill/>
+            <a:ln>
+              <a:noFill/>
+            </a:ln>
+            <a:extLst>
+              <a:ext uri="{909E8E84-426E-40DD-AFC4-6F175D3DCCD1}">
+                <a14:hiddenFill xmlns:a14="http://schemas.microsoft.com/office/drawing/2010/main">
+                  <a:solidFill>
+                    <a:srgbClr val="FFFFFF"/>
+                  </a:solidFill>
+                </a14:hiddenFill>
+              </a:ext>
+              <a:ext uri="{91240B29-F687-4F45-9708-019B960494DF}">
+                <a14:hiddenLine xmlns:a14="http://schemas.microsoft.com/office/drawing/2010/main" w="9525">
+                  <a:solidFill>
+                    <a:srgbClr val="000000"/>
+                  </a:solidFill>
+                  <a:miter lim="800000"/>
+                  <a:headEnd/>
+                  <a:tailEnd/>
+                </a14:hiddenLine>
+              </a:ext>
+            </a:extLst>
+          </p:spPr>
+          <p:txBody>
+            <a:bodyPr wrap="square">
+              <a:spAutoFit/>
+            </a:bodyPr>
+            <a:lstStyle>
+              <a:lvl1pPr>
+                <a:defRPr>
+                  <a:solidFill>
+                    <a:schemeClr val="tx1"/>
+                  </a:solidFill>
+                  <a:latin typeface="Calibri" panose="020F0502020204030204" pitchFamily="34" charset="0"/>
+                </a:defRPr>
+              </a:lvl1pPr>
+              <a:lvl2pPr marL="742950" indent="-285750">
+                <a:defRPr>
+                  <a:solidFill>
+                    <a:schemeClr val="tx1"/>
+                  </a:solidFill>
+                  <a:latin typeface="Calibri" panose="020F0502020204030204" pitchFamily="34" charset="0"/>
+                </a:defRPr>
+              </a:lvl2pPr>
+              <a:lvl3pPr marL="1143000" indent="-228600">
+                <a:defRPr>
+                  <a:solidFill>
+                    <a:schemeClr val="tx1"/>
+                  </a:solidFill>
+                  <a:latin typeface="Calibri" panose="020F0502020204030204" pitchFamily="34" charset="0"/>
+                </a:defRPr>
+              </a:lvl3pPr>
+              <a:lvl4pPr marL="1600200" indent="-228600">
+                <a:defRPr>
+                  <a:solidFill>
+                    <a:schemeClr val="tx1"/>
+                  </a:solidFill>
+                  <a:latin typeface="Calibri" panose="020F0502020204030204" pitchFamily="34" charset="0"/>
+                </a:defRPr>
+              </a:lvl4pPr>
+              <a:lvl5pPr marL="2057400" indent="-228600">
+                <a:defRPr>
+                  <a:solidFill>
+                    <a:schemeClr val="tx1"/>
+                  </a:solidFill>
+                  <a:latin typeface="Calibri" panose="020F0502020204030204" pitchFamily="34" charset="0"/>
+                </a:defRPr>
+              </a:lvl5pPr>
+              <a:lvl6pPr marL="2514600" indent="-228600" eaLnBrk="0" fontAlgn="base" hangingPunct="0">
+                <a:spcBef>
+                  <a:spcPct val="0"/>
+                </a:spcBef>
+                <a:spcAft>
+                  <a:spcPct val="0"/>
+                </a:spcAft>
+                <a:defRPr>
+                  <a:solidFill>
+                    <a:schemeClr val="tx1"/>
+                  </a:solidFill>
+                  <a:latin typeface="Calibri" panose="020F0502020204030204" pitchFamily="34" charset="0"/>
+                </a:defRPr>
+              </a:lvl6pPr>
+              <a:lvl7pPr marL="2971800" indent="-228600" eaLnBrk="0" fontAlgn="base" hangingPunct="0">
+                <a:spcBef>
+                  <a:spcPct val="0"/>
+                </a:spcBef>
+                <a:spcAft>
+                  <a:spcPct val="0"/>
+                </a:spcAft>
+                <a:defRPr>
+                  <a:solidFill>
+                    <a:schemeClr val="tx1"/>
+                  </a:solidFill>
+                  <a:latin typeface="Calibri" panose="020F0502020204030204" pitchFamily="34" charset="0"/>
+                </a:defRPr>
+              </a:lvl7pPr>
+              <a:lvl8pPr marL="3429000" indent="-228600" eaLnBrk="0" fontAlgn="base" hangingPunct="0">
+                <a:spcBef>
+                  <a:spcPct val="0"/>
+                </a:spcBef>
+                <a:spcAft>
+                  <a:spcPct val="0"/>
+                </a:spcAft>
+                <a:defRPr>
+                  <a:solidFill>
+                    <a:schemeClr val="tx1"/>
+                  </a:solidFill>
+                  <a:latin typeface="Calibri" panose="020F0502020204030204" pitchFamily="34" charset="0"/>
+                </a:defRPr>
+              </a:lvl8pPr>
+              <a:lvl9pPr marL="3886200" indent="-228600" eaLnBrk="0" fontAlgn="base" hangingPunct="0">
+                <a:spcBef>
+                  <a:spcPct val="0"/>
+                </a:spcBef>
+                <a:spcAft>
+                  <a:spcPct val="0"/>
+                </a:spcAft>
+                <a:defRPr>
+                  <a:solidFill>
+                    <a:schemeClr val="tx1"/>
+                  </a:solidFill>
+                  <a:latin typeface="Calibri" panose="020F0502020204030204" pitchFamily="34" charset="0"/>
+                </a:defRPr>
+              </a:lvl9pPr>
+            </a:lstStyle>
+            <a:p>
+              <a:pPr algn="ctr" eaLnBrk="1" hangingPunct="1"/>
+              <a:r>
+                <a:rPr lang="en-US" altLang="en-US" sz="1000" dirty="0">
+                  <a:latin typeface="Arial" panose="020B0604020202020204" pitchFamily="34" charset="0"/>
+                  <a:ea typeface="Amazon Ember" panose="020B0603020204020204" pitchFamily="34" charset="0"/>
+                  <a:cs typeface="Arial" panose="020B0604020202020204" pitchFamily="34" charset="0"/>
+                </a:rPr>
+                <a:t>Lambda</a:t>
+              </a:r>
+            </a:p>
+          </p:txBody>
+        </p:sp>
+      </p:grpSp>
+      <p:grpSp>
+        <p:nvGrpSpPr>
+          <p:cNvPr id="6" name="Group 5">
             <a:extLst>
               <a:ext uri="{FF2B5EF4-FFF2-40B4-BE49-F238E27FC236}">
-                <a16:creationId xmlns:a16="http://schemas.microsoft.com/office/drawing/2014/main" id="{101653EB-E85E-6549-8418-CDF6993D9929}"/>
+                <a16:creationId xmlns:a16="http://schemas.microsoft.com/office/drawing/2014/main" id="{FA768B87-8999-1342-A367-F6BA69C4EA2C}"/>
               </a:ext>
             </a:extLst>
           </p:cNvPr>
-          <p:cNvSpPr/>
+          <p:cNvGrpSpPr/>
           <p:nvPr/>
-        </p:nvSpPr>
-        <p:spPr>
+        </p:nvGrpSpPr>
+        <p:grpSpPr>
           <a:xfrm>
-            <a:off x="9294393" y="1467305"/>
-            <a:ext cx="2737183" cy="2129517"/>
+            <a:off x="9278612" y="1467305"/>
+            <a:ext cx="2752964" cy="2129517"/>
+            <a:chOff x="9278612" y="1467305"/>
+            <a:chExt cx="2752964" cy="2129517"/>
           </a:xfrm>
-          <a:prstGeom prst="rect">
-            <a:avLst/>
-          </a:prstGeom>
-          <a:solidFill>
-            <a:schemeClr val="accent6">
-              <a:lumMod val="20000"/>
-              <a:lumOff val="80000"/>
-            </a:schemeClr>
-          </a:solidFill>
-        </p:spPr>
-        <p:style>
-          <a:lnRef idx="2">
-            <a:schemeClr val="accent1">
-              <a:shade val="50000"/>
-            </a:schemeClr>
-          </a:lnRef>
-          <a:fillRef idx="1">
-            <a:schemeClr val="accent1"/>
-          </a:fillRef>
-          <a:effectRef idx="0">
-            <a:schemeClr val="accent1"/>
-          </a:effectRef>
-          <a:fontRef idx="minor">
-            <a:schemeClr val="lt1"/>
-          </a:fontRef>
-        </p:style>
-        <p:txBody>
-          <a:bodyPr rtlCol="0" anchor="t"/>
-          <a:lstStyle/>
-          <a:p>
-            <a:r>
-              <a:rPr lang="en-US" sz="1200" dirty="0">
-                <a:solidFill>
-                  <a:srgbClr val="002060"/>
-                </a:solidFill>
-                <a:latin typeface="Montserrat" pitchFamily="2" charset="77"/>
-              </a:rPr>
-              <a:t>Storage services</a:t>
-            </a:r>
-          </a:p>
-        </p:txBody>
-      </p:sp>
-      <p:sp>
-        <p:nvSpPr>
-          <p:cNvPr id="22" name="Rectangle 21">
+        </p:grpSpPr>
+        <p:sp>
+          <p:nvSpPr>
+            <p:cNvPr id="21" name="Rectangle 20">
+              <a:extLst>
+                <a:ext uri="{FF2B5EF4-FFF2-40B4-BE49-F238E27FC236}">
+                  <a16:creationId xmlns:a16="http://schemas.microsoft.com/office/drawing/2014/main" id="{101653EB-E85E-6549-8418-CDF6993D9929}"/>
+                </a:ext>
+              </a:extLst>
+            </p:cNvPr>
+            <p:cNvSpPr/>
+            <p:nvPr/>
+          </p:nvSpPr>
+          <p:spPr>
+            <a:xfrm>
+              <a:off x="9294393" y="1467305"/>
+              <a:ext cx="2737183" cy="2129517"/>
+            </a:xfrm>
+            <a:prstGeom prst="rect">
+              <a:avLst/>
+            </a:prstGeom>
+            <a:solidFill>
+              <a:schemeClr val="accent6">
+                <a:lumMod val="20000"/>
+                <a:lumOff val="80000"/>
+              </a:schemeClr>
+            </a:solidFill>
+          </p:spPr>
+          <p:style>
+            <a:lnRef idx="2">
+              <a:schemeClr val="accent1">
+                <a:shade val="50000"/>
+              </a:schemeClr>
+            </a:lnRef>
+            <a:fillRef idx="1">
+              <a:schemeClr val="accent1"/>
+            </a:fillRef>
+            <a:effectRef idx="0">
+              <a:schemeClr val="accent1"/>
+            </a:effectRef>
+            <a:fontRef idx="minor">
+              <a:schemeClr val="lt1"/>
+            </a:fontRef>
+          </p:style>
+          <p:txBody>
+            <a:bodyPr rtlCol="0" anchor="t"/>
+            <a:lstStyle/>
+            <a:p>
+              <a:r>
+                <a:rPr lang="en-US" sz="1200" dirty="0">
+                  <a:solidFill>
+                    <a:srgbClr val="002060"/>
+                  </a:solidFill>
+                  <a:latin typeface="Montserrat" pitchFamily="2" charset="77"/>
+                </a:rPr>
+                <a:t>Storage services</a:t>
+              </a:r>
+            </a:p>
+          </p:txBody>
+        </p:sp>
+        <p:pic>
+          <p:nvPicPr>
+            <p:cNvPr id="30" name="Graphic 19">
+              <a:extLst>
+                <a:ext uri="{FF2B5EF4-FFF2-40B4-BE49-F238E27FC236}">
+                  <a16:creationId xmlns:a16="http://schemas.microsoft.com/office/drawing/2014/main" id="{0F94475D-AE72-BF46-B9F2-EA910DF7A714}"/>
+                </a:ext>
+              </a:extLst>
+            </p:cNvPr>
+            <p:cNvPicPr>
+              <a:picLocks noChangeAspect="1" noChangeArrowheads="1"/>
+            </p:cNvPicPr>
+            <p:nvPr/>
+          </p:nvPicPr>
+          <p:blipFill>
+            <a:blip r:embed="rId11">
+              <a:extLst>
+                <a:ext uri="{28A0092B-C50C-407E-A947-70E740481C1C}">
+                  <a14:useLocalDpi xmlns:a14="http://schemas.microsoft.com/office/drawing/2010/main" val="0"/>
+                </a:ext>
+              </a:extLst>
+            </a:blip>
+            <a:srcRect/>
+            <a:stretch>
+              <a:fillRect/>
+            </a:stretch>
+          </p:blipFill>
+          <p:spPr bwMode="auto">
+            <a:xfrm>
+              <a:off x="11192133" y="1804613"/>
+              <a:ext cx="464937" cy="464937"/>
+            </a:xfrm>
+            <a:prstGeom prst="rect">
+              <a:avLst/>
+            </a:prstGeom>
+            <a:noFill/>
+            <a:ln>
+              <a:noFill/>
+            </a:ln>
+            <a:extLst>
+              <a:ext uri="{909E8E84-426E-40DD-AFC4-6F175D3DCCD1}">
+                <a14:hiddenFill xmlns:a14="http://schemas.microsoft.com/office/drawing/2010/main">
+                  <a:solidFill>
+                    <a:srgbClr val="FFFFFF"/>
+                  </a:solidFill>
+                </a14:hiddenFill>
+              </a:ext>
+              <a:ext uri="{91240B29-F687-4F45-9708-019B960494DF}">
+                <a14:hiddenLine xmlns:a14="http://schemas.microsoft.com/office/drawing/2010/main" w="9525">
+                  <a:solidFill>
+                    <a:srgbClr val="000000"/>
+                  </a:solidFill>
+                  <a:miter lim="800000"/>
+                  <a:headEnd/>
+                  <a:tailEnd/>
+                </a14:hiddenLine>
+              </a:ext>
+            </a:extLst>
+          </p:spPr>
+        </p:pic>
+        <p:pic>
+          <p:nvPicPr>
+            <p:cNvPr id="31" name="Graphic 17">
+              <a:extLst>
+                <a:ext uri="{FF2B5EF4-FFF2-40B4-BE49-F238E27FC236}">
+                  <a16:creationId xmlns:a16="http://schemas.microsoft.com/office/drawing/2014/main" id="{507F4523-854E-454D-B2E2-C50F01642471}"/>
+                </a:ext>
+              </a:extLst>
+            </p:cNvPr>
+            <p:cNvPicPr>
+              <a:picLocks noChangeAspect="1" noChangeArrowheads="1"/>
+            </p:cNvPicPr>
+            <p:nvPr/>
+          </p:nvPicPr>
+          <p:blipFill>
+            <a:blip r:embed="rId12">
+              <a:extLst>
+                <a:ext uri="{28A0092B-C50C-407E-A947-70E740481C1C}">
+                  <a14:useLocalDpi xmlns:a14="http://schemas.microsoft.com/office/drawing/2010/main" val="0"/>
+                </a:ext>
+              </a:extLst>
+            </a:blip>
+            <a:srcRect/>
+            <a:stretch>
+              <a:fillRect/>
+            </a:stretch>
+          </p:blipFill>
+          <p:spPr bwMode="auto">
+            <a:xfrm>
+              <a:off x="10416020" y="2683155"/>
+              <a:ext cx="464937" cy="464937"/>
+            </a:xfrm>
+            <a:prstGeom prst="rect">
+              <a:avLst/>
+            </a:prstGeom>
+            <a:noFill/>
+            <a:ln>
+              <a:noFill/>
+            </a:ln>
+            <a:extLst>
+              <a:ext uri="{909E8E84-426E-40DD-AFC4-6F175D3DCCD1}">
+                <a14:hiddenFill xmlns:a14="http://schemas.microsoft.com/office/drawing/2010/main">
+                  <a:solidFill>
+                    <a:srgbClr val="FFFFFF"/>
+                  </a:solidFill>
+                </a14:hiddenFill>
+              </a:ext>
+              <a:ext uri="{91240B29-F687-4F45-9708-019B960494DF}">
+                <a14:hiddenLine xmlns:a14="http://schemas.microsoft.com/office/drawing/2010/main" w="9525">
+                  <a:solidFill>
+                    <a:srgbClr val="000000"/>
+                  </a:solidFill>
+                  <a:miter lim="800000"/>
+                  <a:headEnd/>
+                  <a:tailEnd/>
+                </a14:hiddenLine>
+              </a:ext>
+            </a:extLst>
+          </p:spPr>
+        </p:pic>
+        <p:pic>
+          <p:nvPicPr>
+            <p:cNvPr id="32" name="Graphic 8">
+              <a:extLst>
+                <a:ext uri="{FF2B5EF4-FFF2-40B4-BE49-F238E27FC236}">
+                  <a16:creationId xmlns:a16="http://schemas.microsoft.com/office/drawing/2014/main" id="{1CB12C80-4B4A-7347-8591-EA7C4D1AA48B}"/>
+                </a:ext>
+              </a:extLst>
+            </p:cNvPr>
+            <p:cNvPicPr>
+              <a:picLocks noChangeAspect="1" noChangeArrowheads="1"/>
+            </p:cNvPicPr>
+            <p:nvPr/>
+          </p:nvPicPr>
+          <p:blipFill>
+            <a:blip r:embed="rId13">
+              <a:extLst>
+                <a:ext uri="{28A0092B-C50C-407E-A947-70E740481C1C}">
+                  <a14:useLocalDpi xmlns:a14="http://schemas.microsoft.com/office/drawing/2010/main" val="0"/>
+                </a:ext>
+              </a:extLst>
+            </a:blip>
+            <a:srcRect/>
+            <a:stretch>
+              <a:fillRect/>
+            </a:stretch>
+          </p:blipFill>
+          <p:spPr bwMode="auto">
+            <a:xfrm>
+              <a:off x="9589658" y="1800252"/>
+              <a:ext cx="465197" cy="465197"/>
+            </a:xfrm>
+            <a:prstGeom prst="rect">
+              <a:avLst/>
+            </a:prstGeom>
+            <a:noFill/>
+            <a:ln>
+              <a:noFill/>
+            </a:ln>
+            <a:extLst>
+              <a:ext uri="{909E8E84-426E-40DD-AFC4-6F175D3DCCD1}">
+                <a14:hiddenFill xmlns:a14="http://schemas.microsoft.com/office/drawing/2010/main">
+                  <a:solidFill>
+                    <a:srgbClr val="FFFFFF"/>
+                  </a:solidFill>
+                </a14:hiddenFill>
+              </a:ext>
+              <a:ext uri="{91240B29-F687-4F45-9708-019B960494DF}">
+                <a14:hiddenLine xmlns:a14="http://schemas.microsoft.com/office/drawing/2010/main" w="9525">
+                  <a:solidFill>
+                    <a:srgbClr val="000000"/>
+                  </a:solidFill>
+                  <a:miter lim="800000"/>
+                  <a:headEnd/>
+                  <a:tailEnd/>
+                </a14:hiddenLine>
+              </a:ext>
+            </a:extLst>
+          </p:spPr>
+        </p:pic>
+        <p:sp>
+          <p:nvSpPr>
+            <p:cNvPr id="33" name="TextBox 6">
+              <a:extLst>
+                <a:ext uri="{FF2B5EF4-FFF2-40B4-BE49-F238E27FC236}">
+                  <a16:creationId xmlns:a16="http://schemas.microsoft.com/office/drawing/2014/main" id="{763632C9-0E09-9748-B0E6-F2F7A97C05BF}"/>
+                </a:ext>
+              </a:extLst>
+            </p:cNvPr>
+            <p:cNvSpPr txBox="1">
+              <a:spLocks noChangeArrowheads="1"/>
+            </p:cNvSpPr>
+            <p:nvPr/>
+          </p:nvSpPr>
+          <p:spPr bwMode="auto">
+            <a:xfrm>
+              <a:off x="10119340" y="3148092"/>
+              <a:ext cx="1087287" cy="400110"/>
+            </a:xfrm>
+            <a:prstGeom prst="rect">
+              <a:avLst/>
+            </a:prstGeom>
+            <a:noFill/>
+            <a:ln>
+              <a:noFill/>
+            </a:ln>
+            <a:extLst>
+              <a:ext uri="{909E8E84-426E-40DD-AFC4-6F175D3DCCD1}">
+                <a14:hiddenFill xmlns:a14="http://schemas.microsoft.com/office/drawing/2010/main">
+                  <a:solidFill>
+                    <a:srgbClr val="FFFFFF"/>
+                  </a:solidFill>
+                </a14:hiddenFill>
+              </a:ext>
+              <a:ext uri="{91240B29-F687-4F45-9708-019B960494DF}">
+                <a14:hiddenLine xmlns:a14="http://schemas.microsoft.com/office/drawing/2010/main" w="9525">
+                  <a:solidFill>
+                    <a:srgbClr val="000000"/>
+                  </a:solidFill>
+                  <a:miter lim="800000"/>
+                  <a:headEnd/>
+                  <a:tailEnd/>
+                </a14:hiddenLine>
+              </a:ext>
+            </a:extLst>
+          </p:spPr>
+          <p:txBody>
+            <a:bodyPr wrap="square">
+              <a:spAutoFit/>
+            </a:bodyPr>
+            <a:lstStyle>
+              <a:lvl1pPr>
+                <a:defRPr>
+                  <a:solidFill>
+                    <a:schemeClr val="tx1"/>
+                  </a:solidFill>
+                  <a:latin typeface="Calibri" panose="020F0502020204030204" pitchFamily="34" charset="0"/>
+                </a:defRPr>
+              </a:lvl1pPr>
+              <a:lvl2pPr marL="742950" indent="-285750">
+                <a:defRPr>
+                  <a:solidFill>
+                    <a:schemeClr val="tx1"/>
+                  </a:solidFill>
+                  <a:latin typeface="Calibri" panose="020F0502020204030204" pitchFamily="34" charset="0"/>
+                </a:defRPr>
+              </a:lvl2pPr>
+              <a:lvl3pPr marL="1143000" indent="-228600">
+                <a:defRPr>
+                  <a:solidFill>
+                    <a:schemeClr val="tx1"/>
+                  </a:solidFill>
+                  <a:latin typeface="Calibri" panose="020F0502020204030204" pitchFamily="34" charset="0"/>
+                </a:defRPr>
+              </a:lvl3pPr>
+              <a:lvl4pPr marL="1600200" indent="-228600">
+                <a:defRPr>
+                  <a:solidFill>
+                    <a:schemeClr val="tx1"/>
+                  </a:solidFill>
+                  <a:latin typeface="Calibri" panose="020F0502020204030204" pitchFamily="34" charset="0"/>
+                </a:defRPr>
+              </a:lvl4pPr>
+              <a:lvl5pPr marL="2057400" indent="-228600">
+                <a:defRPr>
+                  <a:solidFill>
+                    <a:schemeClr val="tx1"/>
+                  </a:solidFill>
+                  <a:latin typeface="Calibri" panose="020F0502020204030204" pitchFamily="34" charset="0"/>
+                </a:defRPr>
+              </a:lvl5pPr>
+              <a:lvl6pPr marL="2514600" indent="-228600" eaLnBrk="0" fontAlgn="base" hangingPunct="0">
+                <a:spcBef>
+                  <a:spcPct val="0"/>
+                </a:spcBef>
+                <a:spcAft>
+                  <a:spcPct val="0"/>
+                </a:spcAft>
+                <a:defRPr>
+                  <a:solidFill>
+                    <a:schemeClr val="tx1"/>
+                  </a:solidFill>
+                  <a:latin typeface="Calibri" panose="020F0502020204030204" pitchFamily="34" charset="0"/>
+                </a:defRPr>
+              </a:lvl6pPr>
+              <a:lvl7pPr marL="2971800" indent="-228600" eaLnBrk="0" fontAlgn="base" hangingPunct="0">
+                <a:spcBef>
+                  <a:spcPct val="0"/>
+                </a:spcBef>
+                <a:spcAft>
+                  <a:spcPct val="0"/>
+                </a:spcAft>
+                <a:defRPr>
+                  <a:solidFill>
+                    <a:schemeClr val="tx1"/>
+                  </a:solidFill>
+                  <a:latin typeface="Calibri" panose="020F0502020204030204" pitchFamily="34" charset="0"/>
+                </a:defRPr>
+              </a:lvl7pPr>
+              <a:lvl8pPr marL="3429000" indent="-228600" eaLnBrk="0" fontAlgn="base" hangingPunct="0">
+                <a:spcBef>
+                  <a:spcPct val="0"/>
+                </a:spcBef>
+                <a:spcAft>
+                  <a:spcPct val="0"/>
+                </a:spcAft>
+                <a:defRPr>
+                  <a:solidFill>
+                    <a:schemeClr val="tx1"/>
+                  </a:solidFill>
+                  <a:latin typeface="Calibri" panose="020F0502020204030204" pitchFamily="34" charset="0"/>
+                </a:defRPr>
+              </a:lvl8pPr>
+              <a:lvl9pPr marL="3886200" indent="-228600" eaLnBrk="0" fontAlgn="base" hangingPunct="0">
+                <a:spcBef>
+                  <a:spcPct val="0"/>
+                </a:spcBef>
+                <a:spcAft>
+                  <a:spcPct val="0"/>
+                </a:spcAft>
+                <a:defRPr>
+                  <a:solidFill>
+                    <a:schemeClr val="tx1"/>
+                  </a:solidFill>
+                  <a:latin typeface="Calibri" panose="020F0502020204030204" pitchFamily="34" charset="0"/>
+                </a:defRPr>
+              </a:lvl9pPr>
+            </a:lstStyle>
+            <a:p>
+              <a:pPr algn="ctr" eaLnBrk="1" hangingPunct="1"/>
+              <a:r>
+                <a:rPr lang="en-US" altLang="en-US" sz="1000" dirty="0">
+                  <a:latin typeface="Arial" panose="020B0604020202020204" pitchFamily="34" charset="0"/>
+                  <a:ea typeface="Amazon Ember" panose="020B0603020204020204" pitchFamily="34" charset="0"/>
+                  <a:cs typeface="Arial" panose="020B0604020202020204" pitchFamily="34" charset="0"/>
+                </a:rPr>
+                <a:t>Elastic Block Store (EBS)</a:t>
+              </a:r>
+            </a:p>
+          </p:txBody>
+        </p:sp>
+        <p:sp>
+          <p:nvSpPr>
+            <p:cNvPr id="34" name="TextBox 6">
+              <a:extLst>
+                <a:ext uri="{FF2B5EF4-FFF2-40B4-BE49-F238E27FC236}">
+                  <a16:creationId xmlns:a16="http://schemas.microsoft.com/office/drawing/2014/main" id="{E182D208-FF2E-2A4F-AE1E-7F69B26EDA61}"/>
+                </a:ext>
+              </a:extLst>
+            </p:cNvPr>
+            <p:cNvSpPr txBox="1">
+              <a:spLocks noChangeArrowheads="1"/>
+            </p:cNvSpPr>
+            <p:nvPr/>
+          </p:nvSpPr>
+          <p:spPr bwMode="auto">
+            <a:xfrm>
+              <a:off x="9278612" y="2262616"/>
+              <a:ext cx="1087287" cy="400110"/>
+            </a:xfrm>
+            <a:prstGeom prst="rect">
+              <a:avLst/>
+            </a:prstGeom>
+            <a:noFill/>
+            <a:ln>
+              <a:noFill/>
+            </a:ln>
+            <a:extLst>
+              <a:ext uri="{909E8E84-426E-40DD-AFC4-6F175D3DCCD1}">
+                <a14:hiddenFill xmlns:a14="http://schemas.microsoft.com/office/drawing/2010/main">
+                  <a:solidFill>
+                    <a:srgbClr val="FFFFFF"/>
+                  </a:solidFill>
+                </a14:hiddenFill>
+              </a:ext>
+              <a:ext uri="{91240B29-F687-4F45-9708-019B960494DF}">
+                <a14:hiddenLine xmlns:a14="http://schemas.microsoft.com/office/drawing/2010/main" w="9525">
+                  <a:solidFill>
+                    <a:srgbClr val="000000"/>
+                  </a:solidFill>
+                  <a:miter lim="800000"/>
+                  <a:headEnd/>
+                  <a:tailEnd/>
+                </a14:hiddenLine>
+              </a:ext>
+            </a:extLst>
+          </p:spPr>
+          <p:txBody>
+            <a:bodyPr wrap="square">
+              <a:spAutoFit/>
+            </a:bodyPr>
+            <a:lstStyle>
+              <a:lvl1pPr>
+                <a:defRPr>
+                  <a:solidFill>
+                    <a:schemeClr val="tx1"/>
+                  </a:solidFill>
+                  <a:latin typeface="Calibri" panose="020F0502020204030204" pitchFamily="34" charset="0"/>
+                </a:defRPr>
+              </a:lvl1pPr>
+              <a:lvl2pPr marL="742950" indent="-285750">
+                <a:defRPr>
+                  <a:solidFill>
+                    <a:schemeClr val="tx1"/>
+                  </a:solidFill>
+                  <a:latin typeface="Calibri" panose="020F0502020204030204" pitchFamily="34" charset="0"/>
+                </a:defRPr>
+              </a:lvl2pPr>
+              <a:lvl3pPr marL="1143000" indent="-228600">
+                <a:defRPr>
+                  <a:solidFill>
+                    <a:schemeClr val="tx1"/>
+                  </a:solidFill>
+                  <a:latin typeface="Calibri" panose="020F0502020204030204" pitchFamily="34" charset="0"/>
+                </a:defRPr>
+              </a:lvl3pPr>
+              <a:lvl4pPr marL="1600200" indent="-228600">
+                <a:defRPr>
+                  <a:solidFill>
+                    <a:schemeClr val="tx1"/>
+                  </a:solidFill>
+                  <a:latin typeface="Calibri" panose="020F0502020204030204" pitchFamily="34" charset="0"/>
+                </a:defRPr>
+              </a:lvl4pPr>
+              <a:lvl5pPr marL="2057400" indent="-228600">
+                <a:defRPr>
+                  <a:solidFill>
+                    <a:schemeClr val="tx1"/>
+                  </a:solidFill>
+                  <a:latin typeface="Calibri" panose="020F0502020204030204" pitchFamily="34" charset="0"/>
+                </a:defRPr>
+              </a:lvl5pPr>
+              <a:lvl6pPr marL="2514600" indent="-228600" eaLnBrk="0" fontAlgn="base" hangingPunct="0">
+                <a:spcBef>
+                  <a:spcPct val="0"/>
+                </a:spcBef>
+                <a:spcAft>
+                  <a:spcPct val="0"/>
+                </a:spcAft>
+                <a:defRPr>
+                  <a:solidFill>
+                    <a:schemeClr val="tx1"/>
+                  </a:solidFill>
+                  <a:latin typeface="Calibri" panose="020F0502020204030204" pitchFamily="34" charset="0"/>
+                </a:defRPr>
+              </a:lvl6pPr>
+              <a:lvl7pPr marL="2971800" indent="-228600" eaLnBrk="0" fontAlgn="base" hangingPunct="0">
+                <a:spcBef>
+                  <a:spcPct val="0"/>
+                </a:spcBef>
+                <a:spcAft>
+                  <a:spcPct val="0"/>
+                </a:spcAft>
+                <a:defRPr>
+                  <a:solidFill>
+                    <a:schemeClr val="tx1"/>
+                  </a:solidFill>
+                  <a:latin typeface="Calibri" panose="020F0502020204030204" pitchFamily="34" charset="0"/>
+                </a:defRPr>
+              </a:lvl7pPr>
+              <a:lvl8pPr marL="3429000" indent="-228600" eaLnBrk="0" fontAlgn="base" hangingPunct="0">
+                <a:spcBef>
+                  <a:spcPct val="0"/>
+                </a:spcBef>
+                <a:spcAft>
+                  <a:spcPct val="0"/>
+                </a:spcAft>
+                <a:defRPr>
+                  <a:solidFill>
+                    <a:schemeClr val="tx1"/>
+                  </a:solidFill>
+                  <a:latin typeface="Calibri" panose="020F0502020204030204" pitchFamily="34" charset="0"/>
+                </a:defRPr>
+              </a:lvl8pPr>
+              <a:lvl9pPr marL="3886200" indent="-228600" eaLnBrk="0" fontAlgn="base" hangingPunct="0">
+                <a:spcBef>
+                  <a:spcPct val="0"/>
+                </a:spcBef>
+                <a:spcAft>
+                  <a:spcPct val="0"/>
+                </a:spcAft>
+                <a:defRPr>
+                  <a:solidFill>
+                    <a:schemeClr val="tx1"/>
+                  </a:solidFill>
+                  <a:latin typeface="Calibri" panose="020F0502020204030204" pitchFamily="34" charset="0"/>
+                </a:defRPr>
+              </a:lvl9pPr>
+            </a:lstStyle>
+            <a:p>
+              <a:pPr algn="ctr" eaLnBrk="1" hangingPunct="1"/>
+              <a:r>
+                <a:rPr lang="en-US" altLang="en-US" sz="1000" dirty="0">
+                  <a:latin typeface="Arial" panose="020B0604020202020204" pitchFamily="34" charset="0"/>
+                  <a:ea typeface="Amazon Ember" panose="020B0603020204020204" pitchFamily="34" charset="0"/>
+                  <a:cs typeface="Arial" panose="020B0604020202020204" pitchFamily="34" charset="0"/>
+                </a:rPr>
+                <a:t>Simple Storage Service (S3)</a:t>
+              </a:r>
+            </a:p>
+          </p:txBody>
+        </p:sp>
+        <p:sp>
+          <p:nvSpPr>
+            <p:cNvPr id="35" name="TextBox 6">
+              <a:extLst>
+                <a:ext uri="{FF2B5EF4-FFF2-40B4-BE49-F238E27FC236}">
+                  <a16:creationId xmlns:a16="http://schemas.microsoft.com/office/drawing/2014/main" id="{0B062034-FDDA-7042-B736-AC51C9D51953}"/>
+                </a:ext>
+              </a:extLst>
+            </p:cNvPr>
+            <p:cNvSpPr txBox="1">
+              <a:spLocks noChangeArrowheads="1"/>
+            </p:cNvSpPr>
+            <p:nvPr/>
+          </p:nvSpPr>
+          <p:spPr bwMode="auto">
+            <a:xfrm>
+              <a:off x="10880957" y="2262616"/>
+              <a:ext cx="1087287" cy="400110"/>
+            </a:xfrm>
+            <a:prstGeom prst="rect">
+              <a:avLst/>
+            </a:prstGeom>
+            <a:noFill/>
+            <a:ln>
+              <a:noFill/>
+            </a:ln>
+            <a:extLst>
+              <a:ext uri="{909E8E84-426E-40DD-AFC4-6F175D3DCCD1}">
+                <a14:hiddenFill xmlns:a14="http://schemas.microsoft.com/office/drawing/2010/main">
+                  <a:solidFill>
+                    <a:srgbClr val="FFFFFF"/>
+                  </a:solidFill>
+                </a14:hiddenFill>
+              </a:ext>
+              <a:ext uri="{91240B29-F687-4F45-9708-019B960494DF}">
+                <a14:hiddenLine xmlns:a14="http://schemas.microsoft.com/office/drawing/2010/main" w="9525">
+                  <a:solidFill>
+                    <a:srgbClr val="000000"/>
+                  </a:solidFill>
+                  <a:miter lim="800000"/>
+                  <a:headEnd/>
+                  <a:tailEnd/>
+                </a14:hiddenLine>
+              </a:ext>
+            </a:extLst>
+          </p:spPr>
+          <p:txBody>
+            <a:bodyPr wrap="square">
+              <a:spAutoFit/>
+            </a:bodyPr>
+            <a:lstStyle>
+              <a:lvl1pPr>
+                <a:defRPr>
+                  <a:solidFill>
+                    <a:schemeClr val="tx1"/>
+                  </a:solidFill>
+                  <a:latin typeface="Calibri" panose="020F0502020204030204" pitchFamily="34" charset="0"/>
+                </a:defRPr>
+              </a:lvl1pPr>
+              <a:lvl2pPr marL="742950" indent="-285750">
+                <a:defRPr>
+                  <a:solidFill>
+                    <a:schemeClr val="tx1"/>
+                  </a:solidFill>
+                  <a:latin typeface="Calibri" panose="020F0502020204030204" pitchFamily="34" charset="0"/>
+                </a:defRPr>
+              </a:lvl2pPr>
+              <a:lvl3pPr marL="1143000" indent="-228600">
+                <a:defRPr>
+                  <a:solidFill>
+                    <a:schemeClr val="tx1"/>
+                  </a:solidFill>
+                  <a:latin typeface="Calibri" panose="020F0502020204030204" pitchFamily="34" charset="0"/>
+                </a:defRPr>
+              </a:lvl3pPr>
+              <a:lvl4pPr marL="1600200" indent="-228600">
+                <a:defRPr>
+                  <a:solidFill>
+                    <a:schemeClr val="tx1"/>
+                  </a:solidFill>
+                  <a:latin typeface="Calibri" panose="020F0502020204030204" pitchFamily="34" charset="0"/>
+                </a:defRPr>
+              </a:lvl4pPr>
+              <a:lvl5pPr marL="2057400" indent="-228600">
+                <a:defRPr>
+                  <a:solidFill>
+                    <a:schemeClr val="tx1"/>
+                  </a:solidFill>
+                  <a:latin typeface="Calibri" panose="020F0502020204030204" pitchFamily="34" charset="0"/>
+                </a:defRPr>
+              </a:lvl5pPr>
+              <a:lvl6pPr marL="2514600" indent="-228600" eaLnBrk="0" fontAlgn="base" hangingPunct="0">
+                <a:spcBef>
+                  <a:spcPct val="0"/>
+                </a:spcBef>
+                <a:spcAft>
+                  <a:spcPct val="0"/>
+                </a:spcAft>
+                <a:defRPr>
+                  <a:solidFill>
+                    <a:schemeClr val="tx1"/>
+                  </a:solidFill>
+                  <a:latin typeface="Calibri" panose="020F0502020204030204" pitchFamily="34" charset="0"/>
+                </a:defRPr>
+              </a:lvl6pPr>
+              <a:lvl7pPr marL="2971800" indent="-228600" eaLnBrk="0" fontAlgn="base" hangingPunct="0">
+                <a:spcBef>
+                  <a:spcPct val="0"/>
+                </a:spcBef>
+                <a:spcAft>
+                  <a:spcPct val="0"/>
+                </a:spcAft>
+                <a:defRPr>
+                  <a:solidFill>
+                    <a:schemeClr val="tx1"/>
+                  </a:solidFill>
+                  <a:latin typeface="Calibri" panose="020F0502020204030204" pitchFamily="34" charset="0"/>
+                </a:defRPr>
+              </a:lvl7pPr>
+              <a:lvl8pPr marL="3429000" indent="-228600" eaLnBrk="0" fontAlgn="base" hangingPunct="0">
+                <a:spcBef>
+                  <a:spcPct val="0"/>
+                </a:spcBef>
+                <a:spcAft>
+                  <a:spcPct val="0"/>
+                </a:spcAft>
+                <a:defRPr>
+                  <a:solidFill>
+                    <a:schemeClr val="tx1"/>
+                  </a:solidFill>
+                  <a:latin typeface="Calibri" panose="020F0502020204030204" pitchFamily="34" charset="0"/>
+                </a:defRPr>
+              </a:lvl8pPr>
+              <a:lvl9pPr marL="3886200" indent="-228600" eaLnBrk="0" fontAlgn="base" hangingPunct="0">
+                <a:spcBef>
+                  <a:spcPct val="0"/>
+                </a:spcBef>
+                <a:spcAft>
+                  <a:spcPct val="0"/>
+                </a:spcAft>
+                <a:defRPr>
+                  <a:solidFill>
+                    <a:schemeClr val="tx1"/>
+                  </a:solidFill>
+                  <a:latin typeface="Calibri" panose="020F0502020204030204" pitchFamily="34" charset="0"/>
+                </a:defRPr>
+              </a:lvl9pPr>
+            </a:lstStyle>
+            <a:p>
+              <a:pPr algn="ctr" eaLnBrk="1" hangingPunct="1"/>
+              <a:r>
+                <a:rPr lang="en-US" altLang="en-US" sz="1000" dirty="0">
+                  <a:latin typeface="Arial" panose="020B0604020202020204" pitchFamily="34" charset="0"/>
+                  <a:ea typeface="Amazon Ember" panose="020B0603020204020204" pitchFamily="34" charset="0"/>
+                  <a:cs typeface="Arial" panose="020B0604020202020204" pitchFamily="34" charset="0"/>
+                </a:rPr>
+                <a:t>Elastic File System (EFS)</a:t>
+              </a:r>
+            </a:p>
+          </p:txBody>
+        </p:sp>
+      </p:grpSp>
+      <p:grpSp>
+        <p:nvGrpSpPr>
+          <p:cNvPr id="8" name="Group 7">
             <a:extLst>
               <a:ext uri="{FF2B5EF4-FFF2-40B4-BE49-F238E27FC236}">
-                <a16:creationId xmlns:a16="http://schemas.microsoft.com/office/drawing/2014/main" id="{86F0F913-C3FB-314A-9A9C-45D30764B53F}"/>
+                <a16:creationId xmlns:a16="http://schemas.microsoft.com/office/drawing/2014/main" id="{B2658E47-A10B-A543-A8CE-D34929C605F6}"/>
               </a:ext>
             </a:extLst>
           </p:cNvPr>
-          <p:cNvSpPr/>
+          <p:cNvGrpSpPr/>
           <p:nvPr/>
-        </p:nvSpPr>
-        <p:spPr>
+        </p:nvGrpSpPr>
+        <p:grpSpPr>
           <a:xfrm>
-            <a:off x="6394783" y="3777369"/>
-            <a:ext cx="2737183" cy="2129517"/>
+            <a:off x="6382716" y="3777369"/>
+            <a:ext cx="2749250" cy="2129517"/>
+            <a:chOff x="6382716" y="3777369"/>
+            <a:chExt cx="2749250" cy="2129517"/>
           </a:xfrm>
-          <a:prstGeom prst="rect">
-            <a:avLst/>
-          </a:prstGeom>
-          <a:solidFill>
-            <a:schemeClr val="tx2">
-              <a:lumMod val="20000"/>
-              <a:lumOff val="80000"/>
-            </a:schemeClr>
-          </a:solidFill>
-        </p:spPr>
-        <p:style>
-          <a:lnRef idx="2">
-            <a:schemeClr val="accent1">
-              <a:shade val="50000"/>
-            </a:schemeClr>
-          </a:lnRef>
-          <a:fillRef idx="1">
-            <a:schemeClr val="accent1"/>
-          </a:fillRef>
-          <a:effectRef idx="0">
-            <a:schemeClr val="accent1"/>
-          </a:effectRef>
-          <a:fontRef idx="minor">
-            <a:schemeClr val="lt1"/>
-          </a:fontRef>
-        </p:style>
-        <p:txBody>
-          <a:bodyPr rtlCol="0" anchor="t"/>
-          <a:lstStyle/>
-          <a:p>
-            <a:r>
-              <a:rPr lang="en-US" sz="1200" dirty="0">
-                <a:solidFill>
-                  <a:srgbClr val="002060"/>
-                </a:solidFill>
-                <a:latin typeface="Montserrat" pitchFamily="2" charset="77"/>
-              </a:rPr>
-              <a:t>Networking services</a:t>
-            </a:r>
-          </a:p>
-        </p:txBody>
-      </p:sp>
-      <p:sp>
-        <p:nvSpPr>
-          <p:cNvPr id="23" name="Rectangle 22">
+        </p:grpSpPr>
+        <p:sp>
+          <p:nvSpPr>
+            <p:cNvPr id="22" name="Rectangle 21">
+              <a:extLst>
+                <a:ext uri="{FF2B5EF4-FFF2-40B4-BE49-F238E27FC236}">
+                  <a16:creationId xmlns:a16="http://schemas.microsoft.com/office/drawing/2014/main" id="{86F0F913-C3FB-314A-9A9C-45D30764B53F}"/>
+                </a:ext>
+              </a:extLst>
+            </p:cNvPr>
+            <p:cNvSpPr/>
+            <p:nvPr/>
+          </p:nvSpPr>
+          <p:spPr>
+            <a:xfrm>
+              <a:off x="6394783" y="3777369"/>
+              <a:ext cx="2737183" cy="2129517"/>
+            </a:xfrm>
+            <a:prstGeom prst="rect">
+              <a:avLst/>
+            </a:prstGeom>
+            <a:solidFill>
+              <a:srgbClr val="7030A0">
+                <a:alpha val="30180"/>
+              </a:srgbClr>
+            </a:solidFill>
+          </p:spPr>
+          <p:style>
+            <a:lnRef idx="2">
+              <a:schemeClr val="accent1">
+                <a:shade val="50000"/>
+              </a:schemeClr>
+            </a:lnRef>
+            <a:fillRef idx="1">
+              <a:schemeClr val="accent1"/>
+            </a:fillRef>
+            <a:effectRef idx="0">
+              <a:schemeClr val="accent1"/>
+            </a:effectRef>
+            <a:fontRef idx="minor">
+              <a:schemeClr val="lt1"/>
+            </a:fontRef>
+          </p:style>
+          <p:txBody>
+            <a:bodyPr rtlCol="0" anchor="t"/>
+            <a:lstStyle/>
+            <a:p>
+              <a:r>
+                <a:rPr lang="en-US" sz="1200" dirty="0">
+                  <a:solidFill>
+                    <a:srgbClr val="002060"/>
+                  </a:solidFill>
+                  <a:latin typeface="Montserrat" pitchFamily="2" charset="77"/>
+                </a:rPr>
+                <a:t>Networking services</a:t>
+              </a:r>
+            </a:p>
+          </p:txBody>
+        </p:sp>
+        <p:pic>
+          <p:nvPicPr>
+            <p:cNvPr id="36" name="Graphic 6">
+              <a:extLst>
+                <a:ext uri="{FF2B5EF4-FFF2-40B4-BE49-F238E27FC236}">
+                  <a16:creationId xmlns:a16="http://schemas.microsoft.com/office/drawing/2014/main" id="{70B757BC-BFC5-0243-916E-259D6C027588}"/>
+                </a:ext>
+              </a:extLst>
+            </p:cNvPr>
+            <p:cNvPicPr>
+              <a:picLocks noChangeAspect="1" noChangeArrowheads="1"/>
+            </p:cNvPicPr>
+            <p:nvPr/>
+          </p:nvPicPr>
+          <p:blipFill>
+            <a:blip r:embed="rId14">
+              <a:extLst>
+                <a:ext uri="{28A0092B-C50C-407E-A947-70E740481C1C}">
+                  <a14:useLocalDpi xmlns:a14="http://schemas.microsoft.com/office/drawing/2010/main" val="0"/>
+                </a:ext>
+              </a:extLst>
+            </a:blip>
+            <a:srcRect/>
+            <a:stretch>
+              <a:fillRect/>
+            </a:stretch>
+          </p:blipFill>
+          <p:spPr bwMode="auto">
+            <a:xfrm>
+              <a:off x="6732378" y="4161271"/>
+              <a:ext cx="465197" cy="465197"/>
+            </a:xfrm>
+            <a:prstGeom prst="rect">
+              <a:avLst/>
+            </a:prstGeom>
+            <a:noFill/>
+            <a:ln>
+              <a:noFill/>
+            </a:ln>
+            <a:extLst>
+              <a:ext uri="{909E8E84-426E-40DD-AFC4-6F175D3DCCD1}">
+                <a14:hiddenFill xmlns:a14="http://schemas.microsoft.com/office/drawing/2010/main">
+                  <a:solidFill>
+                    <a:srgbClr val="FFFFFF"/>
+                  </a:solidFill>
+                </a14:hiddenFill>
+              </a:ext>
+              <a:ext uri="{91240B29-F687-4F45-9708-019B960494DF}">
+                <a14:hiddenLine xmlns:a14="http://schemas.microsoft.com/office/drawing/2010/main" w="9525">
+                  <a:solidFill>
+                    <a:srgbClr val="000000"/>
+                  </a:solidFill>
+                  <a:miter lim="800000"/>
+                  <a:headEnd/>
+                  <a:tailEnd/>
+                </a14:hiddenLine>
+              </a:ext>
+            </a:extLst>
+          </p:spPr>
+        </p:pic>
+        <p:sp>
+          <p:nvSpPr>
+            <p:cNvPr id="37" name="TextBox 6">
+              <a:extLst>
+                <a:ext uri="{FF2B5EF4-FFF2-40B4-BE49-F238E27FC236}">
+                  <a16:creationId xmlns:a16="http://schemas.microsoft.com/office/drawing/2014/main" id="{A762A341-4AA5-5643-98D5-335609F70CEE}"/>
+                </a:ext>
+              </a:extLst>
+            </p:cNvPr>
+            <p:cNvSpPr txBox="1">
+              <a:spLocks noChangeArrowheads="1"/>
+            </p:cNvSpPr>
+            <p:nvPr/>
+          </p:nvSpPr>
+          <p:spPr bwMode="auto">
+            <a:xfrm>
+              <a:off x="8030516" y="4643143"/>
+              <a:ext cx="930478" cy="253916"/>
+            </a:xfrm>
+            <a:prstGeom prst="rect">
+              <a:avLst/>
+            </a:prstGeom>
+            <a:noFill/>
+            <a:ln>
+              <a:noFill/>
+            </a:ln>
+            <a:extLst>
+              <a:ext uri="{909E8E84-426E-40DD-AFC4-6F175D3DCCD1}">
+                <a14:hiddenFill xmlns:a14="http://schemas.microsoft.com/office/drawing/2010/main">
+                  <a:solidFill>
+                    <a:srgbClr val="FFFFFF"/>
+                  </a:solidFill>
+                </a14:hiddenFill>
+              </a:ext>
+              <a:ext uri="{91240B29-F687-4F45-9708-019B960494DF}">
+                <a14:hiddenLine xmlns:a14="http://schemas.microsoft.com/office/drawing/2010/main" w="9525">
+                  <a:solidFill>
+                    <a:srgbClr val="000000"/>
+                  </a:solidFill>
+                  <a:miter lim="800000"/>
+                  <a:headEnd/>
+                  <a:tailEnd/>
+                </a14:hiddenLine>
+              </a:ext>
+            </a:extLst>
+          </p:spPr>
+          <p:txBody>
+            <a:bodyPr wrap="square">
+              <a:spAutoFit/>
+            </a:bodyPr>
+            <a:lstStyle>
+              <a:lvl1pPr>
+                <a:defRPr>
+                  <a:solidFill>
+                    <a:schemeClr val="tx1"/>
+                  </a:solidFill>
+                  <a:latin typeface="Calibri" panose="020F0502020204030204" pitchFamily="34" charset="0"/>
+                </a:defRPr>
+              </a:lvl1pPr>
+              <a:lvl2pPr marL="742950" indent="-285750">
+                <a:defRPr>
+                  <a:solidFill>
+                    <a:schemeClr val="tx1"/>
+                  </a:solidFill>
+                  <a:latin typeface="Calibri" panose="020F0502020204030204" pitchFamily="34" charset="0"/>
+                </a:defRPr>
+              </a:lvl2pPr>
+              <a:lvl3pPr marL="1143000" indent="-228600">
+                <a:defRPr>
+                  <a:solidFill>
+                    <a:schemeClr val="tx1"/>
+                  </a:solidFill>
+                  <a:latin typeface="Calibri" panose="020F0502020204030204" pitchFamily="34" charset="0"/>
+                </a:defRPr>
+              </a:lvl3pPr>
+              <a:lvl4pPr marL="1600200" indent="-228600">
+                <a:defRPr>
+                  <a:solidFill>
+                    <a:schemeClr val="tx1"/>
+                  </a:solidFill>
+                  <a:latin typeface="Calibri" panose="020F0502020204030204" pitchFamily="34" charset="0"/>
+                </a:defRPr>
+              </a:lvl4pPr>
+              <a:lvl5pPr marL="2057400" indent="-228600">
+                <a:defRPr>
+                  <a:solidFill>
+                    <a:schemeClr val="tx1"/>
+                  </a:solidFill>
+                  <a:latin typeface="Calibri" panose="020F0502020204030204" pitchFamily="34" charset="0"/>
+                </a:defRPr>
+              </a:lvl5pPr>
+              <a:lvl6pPr marL="2514600" indent="-228600" eaLnBrk="0" fontAlgn="base" hangingPunct="0">
+                <a:spcBef>
+                  <a:spcPct val="0"/>
+                </a:spcBef>
+                <a:spcAft>
+                  <a:spcPct val="0"/>
+                </a:spcAft>
+                <a:defRPr>
+                  <a:solidFill>
+                    <a:schemeClr val="tx1"/>
+                  </a:solidFill>
+                  <a:latin typeface="Calibri" panose="020F0502020204030204" pitchFamily="34" charset="0"/>
+                </a:defRPr>
+              </a:lvl6pPr>
+              <a:lvl7pPr marL="2971800" indent="-228600" eaLnBrk="0" fontAlgn="base" hangingPunct="0">
+                <a:spcBef>
+                  <a:spcPct val="0"/>
+                </a:spcBef>
+                <a:spcAft>
+                  <a:spcPct val="0"/>
+                </a:spcAft>
+                <a:defRPr>
+                  <a:solidFill>
+                    <a:schemeClr val="tx1"/>
+                  </a:solidFill>
+                  <a:latin typeface="Calibri" panose="020F0502020204030204" pitchFamily="34" charset="0"/>
+                </a:defRPr>
+              </a:lvl7pPr>
+              <a:lvl8pPr marL="3429000" indent="-228600" eaLnBrk="0" fontAlgn="base" hangingPunct="0">
+                <a:spcBef>
+                  <a:spcPct val="0"/>
+                </a:spcBef>
+                <a:spcAft>
+                  <a:spcPct val="0"/>
+                </a:spcAft>
+                <a:defRPr>
+                  <a:solidFill>
+                    <a:schemeClr val="tx1"/>
+                  </a:solidFill>
+                  <a:latin typeface="Calibri" panose="020F0502020204030204" pitchFamily="34" charset="0"/>
+                </a:defRPr>
+              </a:lvl8pPr>
+              <a:lvl9pPr marL="3886200" indent="-228600" eaLnBrk="0" fontAlgn="base" hangingPunct="0">
+                <a:spcBef>
+                  <a:spcPct val="0"/>
+                </a:spcBef>
+                <a:spcAft>
+                  <a:spcPct val="0"/>
+                </a:spcAft>
+                <a:defRPr>
+                  <a:solidFill>
+                    <a:schemeClr val="tx1"/>
+                  </a:solidFill>
+                  <a:latin typeface="Calibri" panose="020F0502020204030204" pitchFamily="34" charset="0"/>
+                </a:defRPr>
+              </a:lvl9pPr>
+            </a:lstStyle>
+            <a:p>
+              <a:pPr algn="ctr" eaLnBrk="1" hangingPunct="1"/>
+              <a:r>
+                <a:rPr lang="en-US" altLang="en-US" sz="1000" dirty="0">
+                  <a:latin typeface="Arial" panose="020B0604020202020204" pitchFamily="34" charset="0"/>
+                  <a:ea typeface="Amazon Ember" panose="020B0603020204020204" pitchFamily="34" charset="0"/>
+                  <a:cs typeface="Arial" panose="020B0604020202020204" pitchFamily="34" charset="0"/>
+                </a:rPr>
+                <a:t>CloudFront</a:t>
+              </a:r>
+            </a:p>
+          </p:txBody>
+        </p:sp>
+        <p:sp>
+          <p:nvSpPr>
+            <p:cNvPr id="38" name="TextBox 6">
+              <a:extLst>
+                <a:ext uri="{FF2B5EF4-FFF2-40B4-BE49-F238E27FC236}">
+                  <a16:creationId xmlns:a16="http://schemas.microsoft.com/office/drawing/2014/main" id="{68C23C77-9E59-DA4B-86C1-D80F5EC8F80C}"/>
+                </a:ext>
+              </a:extLst>
+            </p:cNvPr>
+            <p:cNvSpPr txBox="1">
+              <a:spLocks noChangeArrowheads="1"/>
+            </p:cNvSpPr>
+            <p:nvPr/>
+          </p:nvSpPr>
+          <p:spPr bwMode="auto">
+            <a:xfrm>
+              <a:off x="7208865" y="5600789"/>
+              <a:ext cx="930478" cy="246221"/>
+            </a:xfrm>
+            <a:prstGeom prst="rect">
+              <a:avLst/>
+            </a:prstGeom>
+            <a:noFill/>
+            <a:ln>
+              <a:noFill/>
+            </a:ln>
+            <a:extLst>
+              <a:ext uri="{909E8E84-426E-40DD-AFC4-6F175D3DCCD1}">
+                <a14:hiddenFill xmlns:a14="http://schemas.microsoft.com/office/drawing/2010/main">
+                  <a:solidFill>
+                    <a:srgbClr val="FFFFFF"/>
+                  </a:solidFill>
+                </a14:hiddenFill>
+              </a:ext>
+              <a:ext uri="{91240B29-F687-4F45-9708-019B960494DF}">
+                <a14:hiddenLine xmlns:a14="http://schemas.microsoft.com/office/drawing/2010/main" w="9525">
+                  <a:solidFill>
+                    <a:srgbClr val="000000"/>
+                  </a:solidFill>
+                  <a:miter lim="800000"/>
+                  <a:headEnd/>
+                  <a:tailEnd/>
+                </a14:hiddenLine>
+              </a:ext>
+            </a:extLst>
+          </p:spPr>
+          <p:txBody>
+            <a:bodyPr wrap="square">
+              <a:spAutoFit/>
+            </a:bodyPr>
+            <a:lstStyle>
+              <a:lvl1pPr>
+                <a:defRPr>
+                  <a:solidFill>
+                    <a:schemeClr val="tx1"/>
+                  </a:solidFill>
+                  <a:latin typeface="Calibri" panose="020F0502020204030204" pitchFamily="34" charset="0"/>
+                </a:defRPr>
+              </a:lvl1pPr>
+              <a:lvl2pPr marL="742950" indent="-285750">
+                <a:defRPr>
+                  <a:solidFill>
+                    <a:schemeClr val="tx1"/>
+                  </a:solidFill>
+                  <a:latin typeface="Calibri" panose="020F0502020204030204" pitchFamily="34" charset="0"/>
+                </a:defRPr>
+              </a:lvl2pPr>
+              <a:lvl3pPr marL="1143000" indent="-228600">
+                <a:defRPr>
+                  <a:solidFill>
+                    <a:schemeClr val="tx1"/>
+                  </a:solidFill>
+                  <a:latin typeface="Calibri" panose="020F0502020204030204" pitchFamily="34" charset="0"/>
+                </a:defRPr>
+              </a:lvl3pPr>
+              <a:lvl4pPr marL="1600200" indent="-228600">
+                <a:defRPr>
+                  <a:solidFill>
+                    <a:schemeClr val="tx1"/>
+                  </a:solidFill>
+                  <a:latin typeface="Calibri" panose="020F0502020204030204" pitchFamily="34" charset="0"/>
+                </a:defRPr>
+              </a:lvl4pPr>
+              <a:lvl5pPr marL="2057400" indent="-228600">
+                <a:defRPr>
+                  <a:solidFill>
+                    <a:schemeClr val="tx1"/>
+                  </a:solidFill>
+                  <a:latin typeface="Calibri" panose="020F0502020204030204" pitchFamily="34" charset="0"/>
+                </a:defRPr>
+              </a:lvl5pPr>
+              <a:lvl6pPr marL="2514600" indent="-228600" eaLnBrk="0" fontAlgn="base" hangingPunct="0">
+                <a:spcBef>
+                  <a:spcPct val="0"/>
+                </a:spcBef>
+                <a:spcAft>
+                  <a:spcPct val="0"/>
+                </a:spcAft>
+                <a:defRPr>
+                  <a:solidFill>
+                    <a:schemeClr val="tx1"/>
+                  </a:solidFill>
+                  <a:latin typeface="Calibri" panose="020F0502020204030204" pitchFamily="34" charset="0"/>
+                </a:defRPr>
+              </a:lvl6pPr>
+              <a:lvl7pPr marL="2971800" indent="-228600" eaLnBrk="0" fontAlgn="base" hangingPunct="0">
+                <a:spcBef>
+                  <a:spcPct val="0"/>
+                </a:spcBef>
+                <a:spcAft>
+                  <a:spcPct val="0"/>
+                </a:spcAft>
+                <a:defRPr>
+                  <a:solidFill>
+                    <a:schemeClr val="tx1"/>
+                  </a:solidFill>
+                  <a:latin typeface="Calibri" panose="020F0502020204030204" pitchFamily="34" charset="0"/>
+                </a:defRPr>
+              </a:lvl7pPr>
+              <a:lvl8pPr marL="3429000" indent="-228600" eaLnBrk="0" fontAlgn="base" hangingPunct="0">
+                <a:spcBef>
+                  <a:spcPct val="0"/>
+                </a:spcBef>
+                <a:spcAft>
+                  <a:spcPct val="0"/>
+                </a:spcAft>
+                <a:defRPr>
+                  <a:solidFill>
+                    <a:schemeClr val="tx1"/>
+                  </a:solidFill>
+                  <a:latin typeface="Calibri" panose="020F0502020204030204" pitchFamily="34" charset="0"/>
+                </a:defRPr>
+              </a:lvl8pPr>
+              <a:lvl9pPr marL="3886200" indent="-228600" eaLnBrk="0" fontAlgn="base" hangingPunct="0">
+                <a:spcBef>
+                  <a:spcPct val="0"/>
+                </a:spcBef>
+                <a:spcAft>
+                  <a:spcPct val="0"/>
+                </a:spcAft>
+                <a:defRPr>
+                  <a:solidFill>
+                    <a:schemeClr val="tx1"/>
+                  </a:solidFill>
+                  <a:latin typeface="Calibri" panose="020F0502020204030204" pitchFamily="34" charset="0"/>
+                </a:defRPr>
+              </a:lvl9pPr>
+            </a:lstStyle>
+            <a:p>
+              <a:pPr algn="ctr" eaLnBrk="1" hangingPunct="1"/>
+              <a:r>
+                <a:rPr lang="en-US" altLang="en-US" sz="1000" dirty="0">
+                  <a:latin typeface="Arial" panose="020B0604020202020204" pitchFamily="34" charset="0"/>
+                  <a:ea typeface="Amazon Ember" panose="020B0603020204020204" pitchFamily="34" charset="0"/>
+                  <a:cs typeface="Arial" panose="020B0604020202020204" pitchFamily="34" charset="0"/>
+                </a:rPr>
+                <a:t>Route 53</a:t>
+              </a:r>
+            </a:p>
+          </p:txBody>
+        </p:sp>
+        <p:sp>
+          <p:nvSpPr>
+            <p:cNvPr id="39" name="TextBox 6">
+              <a:extLst>
+                <a:ext uri="{FF2B5EF4-FFF2-40B4-BE49-F238E27FC236}">
+                  <a16:creationId xmlns:a16="http://schemas.microsoft.com/office/drawing/2014/main" id="{F5E85292-16BA-4E4B-B5D7-08793E718AB1}"/>
+                </a:ext>
+              </a:extLst>
+            </p:cNvPr>
+            <p:cNvSpPr txBox="1">
+              <a:spLocks noChangeArrowheads="1"/>
+            </p:cNvSpPr>
+            <p:nvPr/>
+          </p:nvSpPr>
+          <p:spPr bwMode="auto">
+            <a:xfrm>
+              <a:off x="6382716" y="4626468"/>
+              <a:ext cx="1164520" cy="400110"/>
+            </a:xfrm>
+            <a:prstGeom prst="rect">
+              <a:avLst/>
+            </a:prstGeom>
+            <a:noFill/>
+            <a:ln>
+              <a:noFill/>
+            </a:ln>
+            <a:extLst>
+              <a:ext uri="{909E8E84-426E-40DD-AFC4-6F175D3DCCD1}">
+                <a14:hiddenFill xmlns:a14="http://schemas.microsoft.com/office/drawing/2010/main">
+                  <a:solidFill>
+                    <a:srgbClr val="FFFFFF"/>
+                  </a:solidFill>
+                </a14:hiddenFill>
+              </a:ext>
+              <a:ext uri="{91240B29-F687-4F45-9708-019B960494DF}">
+                <a14:hiddenLine xmlns:a14="http://schemas.microsoft.com/office/drawing/2010/main" w="9525">
+                  <a:solidFill>
+                    <a:srgbClr val="000000"/>
+                  </a:solidFill>
+                  <a:miter lim="800000"/>
+                  <a:headEnd/>
+                  <a:tailEnd/>
+                </a14:hiddenLine>
+              </a:ext>
+            </a:extLst>
+          </p:spPr>
+          <p:txBody>
+            <a:bodyPr wrap="square">
+              <a:spAutoFit/>
+            </a:bodyPr>
+            <a:lstStyle>
+              <a:lvl1pPr>
+                <a:defRPr>
+                  <a:solidFill>
+                    <a:schemeClr val="tx1"/>
+                  </a:solidFill>
+                  <a:latin typeface="Calibri" panose="020F0502020204030204" pitchFamily="34" charset="0"/>
+                </a:defRPr>
+              </a:lvl1pPr>
+              <a:lvl2pPr marL="742950" indent="-285750">
+                <a:defRPr>
+                  <a:solidFill>
+                    <a:schemeClr val="tx1"/>
+                  </a:solidFill>
+                  <a:latin typeface="Calibri" panose="020F0502020204030204" pitchFamily="34" charset="0"/>
+                </a:defRPr>
+              </a:lvl2pPr>
+              <a:lvl3pPr marL="1143000" indent="-228600">
+                <a:defRPr>
+                  <a:solidFill>
+                    <a:schemeClr val="tx1"/>
+                  </a:solidFill>
+                  <a:latin typeface="Calibri" panose="020F0502020204030204" pitchFamily="34" charset="0"/>
+                </a:defRPr>
+              </a:lvl3pPr>
+              <a:lvl4pPr marL="1600200" indent="-228600">
+                <a:defRPr>
+                  <a:solidFill>
+                    <a:schemeClr val="tx1"/>
+                  </a:solidFill>
+                  <a:latin typeface="Calibri" panose="020F0502020204030204" pitchFamily="34" charset="0"/>
+                </a:defRPr>
+              </a:lvl4pPr>
+              <a:lvl5pPr marL="2057400" indent="-228600">
+                <a:defRPr>
+                  <a:solidFill>
+                    <a:schemeClr val="tx1"/>
+                  </a:solidFill>
+                  <a:latin typeface="Calibri" panose="020F0502020204030204" pitchFamily="34" charset="0"/>
+                </a:defRPr>
+              </a:lvl5pPr>
+              <a:lvl6pPr marL="2514600" indent="-228600" eaLnBrk="0" fontAlgn="base" hangingPunct="0">
+                <a:spcBef>
+                  <a:spcPct val="0"/>
+                </a:spcBef>
+                <a:spcAft>
+                  <a:spcPct val="0"/>
+                </a:spcAft>
+                <a:defRPr>
+                  <a:solidFill>
+                    <a:schemeClr val="tx1"/>
+                  </a:solidFill>
+                  <a:latin typeface="Calibri" panose="020F0502020204030204" pitchFamily="34" charset="0"/>
+                </a:defRPr>
+              </a:lvl6pPr>
+              <a:lvl7pPr marL="2971800" indent="-228600" eaLnBrk="0" fontAlgn="base" hangingPunct="0">
+                <a:spcBef>
+                  <a:spcPct val="0"/>
+                </a:spcBef>
+                <a:spcAft>
+                  <a:spcPct val="0"/>
+                </a:spcAft>
+                <a:defRPr>
+                  <a:solidFill>
+                    <a:schemeClr val="tx1"/>
+                  </a:solidFill>
+                  <a:latin typeface="Calibri" panose="020F0502020204030204" pitchFamily="34" charset="0"/>
+                </a:defRPr>
+              </a:lvl7pPr>
+              <a:lvl8pPr marL="3429000" indent="-228600" eaLnBrk="0" fontAlgn="base" hangingPunct="0">
+                <a:spcBef>
+                  <a:spcPct val="0"/>
+                </a:spcBef>
+                <a:spcAft>
+                  <a:spcPct val="0"/>
+                </a:spcAft>
+                <a:defRPr>
+                  <a:solidFill>
+                    <a:schemeClr val="tx1"/>
+                  </a:solidFill>
+                  <a:latin typeface="Calibri" panose="020F0502020204030204" pitchFamily="34" charset="0"/>
+                </a:defRPr>
+              </a:lvl8pPr>
+              <a:lvl9pPr marL="3886200" indent="-228600" eaLnBrk="0" fontAlgn="base" hangingPunct="0">
+                <a:spcBef>
+                  <a:spcPct val="0"/>
+                </a:spcBef>
+                <a:spcAft>
+                  <a:spcPct val="0"/>
+                </a:spcAft>
+                <a:defRPr>
+                  <a:solidFill>
+                    <a:schemeClr val="tx1"/>
+                  </a:solidFill>
+                  <a:latin typeface="Calibri" panose="020F0502020204030204" pitchFamily="34" charset="0"/>
+                </a:defRPr>
+              </a:lvl9pPr>
+            </a:lstStyle>
+            <a:p>
+              <a:pPr algn="ctr" eaLnBrk="1" hangingPunct="1"/>
+              <a:r>
+                <a:rPr lang="en-US" altLang="en-US" sz="1000" dirty="0">
+                  <a:latin typeface="Arial" panose="020B0604020202020204" pitchFamily="34" charset="0"/>
+                  <a:ea typeface="Amazon Ember" panose="020B0603020204020204" pitchFamily="34" charset="0"/>
+                  <a:cs typeface="Arial" panose="020B0604020202020204" pitchFamily="34" charset="0"/>
+                </a:rPr>
+                <a:t>Virtual Private Cloud (VPC)</a:t>
+              </a:r>
+            </a:p>
+          </p:txBody>
+        </p:sp>
+        <p:pic>
+          <p:nvPicPr>
+            <p:cNvPr id="40" name="Graphic 21">
+              <a:extLst>
+                <a:ext uri="{FF2B5EF4-FFF2-40B4-BE49-F238E27FC236}">
+                  <a16:creationId xmlns:a16="http://schemas.microsoft.com/office/drawing/2014/main" id="{DF03E66A-09E5-D446-92FC-74CE3912FAF3}"/>
+                </a:ext>
+              </a:extLst>
+            </p:cNvPr>
+            <p:cNvPicPr>
+              <a:picLocks noChangeAspect="1" noChangeArrowheads="1"/>
+            </p:cNvPicPr>
+            <p:nvPr/>
+          </p:nvPicPr>
+          <p:blipFill>
+            <a:blip r:embed="rId15">
+              <a:extLst>
+                <a:ext uri="{28A0092B-C50C-407E-A947-70E740481C1C}">
+                  <a14:useLocalDpi xmlns:a14="http://schemas.microsoft.com/office/drawing/2010/main" val="0"/>
+                </a:ext>
+              </a:extLst>
+            </a:blip>
+            <a:srcRect/>
+            <a:stretch>
+              <a:fillRect/>
+            </a:stretch>
+          </p:blipFill>
+          <p:spPr bwMode="auto">
+            <a:xfrm>
+              <a:off x="7441506" y="5110137"/>
+              <a:ext cx="465197" cy="465197"/>
+            </a:xfrm>
+            <a:prstGeom prst="rect">
+              <a:avLst/>
+            </a:prstGeom>
+            <a:noFill/>
+            <a:ln>
+              <a:noFill/>
+            </a:ln>
+            <a:extLst>
+              <a:ext uri="{909E8E84-426E-40DD-AFC4-6F175D3DCCD1}">
+                <a14:hiddenFill xmlns:a14="http://schemas.microsoft.com/office/drawing/2010/main">
+                  <a:solidFill>
+                    <a:srgbClr val="FFFFFF"/>
+                  </a:solidFill>
+                </a14:hiddenFill>
+              </a:ext>
+              <a:ext uri="{91240B29-F687-4F45-9708-019B960494DF}">
+                <a14:hiddenLine xmlns:a14="http://schemas.microsoft.com/office/drawing/2010/main" w="9525">
+                  <a:solidFill>
+                    <a:srgbClr val="000000"/>
+                  </a:solidFill>
+                  <a:miter lim="800000"/>
+                  <a:headEnd/>
+                  <a:tailEnd/>
+                </a14:hiddenLine>
+              </a:ext>
+            </a:extLst>
+          </p:spPr>
+        </p:pic>
+        <p:pic>
+          <p:nvPicPr>
+            <p:cNvPr id="41" name="Graphic 19">
+              <a:extLst>
+                <a:ext uri="{FF2B5EF4-FFF2-40B4-BE49-F238E27FC236}">
+                  <a16:creationId xmlns:a16="http://schemas.microsoft.com/office/drawing/2014/main" id="{9CC114F7-4B50-E747-BDC8-441615CF177A}"/>
+                </a:ext>
+              </a:extLst>
+            </p:cNvPr>
+            <p:cNvPicPr>
+              <a:picLocks noChangeAspect="1" noChangeArrowheads="1"/>
+            </p:cNvPicPr>
+            <p:nvPr/>
+          </p:nvPicPr>
+          <p:blipFill>
+            <a:blip r:embed="rId16">
+              <a:extLst>
+                <a:ext uri="{28A0092B-C50C-407E-A947-70E740481C1C}">
+                  <a14:useLocalDpi xmlns:a14="http://schemas.microsoft.com/office/drawing/2010/main" val="0"/>
+                </a:ext>
+              </a:extLst>
+            </a:blip>
+            <a:srcRect/>
+            <a:stretch>
+              <a:fillRect/>
+            </a:stretch>
+          </p:blipFill>
+          <p:spPr bwMode="auto">
+            <a:xfrm>
+              <a:off x="8278887" y="4153297"/>
+              <a:ext cx="465197" cy="465197"/>
+            </a:xfrm>
+            <a:prstGeom prst="rect">
+              <a:avLst/>
+            </a:prstGeom>
+            <a:noFill/>
+            <a:ln>
+              <a:noFill/>
+            </a:ln>
+            <a:extLst>
+              <a:ext uri="{909E8E84-426E-40DD-AFC4-6F175D3DCCD1}">
+                <a14:hiddenFill xmlns:a14="http://schemas.microsoft.com/office/drawing/2010/main">
+                  <a:solidFill>
+                    <a:srgbClr val="FFFFFF"/>
+                  </a:solidFill>
+                </a14:hiddenFill>
+              </a:ext>
+              <a:ext uri="{91240B29-F687-4F45-9708-019B960494DF}">
+                <a14:hiddenLine xmlns:a14="http://schemas.microsoft.com/office/drawing/2010/main" w="9525">
+                  <a:solidFill>
+                    <a:srgbClr val="000000"/>
+                  </a:solidFill>
+                  <a:miter lim="800000"/>
+                  <a:headEnd/>
+                  <a:tailEnd/>
+                </a14:hiddenLine>
+              </a:ext>
+            </a:extLst>
+          </p:spPr>
+        </p:pic>
+      </p:grpSp>
+      <p:grpSp>
+        <p:nvGrpSpPr>
+          <p:cNvPr id="9" name="Group 8">
             <a:extLst>
               <a:ext uri="{FF2B5EF4-FFF2-40B4-BE49-F238E27FC236}">
-                <a16:creationId xmlns:a16="http://schemas.microsoft.com/office/drawing/2014/main" id="{D7706A9C-F567-F440-8E22-A64746986D32}"/>
+                <a16:creationId xmlns:a16="http://schemas.microsoft.com/office/drawing/2014/main" id="{63161611-90B5-7149-959A-38EFBD609D79}"/>
               </a:ext>
             </a:extLst>
           </p:cNvPr>
-          <p:cNvSpPr/>
+          <p:cNvGrpSpPr/>
           <p:nvPr/>
-        </p:nvSpPr>
-        <p:spPr>
+        </p:nvGrpSpPr>
+        <p:grpSpPr>
           <a:xfrm>
             <a:off x="9294393" y="3777369"/>
             <a:ext cx="2737183" cy="2129517"/>
+            <a:chOff x="9294393" y="3777369"/>
+            <a:chExt cx="2737183" cy="2129517"/>
           </a:xfrm>
-          <a:prstGeom prst="rect">
-            <a:avLst/>
-          </a:prstGeom>
+        </p:grpSpPr>
+        <p:sp>
+          <p:nvSpPr>
+            <p:cNvPr id="23" name="Rectangle 22">
+              <a:extLst>
+                <a:ext uri="{FF2B5EF4-FFF2-40B4-BE49-F238E27FC236}">
+                  <a16:creationId xmlns:a16="http://schemas.microsoft.com/office/drawing/2014/main" id="{D7706A9C-F567-F440-8E22-A64746986D32}"/>
+                </a:ext>
+              </a:extLst>
+            </p:cNvPr>
+            <p:cNvSpPr/>
+            <p:nvPr/>
+          </p:nvSpPr>
+          <p:spPr>
+            <a:xfrm>
+              <a:off x="9294393" y="3777369"/>
+              <a:ext cx="2737183" cy="2129517"/>
+            </a:xfrm>
+            <a:prstGeom prst="rect">
+              <a:avLst/>
+            </a:prstGeom>
+            <a:solidFill>
+              <a:schemeClr val="accent5">
+                <a:lumMod val="20000"/>
+                <a:lumOff val="80000"/>
+              </a:schemeClr>
+            </a:solidFill>
+          </p:spPr>
+          <p:style>
+            <a:lnRef idx="2">
+              <a:schemeClr val="accent1">
+                <a:shade val="50000"/>
+              </a:schemeClr>
+            </a:lnRef>
+            <a:fillRef idx="1">
+              <a:schemeClr val="accent1"/>
+            </a:fillRef>
+            <a:effectRef idx="0">
+              <a:schemeClr val="accent1"/>
+            </a:effectRef>
+            <a:fontRef idx="minor">
+              <a:schemeClr val="lt1"/>
+            </a:fontRef>
+          </p:style>
+          <p:txBody>
+            <a:bodyPr rtlCol="0" anchor="t"/>
+            <a:lstStyle/>
+            <a:p>
+              <a:r>
+                <a:rPr lang="en-US" sz="1200" dirty="0">
+                  <a:solidFill>
+                    <a:srgbClr val="002060"/>
+                  </a:solidFill>
+                  <a:latin typeface="Montserrat" pitchFamily="2" charset="77"/>
+                </a:rPr>
+                <a:t>Database services</a:t>
+              </a:r>
+            </a:p>
+          </p:txBody>
+        </p:sp>
+        <p:pic>
+          <p:nvPicPr>
+            <p:cNvPr id="42" name="Graphic 6">
+              <a:extLst>
+                <a:ext uri="{FF2B5EF4-FFF2-40B4-BE49-F238E27FC236}">
+                  <a16:creationId xmlns:a16="http://schemas.microsoft.com/office/drawing/2014/main" id="{B5529E32-8F59-8F45-915D-8FF118F246FF}"/>
+                </a:ext>
+              </a:extLst>
+            </p:cNvPr>
+            <p:cNvPicPr>
+              <a:picLocks noChangeAspect="1" noChangeArrowheads="1"/>
+            </p:cNvPicPr>
+            <p:nvPr/>
+          </p:nvPicPr>
+          <p:blipFill>
+            <a:blip r:embed="rId17">
+              <a:extLst>
+                <a:ext uri="{28A0092B-C50C-407E-A947-70E740481C1C}">
+                  <a14:useLocalDpi xmlns:a14="http://schemas.microsoft.com/office/drawing/2010/main" val="0"/>
+                </a:ext>
+              </a:extLst>
+            </a:blip>
+            <a:srcRect/>
+            <a:stretch>
+              <a:fillRect/>
+            </a:stretch>
+          </p:blipFill>
+          <p:spPr bwMode="auto">
+            <a:xfrm>
+              <a:off x="9735116" y="4154286"/>
+              <a:ext cx="463217" cy="463217"/>
+            </a:xfrm>
+            <a:prstGeom prst="rect">
+              <a:avLst/>
+            </a:prstGeom>
+            <a:noFill/>
+            <a:ln>
+              <a:noFill/>
+            </a:ln>
+            <a:extLst>
+              <a:ext uri="{909E8E84-426E-40DD-AFC4-6F175D3DCCD1}">
+                <a14:hiddenFill xmlns:a14="http://schemas.microsoft.com/office/drawing/2010/main">
+                  <a:solidFill>
+                    <a:srgbClr val="FFFFFF"/>
+                  </a:solidFill>
+                </a14:hiddenFill>
+              </a:ext>
+              <a:ext uri="{91240B29-F687-4F45-9708-019B960494DF}">
+                <a14:hiddenLine xmlns:a14="http://schemas.microsoft.com/office/drawing/2010/main" w="9525">
+                  <a:solidFill>
+                    <a:srgbClr val="000000"/>
+                  </a:solidFill>
+                  <a:miter lim="800000"/>
+                  <a:headEnd/>
+                  <a:tailEnd/>
+                </a14:hiddenLine>
+              </a:ext>
+            </a:extLst>
+          </p:spPr>
+        </p:pic>
+        <p:pic>
+          <p:nvPicPr>
+            <p:cNvPr id="43" name="Graphic 23">
+              <a:extLst>
+                <a:ext uri="{FF2B5EF4-FFF2-40B4-BE49-F238E27FC236}">
+                  <a16:creationId xmlns:a16="http://schemas.microsoft.com/office/drawing/2014/main" id="{B559E98D-5A70-484F-867C-4D59BE785E20}"/>
+                </a:ext>
+              </a:extLst>
+            </p:cNvPr>
+            <p:cNvPicPr>
+              <a:picLocks noChangeAspect="1" noChangeArrowheads="1"/>
+            </p:cNvPicPr>
+            <p:nvPr/>
+          </p:nvPicPr>
+          <p:blipFill>
+            <a:blip r:embed="rId18">
+              <a:extLst>
+                <a:ext uri="{28A0092B-C50C-407E-A947-70E740481C1C}">
+                  <a14:useLocalDpi xmlns:a14="http://schemas.microsoft.com/office/drawing/2010/main" val="0"/>
+                </a:ext>
+              </a:extLst>
+            </a:blip>
+            <a:srcRect/>
+            <a:stretch>
+              <a:fillRect/>
+            </a:stretch>
+          </p:blipFill>
+          <p:spPr bwMode="auto">
+            <a:xfrm>
+              <a:off x="10438147" y="5112117"/>
+              <a:ext cx="463217" cy="463217"/>
+            </a:xfrm>
+            <a:prstGeom prst="rect">
+              <a:avLst/>
+            </a:prstGeom>
+            <a:noFill/>
+            <a:ln>
+              <a:noFill/>
+            </a:ln>
+            <a:extLst>
+              <a:ext uri="{909E8E84-426E-40DD-AFC4-6F175D3DCCD1}">
+                <a14:hiddenFill xmlns:a14="http://schemas.microsoft.com/office/drawing/2010/main">
+                  <a:solidFill>
+                    <a:srgbClr val="FFFFFF"/>
+                  </a:solidFill>
+                </a14:hiddenFill>
+              </a:ext>
+              <a:ext uri="{91240B29-F687-4F45-9708-019B960494DF}">
+                <a14:hiddenLine xmlns:a14="http://schemas.microsoft.com/office/drawing/2010/main" w="9525">
+                  <a:solidFill>
+                    <a:srgbClr val="000000"/>
+                  </a:solidFill>
+                  <a:miter lim="800000"/>
+                  <a:headEnd/>
+                  <a:tailEnd/>
+                </a14:hiddenLine>
+              </a:ext>
+            </a:extLst>
+          </p:spPr>
+        </p:pic>
+        <p:sp>
+          <p:nvSpPr>
+            <p:cNvPr id="44" name="TextBox 6">
+              <a:extLst>
+                <a:ext uri="{FF2B5EF4-FFF2-40B4-BE49-F238E27FC236}">
+                  <a16:creationId xmlns:a16="http://schemas.microsoft.com/office/drawing/2014/main" id="{F0E24E1A-443B-B746-9469-80E8CCFD6C13}"/>
+                </a:ext>
+              </a:extLst>
+            </p:cNvPr>
+            <p:cNvSpPr txBox="1">
+              <a:spLocks noChangeArrowheads="1"/>
+            </p:cNvSpPr>
+            <p:nvPr/>
+          </p:nvSpPr>
+          <p:spPr bwMode="auto">
+            <a:xfrm>
+              <a:off x="10226183" y="5600789"/>
+              <a:ext cx="930478" cy="246221"/>
+            </a:xfrm>
+            <a:prstGeom prst="rect">
+              <a:avLst/>
+            </a:prstGeom>
+            <a:noFill/>
+            <a:ln>
+              <a:noFill/>
+            </a:ln>
+            <a:extLst>
+              <a:ext uri="{909E8E84-426E-40DD-AFC4-6F175D3DCCD1}">
+                <a14:hiddenFill xmlns:a14="http://schemas.microsoft.com/office/drawing/2010/main">
+                  <a:solidFill>
+                    <a:srgbClr val="FFFFFF"/>
+                  </a:solidFill>
+                </a14:hiddenFill>
+              </a:ext>
+              <a:ext uri="{91240B29-F687-4F45-9708-019B960494DF}">
+                <a14:hiddenLine xmlns:a14="http://schemas.microsoft.com/office/drawing/2010/main" w="9525">
+                  <a:solidFill>
+                    <a:srgbClr val="000000"/>
+                  </a:solidFill>
+                  <a:miter lim="800000"/>
+                  <a:headEnd/>
+                  <a:tailEnd/>
+                </a14:hiddenLine>
+              </a:ext>
+            </a:extLst>
+          </p:spPr>
+          <p:txBody>
+            <a:bodyPr wrap="square">
+              <a:spAutoFit/>
+            </a:bodyPr>
+            <a:lstStyle>
+              <a:lvl1pPr>
+                <a:defRPr>
+                  <a:solidFill>
+                    <a:schemeClr val="tx1"/>
+                  </a:solidFill>
+                  <a:latin typeface="Calibri" panose="020F0502020204030204" pitchFamily="34" charset="0"/>
+                </a:defRPr>
+              </a:lvl1pPr>
+              <a:lvl2pPr marL="742950" indent="-285750">
+                <a:defRPr>
+                  <a:solidFill>
+                    <a:schemeClr val="tx1"/>
+                  </a:solidFill>
+                  <a:latin typeface="Calibri" panose="020F0502020204030204" pitchFamily="34" charset="0"/>
+                </a:defRPr>
+              </a:lvl2pPr>
+              <a:lvl3pPr marL="1143000" indent="-228600">
+                <a:defRPr>
+                  <a:solidFill>
+                    <a:schemeClr val="tx1"/>
+                  </a:solidFill>
+                  <a:latin typeface="Calibri" panose="020F0502020204030204" pitchFamily="34" charset="0"/>
+                </a:defRPr>
+              </a:lvl3pPr>
+              <a:lvl4pPr marL="1600200" indent="-228600">
+                <a:defRPr>
+                  <a:solidFill>
+                    <a:schemeClr val="tx1"/>
+                  </a:solidFill>
+                  <a:latin typeface="Calibri" panose="020F0502020204030204" pitchFamily="34" charset="0"/>
+                </a:defRPr>
+              </a:lvl4pPr>
+              <a:lvl5pPr marL="2057400" indent="-228600">
+                <a:defRPr>
+                  <a:solidFill>
+                    <a:schemeClr val="tx1"/>
+                  </a:solidFill>
+                  <a:latin typeface="Calibri" panose="020F0502020204030204" pitchFamily="34" charset="0"/>
+                </a:defRPr>
+              </a:lvl5pPr>
+              <a:lvl6pPr marL="2514600" indent="-228600" eaLnBrk="0" fontAlgn="base" hangingPunct="0">
+                <a:spcBef>
+                  <a:spcPct val="0"/>
+                </a:spcBef>
+                <a:spcAft>
+                  <a:spcPct val="0"/>
+                </a:spcAft>
+                <a:defRPr>
+                  <a:solidFill>
+                    <a:schemeClr val="tx1"/>
+                  </a:solidFill>
+                  <a:latin typeface="Calibri" panose="020F0502020204030204" pitchFamily="34" charset="0"/>
+                </a:defRPr>
+              </a:lvl6pPr>
+              <a:lvl7pPr marL="2971800" indent="-228600" eaLnBrk="0" fontAlgn="base" hangingPunct="0">
+                <a:spcBef>
+                  <a:spcPct val="0"/>
+                </a:spcBef>
+                <a:spcAft>
+                  <a:spcPct val="0"/>
+                </a:spcAft>
+                <a:defRPr>
+                  <a:solidFill>
+                    <a:schemeClr val="tx1"/>
+                  </a:solidFill>
+                  <a:latin typeface="Calibri" panose="020F0502020204030204" pitchFamily="34" charset="0"/>
+                </a:defRPr>
+              </a:lvl7pPr>
+              <a:lvl8pPr marL="3429000" indent="-228600" eaLnBrk="0" fontAlgn="base" hangingPunct="0">
+                <a:spcBef>
+                  <a:spcPct val="0"/>
+                </a:spcBef>
+                <a:spcAft>
+                  <a:spcPct val="0"/>
+                </a:spcAft>
+                <a:defRPr>
+                  <a:solidFill>
+                    <a:schemeClr val="tx1"/>
+                  </a:solidFill>
+                  <a:latin typeface="Calibri" panose="020F0502020204030204" pitchFamily="34" charset="0"/>
+                </a:defRPr>
+              </a:lvl8pPr>
+              <a:lvl9pPr marL="3886200" indent="-228600" eaLnBrk="0" fontAlgn="base" hangingPunct="0">
+                <a:spcBef>
+                  <a:spcPct val="0"/>
+                </a:spcBef>
+                <a:spcAft>
+                  <a:spcPct val="0"/>
+                </a:spcAft>
+                <a:defRPr>
+                  <a:solidFill>
+                    <a:schemeClr val="tx1"/>
+                  </a:solidFill>
+                  <a:latin typeface="Calibri" panose="020F0502020204030204" pitchFamily="34" charset="0"/>
+                </a:defRPr>
+              </a:lvl9pPr>
+            </a:lstStyle>
+            <a:p>
+              <a:pPr algn="ctr" eaLnBrk="1" hangingPunct="1"/>
+              <a:r>
+                <a:rPr lang="en-US" altLang="en-US" sz="1000" dirty="0">
+                  <a:latin typeface="Arial" panose="020B0604020202020204" pitchFamily="34" charset="0"/>
+                  <a:ea typeface="Amazon Ember" panose="020B0603020204020204" pitchFamily="34" charset="0"/>
+                  <a:cs typeface="Arial" panose="020B0604020202020204" pitchFamily="34" charset="0"/>
+                </a:rPr>
+                <a:t>DynamoDB</a:t>
+              </a:r>
+            </a:p>
+          </p:txBody>
+        </p:sp>
+        <p:sp>
+          <p:nvSpPr>
+            <p:cNvPr id="45" name="TextBox 6">
+              <a:extLst>
+                <a:ext uri="{FF2B5EF4-FFF2-40B4-BE49-F238E27FC236}">
+                  <a16:creationId xmlns:a16="http://schemas.microsoft.com/office/drawing/2014/main" id="{25CA14AA-8C66-A840-AA8A-4EF6D9787B2B}"/>
+                </a:ext>
+              </a:extLst>
+            </p:cNvPr>
+            <p:cNvSpPr txBox="1">
+              <a:spLocks noChangeArrowheads="1"/>
+            </p:cNvSpPr>
+            <p:nvPr/>
+          </p:nvSpPr>
+          <p:spPr bwMode="auto">
+            <a:xfrm>
+              <a:off x="9318142" y="4617503"/>
+              <a:ext cx="1351614" cy="400110"/>
+            </a:xfrm>
+            <a:prstGeom prst="rect">
+              <a:avLst/>
+            </a:prstGeom>
+            <a:noFill/>
+            <a:ln>
+              <a:noFill/>
+            </a:ln>
+            <a:extLst>
+              <a:ext uri="{909E8E84-426E-40DD-AFC4-6F175D3DCCD1}">
+                <a14:hiddenFill xmlns:a14="http://schemas.microsoft.com/office/drawing/2010/main">
+                  <a:solidFill>
+                    <a:srgbClr val="FFFFFF"/>
+                  </a:solidFill>
+                </a14:hiddenFill>
+              </a:ext>
+              <a:ext uri="{91240B29-F687-4F45-9708-019B960494DF}">
+                <a14:hiddenLine xmlns:a14="http://schemas.microsoft.com/office/drawing/2010/main" w="9525">
+                  <a:solidFill>
+                    <a:srgbClr val="000000"/>
+                  </a:solidFill>
+                  <a:miter lim="800000"/>
+                  <a:headEnd/>
+                  <a:tailEnd/>
+                </a14:hiddenLine>
+              </a:ext>
+            </a:extLst>
+          </p:spPr>
+          <p:txBody>
+            <a:bodyPr wrap="square">
+              <a:spAutoFit/>
+            </a:bodyPr>
+            <a:lstStyle>
+              <a:lvl1pPr>
+                <a:defRPr>
+                  <a:solidFill>
+                    <a:schemeClr val="tx1"/>
+                  </a:solidFill>
+                  <a:latin typeface="Calibri" panose="020F0502020204030204" pitchFamily="34" charset="0"/>
+                </a:defRPr>
+              </a:lvl1pPr>
+              <a:lvl2pPr marL="742950" indent="-285750">
+                <a:defRPr>
+                  <a:solidFill>
+                    <a:schemeClr val="tx1"/>
+                  </a:solidFill>
+                  <a:latin typeface="Calibri" panose="020F0502020204030204" pitchFamily="34" charset="0"/>
+                </a:defRPr>
+              </a:lvl2pPr>
+              <a:lvl3pPr marL="1143000" indent="-228600">
+                <a:defRPr>
+                  <a:solidFill>
+                    <a:schemeClr val="tx1"/>
+                  </a:solidFill>
+                  <a:latin typeface="Calibri" panose="020F0502020204030204" pitchFamily="34" charset="0"/>
+                </a:defRPr>
+              </a:lvl3pPr>
+              <a:lvl4pPr marL="1600200" indent="-228600">
+                <a:defRPr>
+                  <a:solidFill>
+                    <a:schemeClr val="tx1"/>
+                  </a:solidFill>
+                  <a:latin typeface="Calibri" panose="020F0502020204030204" pitchFamily="34" charset="0"/>
+                </a:defRPr>
+              </a:lvl4pPr>
+              <a:lvl5pPr marL="2057400" indent="-228600">
+                <a:defRPr>
+                  <a:solidFill>
+                    <a:schemeClr val="tx1"/>
+                  </a:solidFill>
+                  <a:latin typeface="Calibri" panose="020F0502020204030204" pitchFamily="34" charset="0"/>
+                </a:defRPr>
+              </a:lvl5pPr>
+              <a:lvl6pPr marL="2514600" indent="-228600" eaLnBrk="0" fontAlgn="base" hangingPunct="0">
+                <a:spcBef>
+                  <a:spcPct val="0"/>
+                </a:spcBef>
+                <a:spcAft>
+                  <a:spcPct val="0"/>
+                </a:spcAft>
+                <a:defRPr>
+                  <a:solidFill>
+                    <a:schemeClr val="tx1"/>
+                  </a:solidFill>
+                  <a:latin typeface="Calibri" panose="020F0502020204030204" pitchFamily="34" charset="0"/>
+                </a:defRPr>
+              </a:lvl6pPr>
+              <a:lvl7pPr marL="2971800" indent="-228600" eaLnBrk="0" fontAlgn="base" hangingPunct="0">
+                <a:spcBef>
+                  <a:spcPct val="0"/>
+                </a:spcBef>
+                <a:spcAft>
+                  <a:spcPct val="0"/>
+                </a:spcAft>
+                <a:defRPr>
+                  <a:solidFill>
+                    <a:schemeClr val="tx1"/>
+                  </a:solidFill>
+                  <a:latin typeface="Calibri" panose="020F0502020204030204" pitchFamily="34" charset="0"/>
+                </a:defRPr>
+              </a:lvl7pPr>
+              <a:lvl8pPr marL="3429000" indent="-228600" eaLnBrk="0" fontAlgn="base" hangingPunct="0">
+                <a:spcBef>
+                  <a:spcPct val="0"/>
+                </a:spcBef>
+                <a:spcAft>
+                  <a:spcPct val="0"/>
+                </a:spcAft>
+                <a:defRPr>
+                  <a:solidFill>
+                    <a:schemeClr val="tx1"/>
+                  </a:solidFill>
+                  <a:latin typeface="Calibri" panose="020F0502020204030204" pitchFamily="34" charset="0"/>
+                </a:defRPr>
+              </a:lvl8pPr>
+              <a:lvl9pPr marL="3886200" indent="-228600" eaLnBrk="0" fontAlgn="base" hangingPunct="0">
+                <a:spcBef>
+                  <a:spcPct val="0"/>
+                </a:spcBef>
+                <a:spcAft>
+                  <a:spcPct val="0"/>
+                </a:spcAft>
+                <a:defRPr>
+                  <a:solidFill>
+                    <a:schemeClr val="tx1"/>
+                  </a:solidFill>
+                  <a:latin typeface="Calibri" panose="020F0502020204030204" pitchFamily="34" charset="0"/>
+                </a:defRPr>
+              </a:lvl9pPr>
+            </a:lstStyle>
+            <a:p>
+              <a:pPr algn="ctr" eaLnBrk="1" hangingPunct="1"/>
+              <a:r>
+                <a:rPr lang="en-US" altLang="en-US" sz="1000" dirty="0">
+                  <a:latin typeface="Arial" panose="020B0604020202020204" pitchFamily="34" charset="0"/>
+                  <a:ea typeface="Amazon Ember" panose="020B0603020204020204" pitchFamily="34" charset="0"/>
+                  <a:cs typeface="Arial" panose="020B0604020202020204" pitchFamily="34" charset="0"/>
+                </a:rPr>
+                <a:t>Relational Database Service (RDS)</a:t>
+              </a:r>
+            </a:p>
+          </p:txBody>
+        </p:sp>
+        <p:pic>
+          <p:nvPicPr>
+            <p:cNvPr id="46" name="Graphic 23">
+              <a:extLst>
+                <a:ext uri="{FF2B5EF4-FFF2-40B4-BE49-F238E27FC236}">
+                  <a16:creationId xmlns:a16="http://schemas.microsoft.com/office/drawing/2014/main" id="{5600DD27-AB54-2940-AB0D-26B4FFD80F82}"/>
+                </a:ext>
+              </a:extLst>
+            </p:cNvPr>
+            <p:cNvPicPr>
+              <a:picLocks noChangeAspect="1" noChangeArrowheads="1"/>
+            </p:cNvPicPr>
+            <p:nvPr/>
+          </p:nvPicPr>
+          <p:blipFill>
+            <a:blip r:embed="rId19">
+              <a:extLst>
+                <a:ext uri="{28A0092B-C50C-407E-A947-70E740481C1C}">
+                  <a14:useLocalDpi xmlns:a14="http://schemas.microsoft.com/office/drawing/2010/main" val="0"/>
+                </a:ext>
+              </a:extLst>
+            </a:blip>
+            <a:srcRect/>
+            <a:stretch>
+              <a:fillRect/>
+            </a:stretch>
+          </p:blipFill>
+          <p:spPr bwMode="auto">
+            <a:xfrm>
+              <a:off x="11185519" y="4153297"/>
+              <a:ext cx="478162" cy="478162"/>
+            </a:xfrm>
+            <a:prstGeom prst="rect">
+              <a:avLst/>
+            </a:prstGeom>
+            <a:noFill/>
+            <a:ln>
+              <a:noFill/>
+            </a:ln>
+            <a:extLst>
+              <a:ext uri="{909E8E84-426E-40DD-AFC4-6F175D3DCCD1}">
+                <a14:hiddenFill xmlns:a14="http://schemas.microsoft.com/office/drawing/2010/main">
+                  <a:solidFill>
+                    <a:srgbClr val="FFFFFF"/>
+                  </a:solidFill>
+                </a14:hiddenFill>
+              </a:ext>
+              <a:ext uri="{91240B29-F687-4F45-9708-019B960494DF}">
+                <a14:hiddenLine xmlns:a14="http://schemas.microsoft.com/office/drawing/2010/main" w="9525">
+                  <a:solidFill>
+                    <a:srgbClr val="000000"/>
+                  </a:solidFill>
+                  <a:miter lim="800000"/>
+                  <a:headEnd/>
+                  <a:tailEnd/>
+                </a14:hiddenLine>
+              </a:ext>
+            </a:extLst>
+          </p:spPr>
+        </p:pic>
+        <p:sp>
+          <p:nvSpPr>
+            <p:cNvPr id="47" name="TextBox 6">
+              <a:extLst>
+                <a:ext uri="{FF2B5EF4-FFF2-40B4-BE49-F238E27FC236}">
+                  <a16:creationId xmlns:a16="http://schemas.microsoft.com/office/drawing/2014/main" id="{8D6F929C-E614-F649-B1C0-5EC401C4B272}"/>
+                </a:ext>
+              </a:extLst>
+            </p:cNvPr>
+            <p:cNvSpPr txBox="1">
+              <a:spLocks noChangeArrowheads="1"/>
+            </p:cNvSpPr>
+            <p:nvPr/>
+          </p:nvSpPr>
+          <p:spPr bwMode="auto">
+            <a:xfrm>
+              <a:off x="10959361" y="4656805"/>
+              <a:ext cx="930478" cy="246221"/>
+            </a:xfrm>
+            <a:prstGeom prst="rect">
+              <a:avLst/>
+            </a:prstGeom>
+            <a:noFill/>
+            <a:ln>
+              <a:noFill/>
+            </a:ln>
+            <a:extLst>
+              <a:ext uri="{909E8E84-426E-40DD-AFC4-6F175D3DCCD1}">
+                <a14:hiddenFill xmlns:a14="http://schemas.microsoft.com/office/drawing/2010/main">
+                  <a:solidFill>
+                    <a:srgbClr val="FFFFFF"/>
+                  </a:solidFill>
+                </a14:hiddenFill>
+              </a:ext>
+              <a:ext uri="{91240B29-F687-4F45-9708-019B960494DF}">
+                <a14:hiddenLine xmlns:a14="http://schemas.microsoft.com/office/drawing/2010/main" w="9525">
+                  <a:solidFill>
+                    <a:srgbClr val="000000"/>
+                  </a:solidFill>
+                  <a:miter lim="800000"/>
+                  <a:headEnd/>
+                  <a:tailEnd/>
+                </a14:hiddenLine>
+              </a:ext>
+            </a:extLst>
+          </p:spPr>
+          <p:txBody>
+            <a:bodyPr wrap="square">
+              <a:spAutoFit/>
+            </a:bodyPr>
+            <a:lstStyle>
+              <a:lvl1pPr>
+                <a:defRPr>
+                  <a:solidFill>
+                    <a:schemeClr val="tx1"/>
+                  </a:solidFill>
+                  <a:latin typeface="Calibri" panose="020F0502020204030204" pitchFamily="34" charset="0"/>
+                </a:defRPr>
+              </a:lvl1pPr>
+              <a:lvl2pPr marL="742950" indent="-285750">
+                <a:defRPr>
+                  <a:solidFill>
+                    <a:schemeClr val="tx1"/>
+                  </a:solidFill>
+                  <a:latin typeface="Calibri" panose="020F0502020204030204" pitchFamily="34" charset="0"/>
+                </a:defRPr>
+              </a:lvl2pPr>
+              <a:lvl3pPr marL="1143000" indent="-228600">
+                <a:defRPr>
+                  <a:solidFill>
+                    <a:schemeClr val="tx1"/>
+                  </a:solidFill>
+                  <a:latin typeface="Calibri" panose="020F0502020204030204" pitchFamily="34" charset="0"/>
+                </a:defRPr>
+              </a:lvl3pPr>
+              <a:lvl4pPr marL="1600200" indent="-228600">
+                <a:defRPr>
+                  <a:solidFill>
+                    <a:schemeClr val="tx1"/>
+                  </a:solidFill>
+                  <a:latin typeface="Calibri" panose="020F0502020204030204" pitchFamily="34" charset="0"/>
+                </a:defRPr>
+              </a:lvl4pPr>
+              <a:lvl5pPr marL="2057400" indent="-228600">
+                <a:defRPr>
+                  <a:solidFill>
+                    <a:schemeClr val="tx1"/>
+                  </a:solidFill>
+                  <a:latin typeface="Calibri" panose="020F0502020204030204" pitchFamily="34" charset="0"/>
+                </a:defRPr>
+              </a:lvl5pPr>
+              <a:lvl6pPr marL="2514600" indent="-228600" eaLnBrk="0" fontAlgn="base" hangingPunct="0">
+                <a:spcBef>
+                  <a:spcPct val="0"/>
+                </a:spcBef>
+                <a:spcAft>
+                  <a:spcPct val="0"/>
+                </a:spcAft>
+                <a:defRPr>
+                  <a:solidFill>
+                    <a:schemeClr val="tx1"/>
+                  </a:solidFill>
+                  <a:latin typeface="Calibri" panose="020F0502020204030204" pitchFamily="34" charset="0"/>
+                </a:defRPr>
+              </a:lvl6pPr>
+              <a:lvl7pPr marL="2971800" indent="-228600" eaLnBrk="0" fontAlgn="base" hangingPunct="0">
+                <a:spcBef>
+                  <a:spcPct val="0"/>
+                </a:spcBef>
+                <a:spcAft>
+                  <a:spcPct val="0"/>
+                </a:spcAft>
+                <a:defRPr>
+                  <a:solidFill>
+                    <a:schemeClr val="tx1"/>
+                  </a:solidFill>
+                  <a:latin typeface="Calibri" panose="020F0502020204030204" pitchFamily="34" charset="0"/>
+                </a:defRPr>
+              </a:lvl7pPr>
+              <a:lvl8pPr marL="3429000" indent="-228600" eaLnBrk="0" fontAlgn="base" hangingPunct="0">
+                <a:spcBef>
+                  <a:spcPct val="0"/>
+                </a:spcBef>
+                <a:spcAft>
+                  <a:spcPct val="0"/>
+                </a:spcAft>
+                <a:defRPr>
+                  <a:solidFill>
+                    <a:schemeClr val="tx1"/>
+                  </a:solidFill>
+                  <a:latin typeface="Calibri" panose="020F0502020204030204" pitchFamily="34" charset="0"/>
+                </a:defRPr>
+              </a:lvl8pPr>
+              <a:lvl9pPr marL="3886200" indent="-228600" eaLnBrk="0" fontAlgn="base" hangingPunct="0">
+                <a:spcBef>
+                  <a:spcPct val="0"/>
+                </a:spcBef>
+                <a:spcAft>
+                  <a:spcPct val="0"/>
+                </a:spcAft>
+                <a:defRPr>
+                  <a:solidFill>
+                    <a:schemeClr val="tx1"/>
+                  </a:solidFill>
+                  <a:latin typeface="Calibri" panose="020F0502020204030204" pitchFamily="34" charset="0"/>
+                </a:defRPr>
+              </a:lvl9pPr>
+            </a:lstStyle>
+            <a:p>
+              <a:pPr algn="ctr" eaLnBrk="1" hangingPunct="1"/>
+              <a:r>
+                <a:rPr lang="en-US" altLang="en-US" sz="1000" dirty="0">
+                  <a:latin typeface="Arial" panose="020B0604020202020204" pitchFamily="34" charset="0"/>
+                  <a:ea typeface="Amazon Ember" panose="020B0603020204020204" pitchFamily="34" charset="0"/>
+                  <a:cs typeface="Arial" panose="020B0604020202020204" pitchFamily="34" charset="0"/>
+                </a:rPr>
+                <a:t>Redshift</a:t>
+              </a:r>
+            </a:p>
+          </p:txBody>
+        </p:sp>
+      </p:grpSp>
+      <p:grpSp>
+        <p:nvGrpSpPr>
+          <p:cNvPr id="15" name="Group 14">
+            <a:extLst>
+              <a:ext uri="{FF2B5EF4-FFF2-40B4-BE49-F238E27FC236}">
+                <a16:creationId xmlns:a16="http://schemas.microsoft.com/office/drawing/2014/main" id="{F2544CBC-F356-7944-889D-A0FBFA8C772F}"/>
+              </a:ext>
+            </a:extLst>
+          </p:cNvPr>
+          <p:cNvGrpSpPr/>
+          <p:nvPr/>
+        </p:nvGrpSpPr>
+        <p:grpSpPr>
+          <a:xfrm>
+            <a:off x="6369700" y="367928"/>
+            <a:ext cx="5661876" cy="967884"/>
+            <a:chOff x="6369700" y="367928"/>
+            <a:chExt cx="5661876" cy="967884"/>
+          </a:xfrm>
           <a:solidFill>
-            <a:schemeClr val="accent6">
-              <a:lumMod val="20000"/>
-              <a:lumOff val="80000"/>
-            </a:schemeClr>
+            <a:srgbClr val="FF0000">
+              <a:alpha val="30000"/>
+            </a:srgbClr>
           </a:solidFill>
-        </p:spPr>
-        <p:style>
-          <a:lnRef idx="2">
-            <a:schemeClr val="accent1">
-              <a:shade val="50000"/>
-            </a:schemeClr>
-          </a:lnRef>
-          <a:fillRef idx="1">
-            <a:schemeClr val="accent1"/>
-          </a:fillRef>
-          <a:effectRef idx="0">
-            <a:schemeClr val="accent1"/>
-          </a:effectRef>
-          <a:fontRef idx="minor">
-            <a:schemeClr val="lt1"/>
-          </a:fontRef>
-        </p:style>
-        <p:txBody>
-          <a:bodyPr rtlCol="0" anchor="t"/>
-          <a:lstStyle/>
-          <a:p>
-            <a:r>
-              <a:rPr lang="en-US" sz="1200" dirty="0">
-                <a:solidFill>
-                  <a:srgbClr val="002060"/>
-                </a:solidFill>
-                <a:latin typeface="Montserrat" pitchFamily="2" charset="77"/>
-              </a:rPr>
-              <a:t>Database services</a:t>
-            </a:r>
-          </a:p>
-        </p:txBody>
-      </p:sp>
-      <p:pic>
-        <p:nvPicPr>
-          <p:cNvPr id="24" name="Graphic 5">
-            <a:extLst>
-              <a:ext uri="{FF2B5EF4-FFF2-40B4-BE49-F238E27FC236}">
-                <a16:creationId xmlns:a16="http://schemas.microsoft.com/office/drawing/2014/main" id="{05C48A2C-6668-C941-A408-BB5CE2571CAA}"/>
-              </a:ext>
-            </a:extLst>
-          </p:cNvPr>
-          <p:cNvPicPr>
-            <a:picLocks noChangeAspect="1" noChangeArrowheads="1"/>
-          </p:cNvPicPr>
-          <p:nvPr/>
-        </p:nvPicPr>
-        <p:blipFill>
-          <a:blip r:embed="rId8">
-            <a:extLst>
-              <a:ext uri="{28A0092B-C50C-407E-A947-70E740481C1C}">
-                <a14:useLocalDpi xmlns:a14="http://schemas.microsoft.com/office/drawing/2010/main" val="0"/>
-              </a:ext>
-            </a:extLst>
-          </a:blip>
-          <a:srcRect/>
-          <a:stretch>
-            <a:fillRect/>
-          </a:stretch>
-        </p:blipFill>
-        <p:spPr bwMode="auto">
-          <a:xfrm>
-            <a:off x="6698169" y="1797419"/>
-            <a:ext cx="471213" cy="471213"/>
-          </a:xfrm>
-          <a:prstGeom prst="rect">
-            <a:avLst/>
-          </a:prstGeom>
-          <a:noFill/>
-          <a:ln>
+        </p:grpSpPr>
+        <p:sp>
+          <p:nvSpPr>
+            <p:cNvPr id="54" name="Rectangle 53">
+              <a:extLst>
+                <a:ext uri="{FF2B5EF4-FFF2-40B4-BE49-F238E27FC236}">
+                  <a16:creationId xmlns:a16="http://schemas.microsoft.com/office/drawing/2014/main" id="{01BAA37D-6252-6F41-84AA-E0681942E92E}"/>
+                </a:ext>
+              </a:extLst>
+            </p:cNvPr>
+            <p:cNvSpPr/>
+            <p:nvPr/>
+          </p:nvSpPr>
+          <p:spPr>
+            <a:xfrm>
+              <a:off x="6369700" y="367928"/>
+              <a:ext cx="5661876" cy="967884"/>
+            </a:xfrm>
+            <a:prstGeom prst="rect">
+              <a:avLst/>
+            </a:prstGeom>
+            <a:grpFill/>
+          </p:spPr>
+          <p:style>
+            <a:lnRef idx="2">
+              <a:schemeClr val="accent1">
+                <a:shade val="50000"/>
+              </a:schemeClr>
+            </a:lnRef>
+            <a:fillRef idx="1">
+              <a:schemeClr val="accent1"/>
+            </a:fillRef>
+            <a:effectRef idx="0">
+              <a:schemeClr val="accent1"/>
+            </a:effectRef>
+            <a:fontRef idx="minor">
+              <a:schemeClr val="lt1"/>
+            </a:fontRef>
+          </p:style>
+          <p:txBody>
+            <a:bodyPr rtlCol="0" anchor="t"/>
+            <a:lstStyle/>
+            <a:p>
+              <a:r>
+                <a:rPr lang="en-US" sz="1200" dirty="0">
+                  <a:solidFill>
+                    <a:srgbClr val="002060"/>
+                  </a:solidFill>
+                  <a:latin typeface="Montserrat" pitchFamily="2" charset="77"/>
+                </a:rPr>
+                <a:t>Security services</a:t>
+              </a:r>
+            </a:p>
+          </p:txBody>
+        </p:sp>
+        <p:pic>
+          <p:nvPicPr>
+            <p:cNvPr id="52" name="Graphic 19">
+              <a:extLst>
+                <a:ext uri="{FF2B5EF4-FFF2-40B4-BE49-F238E27FC236}">
+                  <a16:creationId xmlns:a16="http://schemas.microsoft.com/office/drawing/2014/main" id="{F277ABBD-F585-274B-9A6D-2EDE2359525C}"/>
+                </a:ext>
+              </a:extLst>
+            </p:cNvPr>
+            <p:cNvPicPr>
+              <a:picLocks noChangeAspect="1" noChangeArrowheads="1"/>
+            </p:cNvPicPr>
+            <p:nvPr/>
+          </p:nvPicPr>
+          <p:blipFill>
+            <a:blip r:embed="rId20">
+              <a:extLst>
+                <a:ext uri="{28A0092B-C50C-407E-A947-70E740481C1C}">
+                  <a14:useLocalDpi xmlns:a14="http://schemas.microsoft.com/office/drawing/2010/main" val="0"/>
+                </a:ext>
+              </a:extLst>
+            </a:blip>
+            <a:srcRect/>
+            <a:stretch>
+              <a:fillRect/>
+            </a:stretch>
+          </p:blipFill>
+          <p:spPr bwMode="auto">
+            <a:xfrm>
+              <a:off x="8968240" y="455467"/>
+              <a:ext cx="475286" cy="475286"/>
+            </a:xfrm>
+            <a:prstGeom prst="rect">
+              <a:avLst/>
+            </a:prstGeom>
+            <a:grpFill/>
+            <a:ln>
+              <a:noFill/>
+            </a:ln>
+            <a:extLst>
+              <a:ext uri="{909E8E84-426E-40DD-AFC4-6F175D3DCCD1}">
+                <a14:hiddenFill xmlns:a14="http://schemas.microsoft.com/office/drawing/2010/main">
+                  <a:solidFill>
+                    <a:srgbClr val="FFFFFF"/>
+                  </a:solidFill>
+                </a14:hiddenFill>
+              </a:ext>
+              <a:ext uri="{91240B29-F687-4F45-9708-019B960494DF}">
+                <a14:hiddenLine xmlns:a14="http://schemas.microsoft.com/office/drawing/2010/main" w="9525">
+                  <a:solidFill>
+                    <a:srgbClr val="000000"/>
+                  </a:solidFill>
+                  <a:miter lim="800000"/>
+                  <a:headEnd/>
+                  <a:tailEnd/>
+                </a14:hiddenLine>
+              </a:ext>
+            </a:extLst>
+          </p:spPr>
+        </p:pic>
+        <p:sp>
+          <p:nvSpPr>
+            <p:cNvPr id="61" name="TextBox 6">
+              <a:extLst>
+                <a:ext uri="{FF2B5EF4-FFF2-40B4-BE49-F238E27FC236}">
+                  <a16:creationId xmlns:a16="http://schemas.microsoft.com/office/drawing/2014/main" id="{4C68C2C6-A78A-1F4D-8131-F2B7D31444B5}"/>
+                </a:ext>
+              </a:extLst>
+            </p:cNvPr>
+            <p:cNvSpPr txBox="1">
+              <a:spLocks noChangeArrowheads="1"/>
+            </p:cNvSpPr>
+            <p:nvPr/>
+          </p:nvSpPr>
+          <p:spPr bwMode="auto">
+            <a:xfrm>
+              <a:off x="7885436" y="964686"/>
+              <a:ext cx="2763052" cy="246221"/>
+            </a:xfrm>
+            <a:prstGeom prst="rect">
+              <a:avLst/>
+            </a:prstGeom>
             <a:noFill/>
-          </a:ln>
-          <a:extLst>
-            <a:ext uri="{909E8E84-426E-40DD-AFC4-6F175D3DCCD1}">
-              <a14:hiddenFill xmlns:a14="http://schemas.microsoft.com/office/drawing/2010/main">
-                <a:solidFill>
-                  <a:srgbClr val="FFFFFF"/>
-                </a:solidFill>
-              </a14:hiddenFill>
-            </a:ext>
-            <a:ext uri="{91240B29-F687-4F45-9708-019B960494DF}">
-              <a14:hiddenLine xmlns:a14="http://schemas.microsoft.com/office/drawing/2010/main" w="9525">
-                <a:solidFill>
-                  <a:srgbClr val="000000"/>
-                </a:solidFill>
-                <a:miter lim="800000"/>
-                <a:headEnd/>
-                <a:tailEnd/>
-              </a14:hiddenLine>
-            </a:ext>
-          </a:extLst>
-        </p:spPr>
-      </p:pic>
-      <p:sp>
-        <p:nvSpPr>
-          <p:cNvPr id="25" name="TextBox 6">
-            <a:extLst>
-              <a:ext uri="{FF2B5EF4-FFF2-40B4-BE49-F238E27FC236}">
-                <a16:creationId xmlns:a16="http://schemas.microsoft.com/office/drawing/2014/main" id="{EBD6414B-CC15-D447-81E7-8CE01CF8B24A}"/>
-              </a:ext>
-            </a:extLst>
-          </p:cNvPr>
-          <p:cNvSpPr txBox="1">
-            <a:spLocks noChangeArrowheads="1"/>
-          </p:cNvSpPr>
-          <p:nvPr/>
-        </p:nvSpPr>
-        <p:spPr bwMode="auto">
-          <a:xfrm>
-            <a:off x="6354253" y="2262616"/>
-            <a:ext cx="1159043" cy="400110"/>
-          </a:xfrm>
-          <a:prstGeom prst="rect">
-            <a:avLst/>
-          </a:prstGeom>
-          <a:noFill/>
-          <a:ln>
-            <a:noFill/>
-          </a:ln>
-          <a:extLst>
-            <a:ext uri="{909E8E84-426E-40DD-AFC4-6F175D3DCCD1}">
-              <a14:hiddenFill xmlns:a14="http://schemas.microsoft.com/office/drawing/2010/main">
-                <a:solidFill>
-                  <a:srgbClr val="FFFFFF"/>
-                </a:solidFill>
-              </a14:hiddenFill>
-            </a:ext>
-            <a:ext uri="{91240B29-F687-4F45-9708-019B960494DF}">
-              <a14:hiddenLine xmlns:a14="http://schemas.microsoft.com/office/drawing/2010/main" w="9525">
-                <a:solidFill>
-                  <a:srgbClr val="000000"/>
-                </a:solidFill>
-                <a:miter lim="800000"/>
-                <a:headEnd/>
-                <a:tailEnd/>
-              </a14:hiddenLine>
-            </a:ext>
-          </a:extLst>
-        </p:spPr>
-        <p:txBody>
-          <a:bodyPr wrap="square">
-            <a:spAutoFit/>
-          </a:bodyPr>
-          <a:lstStyle>
-            <a:lvl1pPr>
-              <a:defRPr>
-                <a:solidFill>
-                  <a:schemeClr val="tx1"/>
-                </a:solidFill>
-                <a:latin typeface="Calibri" panose="020F0502020204030204" pitchFamily="34" charset="0"/>
-              </a:defRPr>
-            </a:lvl1pPr>
-            <a:lvl2pPr marL="742950" indent="-285750">
-              <a:defRPr>
-                <a:solidFill>
-                  <a:schemeClr val="tx1"/>
-                </a:solidFill>
-                <a:latin typeface="Calibri" panose="020F0502020204030204" pitchFamily="34" charset="0"/>
-              </a:defRPr>
-            </a:lvl2pPr>
-            <a:lvl3pPr marL="1143000" indent="-228600">
-              <a:defRPr>
-                <a:solidFill>
-                  <a:schemeClr val="tx1"/>
-                </a:solidFill>
-                <a:latin typeface="Calibri" panose="020F0502020204030204" pitchFamily="34" charset="0"/>
-              </a:defRPr>
-            </a:lvl3pPr>
-            <a:lvl4pPr marL="1600200" indent="-228600">
-              <a:defRPr>
-                <a:solidFill>
-                  <a:schemeClr val="tx1"/>
-                </a:solidFill>
-                <a:latin typeface="Calibri" panose="020F0502020204030204" pitchFamily="34" charset="0"/>
-              </a:defRPr>
-            </a:lvl4pPr>
-            <a:lvl5pPr marL="2057400" indent="-228600">
-              <a:defRPr>
-                <a:solidFill>
-                  <a:schemeClr val="tx1"/>
-                </a:solidFill>
-                <a:latin typeface="Calibri" panose="020F0502020204030204" pitchFamily="34" charset="0"/>
-              </a:defRPr>
-            </a:lvl5pPr>
-            <a:lvl6pPr marL="2514600" indent="-228600" eaLnBrk="0" fontAlgn="base" hangingPunct="0">
-              <a:spcBef>
-                <a:spcPct val="0"/>
-              </a:spcBef>
-              <a:spcAft>
-                <a:spcPct val="0"/>
-              </a:spcAft>
-              <a:defRPr>
-                <a:solidFill>
-                  <a:schemeClr val="tx1"/>
-                </a:solidFill>
-                <a:latin typeface="Calibri" panose="020F0502020204030204" pitchFamily="34" charset="0"/>
-              </a:defRPr>
-            </a:lvl6pPr>
-            <a:lvl7pPr marL="2971800" indent="-228600" eaLnBrk="0" fontAlgn="base" hangingPunct="0">
-              <a:spcBef>
-                <a:spcPct val="0"/>
-              </a:spcBef>
-              <a:spcAft>
-                <a:spcPct val="0"/>
-              </a:spcAft>
-              <a:defRPr>
-                <a:solidFill>
-                  <a:schemeClr val="tx1"/>
-                </a:solidFill>
-                <a:latin typeface="Calibri" panose="020F0502020204030204" pitchFamily="34" charset="0"/>
-              </a:defRPr>
-            </a:lvl7pPr>
-            <a:lvl8pPr marL="3429000" indent="-228600" eaLnBrk="0" fontAlgn="base" hangingPunct="0">
-              <a:spcBef>
-                <a:spcPct val="0"/>
-              </a:spcBef>
-              <a:spcAft>
-                <a:spcPct val="0"/>
-              </a:spcAft>
-              <a:defRPr>
-                <a:solidFill>
-                  <a:schemeClr val="tx1"/>
-                </a:solidFill>
-                <a:latin typeface="Calibri" panose="020F0502020204030204" pitchFamily="34" charset="0"/>
-              </a:defRPr>
-            </a:lvl8pPr>
-            <a:lvl9pPr marL="3886200" indent="-228600" eaLnBrk="0" fontAlgn="base" hangingPunct="0">
-              <a:spcBef>
-                <a:spcPct val="0"/>
-              </a:spcBef>
-              <a:spcAft>
-                <a:spcPct val="0"/>
-              </a:spcAft>
-              <a:defRPr>
-                <a:solidFill>
-                  <a:schemeClr val="tx1"/>
-                </a:solidFill>
-                <a:latin typeface="Calibri" panose="020F0502020204030204" pitchFamily="34" charset="0"/>
-              </a:defRPr>
-            </a:lvl9pPr>
-          </a:lstStyle>
-          <a:p>
-            <a:pPr algn="ctr" eaLnBrk="1" hangingPunct="1"/>
-            <a:r>
-              <a:rPr lang="en-US" altLang="en-US" sz="1000" dirty="0">
-                <a:latin typeface="Arial" panose="020B0604020202020204" pitchFamily="34" charset="0"/>
-                <a:ea typeface="Amazon Ember" panose="020B0603020204020204" pitchFamily="34" charset="0"/>
-                <a:cs typeface="Arial" panose="020B0604020202020204" pitchFamily="34" charset="0"/>
-              </a:rPr>
-              <a:t>Elastic Compute Cloud (EC2)</a:t>
-            </a:r>
-          </a:p>
-        </p:txBody>
-      </p:sp>
-      <p:pic>
-        <p:nvPicPr>
-          <p:cNvPr id="26" name="Graphic 18">
-            <a:extLst>
-              <a:ext uri="{FF2B5EF4-FFF2-40B4-BE49-F238E27FC236}">
-                <a16:creationId xmlns:a16="http://schemas.microsoft.com/office/drawing/2014/main" id="{17447196-6C1E-1740-A000-E71AB8D076DD}"/>
-              </a:ext>
-            </a:extLst>
-          </p:cNvPr>
-          <p:cNvPicPr>
-            <a:picLocks noChangeAspect="1" noChangeArrowheads="1"/>
-          </p:cNvPicPr>
-          <p:nvPr/>
-        </p:nvPicPr>
-        <p:blipFill>
-          <a:blip r:embed="rId9">
-            <a:extLst>
-              <a:ext uri="{28A0092B-C50C-407E-A947-70E740481C1C}">
-                <a14:useLocalDpi xmlns:a14="http://schemas.microsoft.com/office/drawing/2010/main" val="0"/>
-              </a:ext>
-            </a:extLst>
-          </a:blip>
-          <a:srcRect/>
-          <a:stretch>
-            <a:fillRect/>
-          </a:stretch>
-        </p:blipFill>
-        <p:spPr bwMode="auto">
-          <a:xfrm>
-            <a:off x="7559303" y="2683155"/>
-            <a:ext cx="471213" cy="471213"/>
-          </a:xfrm>
-          <a:prstGeom prst="rect">
-            <a:avLst/>
-          </a:prstGeom>
-          <a:noFill/>
-          <a:ln>
-            <a:noFill/>
-          </a:ln>
-          <a:extLst>
-            <a:ext uri="{909E8E84-426E-40DD-AFC4-6F175D3DCCD1}">
-              <a14:hiddenFill xmlns:a14="http://schemas.microsoft.com/office/drawing/2010/main">
-                <a:solidFill>
-                  <a:srgbClr val="FFFFFF"/>
-                </a:solidFill>
-              </a14:hiddenFill>
-            </a:ext>
-            <a:ext uri="{91240B29-F687-4F45-9708-019B960494DF}">
-              <a14:hiddenLine xmlns:a14="http://schemas.microsoft.com/office/drawing/2010/main" w="9525">
-                <a:solidFill>
-                  <a:srgbClr val="000000"/>
-                </a:solidFill>
-                <a:miter lim="800000"/>
-                <a:headEnd/>
-                <a:tailEnd/>
-              </a14:hiddenLine>
-            </a:ext>
-          </a:extLst>
-        </p:spPr>
-      </p:pic>
-      <p:sp>
-        <p:nvSpPr>
-          <p:cNvPr id="27" name="TextBox 6">
-            <a:extLst>
-              <a:ext uri="{FF2B5EF4-FFF2-40B4-BE49-F238E27FC236}">
-                <a16:creationId xmlns:a16="http://schemas.microsoft.com/office/drawing/2014/main" id="{763D900E-C4C3-C249-A842-8B812416B3A3}"/>
-              </a:ext>
-            </a:extLst>
-          </p:cNvPr>
-          <p:cNvSpPr txBox="1">
-            <a:spLocks noChangeArrowheads="1"/>
-          </p:cNvSpPr>
-          <p:nvPr/>
-        </p:nvSpPr>
-        <p:spPr bwMode="auto">
-          <a:xfrm>
-            <a:off x="7091845" y="3127166"/>
-            <a:ext cx="1406127" cy="415498"/>
-          </a:xfrm>
-          <a:prstGeom prst="rect">
-            <a:avLst/>
-          </a:prstGeom>
-          <a:noFill/>
-          <a:ln>
-            <a:noFill/>
-          </a:ln>
-          <a:extLst>
-            <a:ext uri="{909E8E84-426E-40DD-AFC4-6F175D3DCCD1}">
-              <a14:hiddenFill xmlns:a14="http://schemas.microsoft.com/office/drawing/2010/main">
-                <a:solidFill>
-                  <a:srgbClr val="FFFFFF"/>
-                </a:solidFill>
-              </a14:hiddenFill>
-            </a:ext>
-            <a:ext uri="{91240B29-F687-4F45-9708-019B960494DF}">
-              <a14:hiddenLine xmlns:a14="http://schemas.microsoft.com/office/drawing/2010/main" w="9525">
-                <a:solidFill>
-                  <a:srgbClr val="000000"/>
-                </a:solidFill>
-                <a:miter lim="800000"/>
-                <a:headEnd/>
-                <a:tailEnd/>
-              </a14:hiddenLine>
-            </a:ext>
-          </a:extLst>
-        </p:spPr>
-        <p:txBody>
-          <a:bodyPr wrap="square">
-            <a:spAutoFit/>
-          </a:bodyPr>
-          <a:lstStyle>
-            <a:lvl1pPr>
-              <a:defRPr>
-                <a:solidFill>
-                  <a:schemeClr val="tx1"/>
-                </a:solidFill>
-                <a:latin typeface="Calibri" panose="020F0502020204030204" pitchFamily="34" charset="0"/>
-              </a:defRPr>
-            </a:lvl1pPr>
-            <a:lvl2pPr marL="742950" indent="-285750">
-              <a:defRPr>
-                <a:solidFill>
-                  <a:schemeClr val="tx1"/>
-                </a:solidFill>
-                <a:latin typeface="Calibri" panose="020F0502020204030204" pitchFamily="34" charset="0"/>
-              </a:defRPr>
-            </a:lvl2pPr>
-            <a:lvl3pPr marL="1143000" indent="-228600">
-              <a:defRPr>
-                <a:solidFill>
-                  <a:schemeClr val="tx1"/>
-                </a:solidFill>
-                <a:latin typeface="Calibri" panose="020F0502020204030204" pitchFamily="34" charset="0"/>
-              </a:defRPr>
-            </a:lvl3pPr>
-            <a:lvl4pPr marL="1600200" indent="-228600">
-              <a:defRPr>
-                <a:solidFill>
-                  <a:schemeClr val="tx1"/>
-                </a:solidFill>
-                <a:latin typeface="Calibri" panose="020F0502020204030204" pitchFamily="34" charset="0"/>
-              </a:defRPr>
-            </a:lvl4pPr>
-            <a:lvl5pPr marL="2057400" indent="-228600">
-              <a:defRPr>
-                <a:solidFill>
-                  <a:schemeClr val="tx1"/>
-                </a:solidFill>
-                <a:latin typeface="Calibri" panose="020F0502020204030204" pitchFamily="34" charset="0"/>
-              </a:defRPr>
-            </a:lvl5pPr>
-            <a:lvl6pPr marL="2514600" indent="-228600" eaLnBrk="0" fontAlgn="base" hangingPunct="0">
-              <a:spcBef>
-                <a:spcPct val="0"/>
-              </a:spcBef>
-              <a:spcAft>
-                <a:spcPct val="0"/>
-              </a:spcAft>
-              <a:defRPr>
-                <a:solidFill>
-                  <a:schemeClr val="tx1"/>
-                </a:solidFill>
-                <a:latin typeface="Calibri" panose="020F0502020204030204" pitchFamily="34" charset="0"/>
-              </a:defRPr>
-            </a:lvl6pPr>
-            <a:lvl7pPr marL="2971800" indent="-228600" eaLnBrk="0" fontAlgn="base" hangingPunct="0">
-              <a:spcBef>
-                <a:spcPct val="0"/>
-              </a:spcBef>
-              <a:spcAft>
-                <a:spcPct val="0"/>
-              </a:spcAft>
-              <a:defRPr>
-                <a:solidFill>
-                  <a:schemeClr val="tx1"/>
-                </a:solidFill>
-                <a:latin typeface="Calibri" panose="020F0502020204030204" pitchFamily="34" charset="0"/>
-              </a:defRPr>
-            </a:lvl7pPr>
-            <a:lvl8pPr marL="3429000" indent="-228600" eaLnBrk="0" fontAlgn="base" hangingPunct="0">
-              <a:spcBef>
-                <a:spcPct val="0"/>
-              </a:spcBef>
-              <a:spcAft>
-                <a:spcPct val="0"/>
-              </a:spcAft>
-              <a:defRPr>
-                <a:solidFill>
-                  <a:schemeClr val="tx1"/>
-                </a:solidFill>
-                <a:latin typeface="Calibri" panose="020F0502020204030204" pitchFamily="34" charset="0"/>
-              </a:defRPr>
-            </a:lvl8pPr>
-            <a:lvl9pPr marL="3886200" indent="-228600" eaLnBrk="0" fontAlgn="base" hangingPunct="0">
-              <a:spcBef>
-                <a:spcPct val="0"/>
-              </a:spcBef>
-              <a:spcAft>
-                <a:spcPct val="0"/>
-              </a:spcAft>
-              <a:defRPr>
-                <a:solidFill>
-                  <a:schemeClr val="tx1"/>
-                </a:solidFill>
-                <a:latin typeface="Calibri" panose="020F0502020204030204" pitchFamily="34" charset="0"/>
-              </a:defRPr>
-            </a:lvl9pPr>
-          </a:lstStyle>
-          <a:p>
-            <a:pPr algn="ctr" eaLnBrk="1" hangingPunct="1"/>
-            <a:r>
-              <a:rPr lang="en-US" altLang="en-US" sz="1000" dirty="0">
-                <a:latin typeface="Arial" panose="020B0604020202020204" pitchFamily="34" charset="0"/>
-                <a:ea typeface="Amazon Ember" panose="020B0603020204020204" pitchFamily="34" charset="0"/>
-                <a:cs typeface="Arial" panose="020B0604020202020204" pitchFamily="34" charset="0"/>
-              </a:rPr>
-              <a:t>Elastic Container Service (EC2)</a:t>
-            </a:r>
-          </a:p>
-        </p:txBody>
-      </p:sp>
-      <p:pic>
-        <p:nvPicPr>
-          <p:cNvPr id="28" name="Graphic 7">
-            <a:extLst>
-              <a:ext uri="{FF2B5EF4-FFF2-40B4-BE49-F238E27FC236}">
-                <a16:creationId xmlns:a16="http://schemas.microsoft.com/office/drawing/2014/main" id="{9596FB62-088F-3C49-A096-03228E3706DF}"/>
-              </a:ext>
-            </a:extLst>
-          </p:cNvPr>
-          <p:cNvPicPr>
-            <a:picLocks noChangeAspect="1" noChangeArrowheads="1"/>
-          </p:cNvPicPr>
-          <p:nvPr/>
-        </p:nvPicPr>
-        <p:blipFill>
-          <a:blip r:embed="rId10">
-            <a:extLst>
-              <a:ext uri="{28A0092B-C50C-407E-A947-70E740481C1C}">
-                <a14:useLocalDpi xmlns:a14="http://schemas.microsoft.com/office/drawing/2010/main" val="0"/>
-              </a:ext>
-            </a:extLst>
-          </a:blip>
-          <a:srcRect/>
-          <a:stretch>
-            <a:fillRect/>
-          </a:stretch>
-        </p:blipFill>
-        <p:spPr bwMode="auto">
-          <a:xfrm>
-            <a:off x="8278887" y="1797419"/>
-            <a:ext cx="465197" cy="465197"/>
-          </a:xfrm>
-          <a:prstGeom prst="rect">
-            <a:avLst/>
-          </a:prstGeom>
-          <a:noFill/>
-          <a:ln>
-            <a:noFill/>
-          </a:ln>
-          <a:extLst>
-            <a:ext uri="{909E8E84-426E-40DD-AFC4-6F175D3DCCD1}">
-              <a14:hiddenFill xmlns:a14="http://schemas.microsoft.com/office/drawing/2010/main">
-                <a:solidFill>
-                  <a:srgbClr val="FFFFFF"/>
-                </a:solidFill>
-              </a14:hiddenFill>
-            </a:ext>
-            <a:ext uri="{91240B29-F687-4F45-9708-019B960494DF}">
-              <a14:hiddenLine xmlns:a14="http://schemas.microsoft.com/office/drawing/2010/main" w="9525">
-                <a:solidFill>
-                  <a:srgbClr val="000000"/>
-                </a:solidFill>
-                <a:miter lim="800000"/>
-                <a:headEnd/>
-                <a:tailEnd/>
-              </a14:hiddenLine>
-            </a:ext>
-          </a:extLst>
-        </p:spPr>
-      </p:pic>
-      <p:sp>
-        <p:nvSpPr>
-          <p:cNvPr id="29" name="TextBox 6">
-            <a:extLst>
-              <a:ext uri="{FF2B5EF4-FFF2-40B4-BE49-F238E27FC236}">
-                <a16:creationId xmlns:a16="http://schemas.microsoft.com/office/drawing/2014/main" id="{6CF444FC-ACB4-634A-A58C-4C54CE504903}"/>
-              </a:ext>
-            </a:extLst>
-          </p:cNvPr>
-          <p:cNvSpPr txBox="1">
-            <a:spLocks noChangeArrowheads="1"/>
-          </p:cNvSpPr>
-          <p:nvPr/>
-        </p:nvSpPr>
-        <p:spPr bwMode="auto">
-          <a:xfrm>
-            <a:off x="8046246" y="2262616"/>
-            <a:ext cx="930478" cy="253916"/>
-          </a:xfrm>
-          <a:prstGeom prst="rect">
-            <a:avLst/>
-          </a:prstGeom>
-          <a:noFill/>
-          <a:ln>
-            <a:noFill/>
-          </a:ln>
-          <a:extLst>
-            <a:ext uri="{909E8E84-426E-40DD-AFC4-6F175D3DCCD1}">
-              <a14:hiddenFill xmlns:a14="http://schemas.microsoft.com/office/drawing/2010/main">
-                <a:solidFill>
-                  <a:srgbClr val="FFFFFF"/>
-                </a:solidFill>
-              </a14:hiddenFill>
-            </a:ext>
-            <a:ext uri="{91240B29-F687-4F45-9708-019B960494DF}">
-              <a14:hiddenLine xmlns:a14="http://schemas.microsoft.com/office/drawing/2010/main" w="9525">
-                <a:solidFill>
-                  <a:srgbClr val="000000"/>
-                </a:solidFill>
-                <a:miter lim="800000"/>
-                <a:headEnd/>
-                <a:tailEnd/>
-              </a14:hiddenLine>
-            </a:ext>
-          </a:extLst>
-        </p:spPr>
-        <p:txBody>
-          <a:bodyPr wrap="square">
-            <a:spAutoFit/>
-          </a:bodyPr>
-          <a:lstStyle>
-            <a:lvl1pPr>
-              <a:defRPr>
-                <a:solidFill>
-                  <a:schemeClr val="tx1"/>
-                </a:solidFill>
-                <a:latin typeface="Calibri" panose="020F0502020204030204" pitchFamily="34" charset="0"/>
-              </a:defRPr>
-            </a:lvl1pPr>
-            <a:lvl2pPr marL="742950" indent="-285750">
-              <a:defRPr>
-                <a:solidFill>
-                  <a:schemeClr val="tx1"/>
-                </a:solidFill>
-                <a:latin typeface="Calibri" panose="020F0502020204030204" pitchFamily="34" charset="0"/>
-              </a:defRPr>
-            </a:lvl2pPr>
-            <a:lvl3pPr marL="1143000" indent="-228600">
-              <a:defRPr>
-                <a:solidFill>
-                  <a:schemeClr val="tx1"/>
-                </a:solidFill>
-                <a:latin typeface="Calibri" panose="020F0502020204030204" pitchFamily="34" charset="0"/>
-              </a:defRPr>
-            </a:lvl3pPr>
-            <a:lvl4pPr marL="1600200" indent="-228600">
-              <a:defRPr>
-                <a:solidFill>
-                  <a:schemeClr val="tx1"/>
-                </a:solidFill>
-                <a:latin typeface="Calibri" panose="020F0502020204030204" pitchFamily="34" charset="0"/>
-              </a:defRPr>
-            </a:lvl4pPr>
-            <a:lvl5pPr marL="2057400" indent="-228600">
-              <a:defRPr>
-                <a:solidFill>
-                  <a:schemeClr val="tx1"/>
-                </a:solidFill>
-                <a:latin typeface="Calibri" panose="020F0502020204030204" pitchFamily="34" charset="0"/>
-              </a:defRPr>
-            </a:lvl5pPr>
-            <a:lvl6pPr marL="2514600" indent="-228600" eaLnBrk="0" fontAlgn="base" hangingPunct="0">
-              <a:spcBef>
-                <a:spcPct val="0"/>
-              </a:spcBef>
-              <a:spcAft>
-                <a:spcPct val="0"/>
-              </a:spcAft>
-              <a:defRPr>
-                <a:solidFill>
-                  <a:schemeClr val="tx1"/>
-                </a:solidFill>
-                <a:latin typeface="Calibri" panose="020F0502020204030204" pitchFamily="34" charset="0"/>
-              </a:defRPr>
-            </a:lvl6pPr>
-            <a:lvl7pPr marL="2971800" indent="-228600" eaLnBrk="0" fontAlgn="base" hangingPunct="0">
-              <a:spcBef>
-                <a:spcPct val="0"/>
-              </a:spcBef>
-              <a:spcAft>
-                <a:spcPct val="0"/>
-              </a:spcAft>
-              <a:defRPr>
-                <a:solidFill>
-                  <a:schemeClr val="tx1"/>
-                </a:solidFill>
-                <a:latin typeface="Calibri" panose="020F0502020204030204" pitchFamily="34" charset="0"/>
-              </a:defRPr>
-            </a:lvl7pPr>
-            <a:lvl8pPr marL="3429000" indent="-228600" eaLnBrk="0" fontAlgn="base" hangingPunct="0">
-              <a:spcBef>
-                <a:spcPct val="0"/>
-              </a:spcBef>
-              <a:spcAft>
-                <a:spcPct val="0"/>
-              </a:spcAft>
-              <a:defRPr>
-                <a:solidFill>
-                  <a:schemeClr val="tx1"/>
-                </a:solidFill>
-                <a:latin typeface="Calibri" panose="020F0502020204030204" pitchFamily="34" charset="0"/>
-              </a:defRPr>
-            </a:lvl8pPr>
-            <a:lvl9pPr marL="3886200" indent="-228600" eaLnBrk="0" fontAlgn="base" hangingPunct="0">
-              <a:spcBef>
-                <a:spcPct val="0"/>
-              </a:spcBef>
-              <a:spcAft>
-                <a:spcPct val="0"/>
-              </a:spcAft>
-              <a:defRPr>
-                <a:solidFill>
-                  <a:schemeClr val="tx1"/>
-                </a:solidFill>
-                <a:latin typeface="Calibri" panose="020F0502020204030204" pitchFamily="34" charset="0"/>
-              </a:defRPr>
-            </a:lvl9pPr>
-          </a:lstStyle>
-          <a:p>
-            <a:pPr algn="ctr" eaLnBrk="1" hangingPunct="1"/>
-            <a:r>
-              <a:rPr lang="en-US" altLang="en-US" sz="1000" dirty="0">
-                <a:latin typeface="Arial" panose="020B0604020202020204" pitchFamily="34" charset="0"/>
-                <a:ea typeface="Amazon Ember" panose="020B0603020204020204" pitchFamily="34" charset="0"/>
-                <a:cs typeface="Arial" panose="020B0604020202020204" pitchFamily="34" charset="0"/>
-              </a:rPr>
-              <a:t>Lambda</a:t>
-            </a:r>
-          </a:p>
-        </p:txBody>
-      </p:sp>
-      <p:pic>
-        <p:nvPicPr>
-          <p:cNvPr id="30" name="Graphic 19">
-            <a:extLst>
-              <a:ext uri="{FF2B5EF4-FFF2-40B4-BE49-F238E27FC236}">
-                <a16:creationId xmlns:a16="http://schemas.microsoft.com/office/drawing/2014/main" id="{0F94475D-AE72-BF46-B9F2-EA910DF7A714}"/>
-              </a:ext>
-            </a:extLst>
-          </p:cNvPr>
-          <p:cNvPicPr>
-            <a:picLocks noChangeAspect="1" noChangeArrowheads="1"/>
-          </p:cNvPicPr>
-          <p:nvPr/>
-        </p:nvPicPr>
-        <p:blipFill>
-          <a:blip r:embed="rId11">
-            <a:extLst>
-              <a:ext uri="{28A0092B-C50C-407E-A947-70E740481C1C}">
-                <a14:useLocalDpi xmlns:a14="http://schemas.microsoft.com/office/drawing/2010/main" val="0"/>
-              </a:ext>
-            </a:extLst>
-          </a:blip>
-          <a:srcRect/>
-          <a:stretch>
-            <a:fillRect/>
-          </a:stretch>
-        </p:blipFill>
-        <p:spPr bwMode="auto">
-          <a:xfrm>
-            <a:off x="11192133" y="1804613"/>
-            <a:ext cx="464937" cy="464937"/>
-          </a:xfrm>
-          <a:prstGeom prst="rect">
-            <a:avLst/>
-          </a:prstGeom>
-          <a:noFill/>
-          <a:ln>
-            <a:noFill/>
-          </a:ln>
-          <a:extLst>
-            <a:ext uri="{909E8E84-426E-40DD-AFC4-6F175D3DCCD1}">
-              <a14:hiddenFill xmlns:a14="http://schemas.microsoft.com/office/drawing/2010/main">
-                <a:solidFill>
-                  <a:srgbClr val="FFFFFF"/>
-                </a:solidFill>
-              </a14:hiddenFill>
-            </a:ext>
-            <a:ext uri="{91240B29-F687-4F45-9708-019B960494DF}">
-              <a14:hiddenLine xmlns:a14="http://schemas.microsoft.com/office/drawing/2010/main" w="9525">
-                <a:solidFill>
-                  <a:srgbClr val="000000"/>
-                </a:solidFill>
-                <a:miter lim="800000"/>
-                <a:headEnd/>
-                <a:tailEnd/>
-              </a14:hiddenLine>
-            </a:ext>
-          </a:extLst>
-        </p:spPr>
-      </p:pic>
-      <p:pic>
-        <p:nvPicPr>
-          <p:cNvPr id="31" name="Graphic 17">
-            <a:extLst>
-              <a:ext uri="{FF2B5EF4-FFF2-40B4-BE49-F238E27FC236}">
-                <a16:creationId xmlns:a16="http://schemas.microsoft.com/office/drawing/2014/main" id="{507F4523-854E-454D-B2E2-C50F01642471}"/>
-              </a:ext>
-            </a:extLst>
-          </p:cNvPr>
-          <p:cNvPicPr>
-            <a:picLocks noChangeAspect="1" noChangeArrowheads="1"/>
-          </p:cNvPicPr>
-          <p:nvPr/>
-        </p:nvPicPr>
-        <p:blipFill>
-          <a:blip r:embed="rId12">
-            <a:extLst>
-              <a:ext uri="{28A0092B-C50C-407E-A947-70E740481C1C}">
-                <a14:useLocalDpi xmlns:a14="http://schemas.microsoft.com/office/drawing/2010/main" val="0"/>
-              </a:ext>
-            </a:extLst>
-          </a:blip>
-          <a:srcRect/>
-          <a:stretch>
-            <a:fillRect/>
-          </a:stretch>
-        </p:blipFill>
-        <p:spPr bwMode="auto">
-          <a:xfrm>
-            <a:off x="10416020" y="2683155"/>
-            <a:ext cx="464937" cy="464937"/>
-          </a:xfrm>
-          <a:prstGeom prst="rect">
-            <a:avLst/>
-          </a:prstGeom>
-          <a:noFill/>
-          <a:ln>
-            <a:noFill/>
-          </a:ln>
-          <a:extLst>
-            <a:ext uri="{909E8E84-426E-40DD-AFC4-6F175D3DCCD1}">
-              <a14:hiddenFill xmlns:a14="http://schemas.microsoft.com/office/drawing/2010/main">
-                <a:solidFill>
-                  <a:srgbClr val="FFFFFF"/>
-                </a:solidFill>
-              </a14:hiddenFill>
-            </a:ext>
-            <a:ext uri="{91240B29-F687-4F45-9708-019B960494DF}">
-              <a14:hiddenLine xmlns:a14="http://schemas.microsoft.com/office/drawing/2010/main" w="9525">
-                <a:solidFill>
-                  <a:srgbClr val="000000"/>
-                </a:solidFill>
-                <a:miter lim="800000"/>
-                <a:headEnd/>
-                <a:tailEnd/>
-              </a14:hiddenLine>
-            </a:ext>
-          </a:extLst>
-        </p:spPr>
-      </p:pic>
-      <p:pic>
-        <p:nvPicPr>
-          <p:cNvPr id="32" name="Graphic 8">
-            <a:extLst>
-              <a:ext uri="{FF2B5EF4-FFF2-40B4-BE49-F238E27FC236}">
-                <a16:creationId xmlns:a16="http://schemas.microsoft.com/office/drawing/2014/main" id="{1CB12C80-4B4A-7347-8591-EA7C4D1AA48B}"/>
-              </a:ext>
-            </a:extLst>
-          </p:cNvPr>
-          <p:cNvPicPr>
-            <a:picLocks noChangeAspect="1" noChangeArrowheads="1"/>
-          </p:cNvPicPr>
-          <p:nvPr/>
-        </p:nvPicPr>
-        <p:blipFill>
-          <a:blip r:embed="rId13">
-            <a:extLst>
-              <a:ext uri="{28A0092B-C50C-407E-A947-70E740481C1C}">
-                <a14:useLocalDpi xmlns:a14="http://schemas.microsoft.com/office/drawing/2010/main" val="0"/>
-              </a:ext>
-            </a:extLst>
-          </a:blip>
-          <a:srcRect/>
-          <a:stretch>
-            <a:fillRect/>
-          </a:stretch>
-        </p:blipFill>
-        <p:spPr bwMode="auto">
-          <a:xfrm>
-            <a:off x="9589658" y="1800252"/>
-            <a:ext cx="465197" cy="465197"/>
-          </a:xfrm>
-          <a:prstGeom prst="rect">
-            <a:avLst/>
-          </a:prstGeom>
-          <a:noFill/>
-          <a:ln>
-            <a:noFill/>
-          </a:ln>
-          <a:extLst>
-            <a:ext uri="{909E8E84-426E-40DD-AFC4-6F175D3DCCD1}">
-              <a14:hiddenFill xmlns:a14="http://schemas.microsoft.com/office/drawing/2010/main">
-                <a:solidFill>
-                  <a:srgbClr val="FFFFFF"/>
-                </a:solidFill>
-              </a14:hiddenFill>
-            </a:ext>
-            <a:ext uri="{91240B29-F687-4F45-9708-019B960494DF}">
-              <a14:hiddenLine xmlns:a14="http://schemas.microsoft.com/office/drawing/2010/main" w="9525">
-                <a:solidFill>
-                  <a:srgbClr val="000000"/>
-                </a:solidFill>
-                <a:miter lim="800000"/>
-                <a:headEnd/>
-                <a:tailEnd/>
-              </a14:hiddenLine>
-            </a:ext>
-          </a:extLst>
-        </p:spPr>
-      </p:pic>
-      <p:sp>
-        <p:nvSpPr>
-          <p:cNvPr id="33" name="TextBox 6">
-            <a:extLst>
-              <a:ext uri="{FF2B5EF4-FFF2-40B4-BE49-F238E27FC236}">
-                <a16:creationId xmlns:a16="http://schemas.microsoft.com/office/drawing/2014/main" id="{763632C9-0E09-9748-B0E6-F2F7A97C05BF}"/>
-              </a:ext>
-            </a:extLst>
-          </p:cNvPr>
-          <p:cNvSpPr txBox="1">
-            <a:spLocks noChangeArrowheads="1"/>
-          </p:cNvSpPr>
-          <p:nvPr/>
-        </p:nvSpPr>
-        <p:spPr bwMode="auto">
-          <a:xfrm>
-            <a:off x="10119340" y="3148092"/>
-            <a:ext cx="1087287" cy="400110"/>
-          </a:xfrm>
-          <a:prstGeom prst="rect">
-            <a:avLst/>
-          </a:prstGeom>
-          <a:noFill/>
-          <a:ln>
-            <a:noFill/>
-          </a:ln>
-          <a:extLst>
-            <a:ext uri="{909E8E84-426E-40DD-AFC4-6F175D3DCCD1}">
-              <a14:hiddenFill xmlns:a14="http://schemas.microsoft.com/office/drawing/2010/main">
-                <a:solidFill>
-                  <a:srgbClr val="FFFFFF"/>
-                </a:solidFill>
-              </a14:hiddenFill>
-            </a:ext>
-            <a:ext uri="{91240B29-F687-4F45-9708-019B960494DF}">
-              <a14:hiddenLine xmlns:a14="http://schemas.microsoft.com/office/drawing/2010/main" w="9525">
-                <a:solidFill>
-                  <a:srgbClr val="000000"/>
-                </a:solidFill>
-                <a:miter lim="800000"/>
-                <a:headEnd/>
-                <a:tailEnd/>
-              </a14:hiddenLine>
-            </a:ext>
-          </a:extLst>
-        </p:spPr>
-        <p:txBody>
-          <a:bodyPr wrap="square">
-            <a:spAutoFit/>
-          </a:bodyPr>
-          <a:lstStyle>
-            <a:lvl1pPr>
-              <a:defRPr>
-                <a:solidFill>
-                  <a:schemeClr val="tx1"/>
-                </a:solidFill>
-                <a:latin typeface="Calibri" panose="020F0502020204030204" pitchFamily="34" charset="0"/>
-              </a:defRPr>
-            </a:lvl1pPr>
-            <a:lvl2pPr marL="742950" indent="-285750">
-              <a:defRPr>
-                <a:solidFill>
-                  <a:schemeClr val="tx1"/>
-                </a:solidFill>
-                <a:latin typeface="Calibri" panose="020F0502020204030204" pitchFamily="34" charset="0"/>
-              </a:defRPr>
-            </a:lvl2pPr>
-            <a:lvl3pPr marL="1143000" indent="-228600">
-              <a:defRPr>
-                <a:solidFill>
-                  <a:schemeClr val="tx1"/>
-                </a:solidFill>
-                <a:latin typeface="Calibri" panose="020F0502020204030204" pitchFamily="34" charset="0"/>
-              </a:defRPr>
-            </a:lvl3pPr>
-            <a:lvl4pPr marL="1600200" indent="-228600">
-              <a:defRPr>
-                <a:solidFill>
-                  <a:schemeClr val="tx1"/>
-                </a:solidFill>
-                <a:latin typeface="Calibri" panose="020F0502020204030204" pitchFamily="34" charset="0"/>
-              </a:defRPr>
-            </a:lvl4pPr>
-            <a:lvl5pPr marL="2057400" indent="-228600">
-              <a:defRPr>
-                <a:solidFill>
-                  <a:schemeClr val="tx1"/>
-                </a:solidFill>
-                <a:latin typeface="Calibri" panose="020F0502020204030204" pitchFamily="34" charset="0"/>
-              </a:defRPr>
-            </a:lvl5pPr>
-            <a:lvl6pPr marL="2514600" indent="-228600" eaLnBrk="0" fontAlgn="base" hangingPunct="0">
-              <a:spcBef>
-                <a:spcPct val="0"/>
-              </a:spcBef>
-              <a:spcAft>
-                <a:spcPct val="0"/>
-              </a:spcAft>
-              <a:defRPr>
-                <a:solidFill>
-                  <a:schemeClr val="tx1"/>
-                </a:solidFill>
-                <a:latin typeface="Calibri" panose="020F0502020204030204" pitchFamily="34" charset="0"/>
-              </a:defRPr>
-            </a:lvl6pPr>
-            <a:lvl7pPr marL="2971800" indent="-228600" eaLnBrk="0" fontAlgn="base" hangingPunct="0">
-              <a:spcBef>
-                <a:spcPct val="0"/>
-              </a:spcBef>
-              <a:spcAft>
-                <a:spcPct val="0"/>
-              </a:spcAft>
-              <a:defRPr>
-                <a:solidFill>
-                  <a:schemeClr val="tx1"/>
-                </a:solidFill>
-                <a:latin typeface="Calibri" panose="020F0502020204030204" pitchFamily="34" charset="0"/>
-              </a:defRPr>
-            </a:lvl7pPr>
-            <a:lvl8pPr marL="3429000" indent="-228600" eaLnBrk="0" fontAlgn="base" hangingPunct="0">
-              <a:spcBef>
-                <a:spcPct val="0"/>
-              </a:spcBef>
-              <a:spcAft>
-                <a:spcPct val="0"/>
-              </a:spcAft>
-              <a:defRPr>
-                <a:solidFill>
-                  <a:schemeClr val="tx1"/>
-                </a:solidFill>
-                <a:latin typeface="Calibri" panose="020F0502020204030204" pitchFamily="34" charset="0"/>
-              </a:defRPr>
-            </a:lvl8pPr>
-            <a:lvl9pPr marL="3886200" indent="-228600" eaLnBrk="0" fontAlgn="base" hangingPunct="0">
-              <a:spcBef>
-                <a:spcPct val="0"/>
-              </a:spcBef>
-              <a:spcAft>
-                <a:spcPct val="0"/>
-              </a:spcAft>
-              <a:defRPr>
-                <a:solidFill>
-                  <a:schemeClr val="tx1"/>
-                </a:solidFill>
-                <a:latin typeface="Calibri" panose="020F0502020204030204" pitchFamily="34" charset="0"/>
-              </a:defRPr>
-            </a:lvl9pPr>
-          </a:lstStyle>
-          <a:p>
-            <a:pPr algn="ctr" eaLnBrk="1" hangingPunct="1"/>
-            <a:r>
-              <a:rPr lang="en-US" altLang="en-US" sz="1000" dirty="0">
-                <a:latin typeface="Arial" panose="020B0604020202020204" pitchFamily="34" charset="0"/>
-                <a:ea typeface="Amazon Ember" panose="020B0603020204020204" pitchFamily="34" charset="0"/>
-                <a:cs typeface="Arial" panose="020B0604020202020204" pitchFamily="34" charset="0"/>
-              </a:rPr>
-              <a:t>Elastic Block Store (EBS)</a:t>
-            </a:r>
-          </a:p>
-        </p:txBody>
-      </p:sp>
-      <p:sp>
-        <p:nvSpPr>
-          <p:cNvPr id="34" name="TextBox 6">
-            <a:extLst>
-              <a:ext uri="{FF2B5EF4-FFF2-40B4-BE49-F238E27FC236}">
-                <a16:creationId xmlns:a16="http://schemas.microsoft.com/office/drawing/2014/main" id="{E182D208-FF2E-2A4F-AE1E-7F69B26EDA61}"/>
-              </a:ext>
-            </a:extLst>
-          </p:cNvPr>
-          <p:cNvSpPr txBox="1">
-            <a:spLocks noChangeArrowheads="1"/>
-          </p:cNvSpPr>
-          <p:nvPr/>
-        </p:nvSpPr>
-        <p:spPr bwMode="auto">
-          <a:xfrm>
-            <a:off x="9278612" y="2262616"/>
-            <a:ext cx="1087287" cy="400110"/>
-          </a:xfrm>
-          <a:prstGeom prst="rect">
-            <a:avLst/>
-          </a:prstGeom>
-          <a:noFill/>
-          <a:ln>
-            <a:noFill/>
-          </a:ln>
-          <a:extLst>
-            <a:ext uri="{909E8E84-426E-40DD-AFC4-6F175D3DCCD1}">
-              <a14:hiddenFill xmlns:a14="http://schemas.microsoft.com/office/drawing/2010/main">
-                <a:solidFill>
-                  <a:srgbClr val="FFFFFF"/>
-                </a:solidFill>
-              </a14:hiddenFill>
-            </a:ext>
-            <a:ext uri="{91240B29-F687-4F45-9708-019B960494DF}">
-              <a14:hiddenLine xmlns:a14="http://schemas.microsoft.com/office/drawing/2010/main" w="9525">
-                <a:solidFill>
-                  <a:srgbClr val="000000"/>
-                </a:solidFill>
-                <a:miter lim="800000"/>
-                <a:headEnd/>
-                <a:tailEnd/>
-              </a14:hiddenLine>
-            </a:ext>
-          </a:extLst>
-        </p:spPr>
-        <p:txBody>
-          <a:bodyPr wrap="square">
-            <a:spAutoFit/>
-          </a:bodyPr>
-          <a:lstStyle>
-            <a:lvl1pPr>
-              <a:defRPr>
-                <a:solidFill>
-                  <a:schemeClr val="tx1"/>
-                </a:solidFill>
-                <a:latin typeface="Calibri" panose="020F0502020204030204" pitchFamily="34" charset="0"/>
-              </a:defRPr>
-            </a:lvl1pPr>
-            <a:lvl2pPr marL="742950" indent="-285750">
-              <a:defRPr>
-                <a:solidFill>
-                  <a:schemeClr val="tx1"/>
-                </a:solidFill>
-                <a:latin typeface="Calibri" panose="020F0502020204030204" pitchFamily="34" charset="0"/>
-              </a:defRPr>
-            </a:lvl2pPr>
-            <a:lvl3pPr marL="1143000" indent="-228600">
-              <a:defRPr>
-                <a:solidFill>
-                  <a:schemeClr val="tx1"/>
-                </a:solidFill>
-                <a:latin typeface="Calibri" panose="020F0502020204030204" pitchFamily="34" charset="0"/>
-              </a:defRPr>
-            </a:lvl3pPr>
-            <a:lvl4pPr marL="1600200" indent="-228600">
-              <a:defRPr>
-                <a:solidFill>
-                  <a:schemeClr val="tx1"/>
-                </a:solidFill>
-                <a:latin typeface="Calibri" panose="020F0502020204030204" pitchFamily="34" charset="0"/>
-              </a:defRPr>
-            </a:lvl4pPr>
-            <a:lvl5pPr marL="2057400" indent="-228600">
-              <a:defRPr>
-                <a:solidFill>
-                  <a:schemeClr val="tx1"/>
-                </a:solidFill>
-                <a:latin typeface="Calibri" panose="020F0502020204030204" pitchFamily="34" charset="0"/>
-              </a:defRPr>
-            </a:lvl5pPr>
-            <a:lvl6pPr marL="2514600" indent="-228600" eaLnBrk="0" fontAlgn="base" hangingPunct="0">
-              <a:spcBef>
-                <a:spcPct val="0"/>
-              </a:spcBef>
-              <a:spcAft>
-                <a:spcPct val="0"/>
-              </a:spcAft>
-              <a:defRPr>
-                <a:solidFill>
-                  <a:schemeClr val="tx1"/>
-                </a:solidFill>
-                <a:latin typeface="Calibri" panose="020F0502020204030204" pitchFamily="34" charset="0"/>
-              </a:defRPr>
-            </a:lvl6pPr>
-            <a:lvl7pPr marL="2971800" indent="-228600" eaLnBrk="0" fontAlgn="base" hangingPunct="0">
-              <a:spcBef>
-                <a:spcPct val="0"/>
-              </a:spcBef>
-              <a:spcAft>
-                <a:spcPct val="0"/>
-              </a:spcAft>
-              <a:defRPr>
-                <a:solidFill>
-                  <a:schemeClr val="tx1"/>
-                </a:solidFill>
-                <a:latin typeface="Calibri" panose="020F0502020204030204" pitchFamily="34" charset="0"/>
-              </a:defRPr>
-            </a:lvl7pPr>
-            <a:lvl8pPr marL="3429000" indent="-228600" eaLnBrk="0" fontAlgn="base" hangingPunct="0">
-              <a:spcBef>
-                <a:spcPct val="0"/>
-              </a:spcBef>
-              <a:spcAft>
-                <a:spcPct val="0"/>
-              </a:spcAft>
-              <a:defRPr>
-                <a:solidFill>
-                  <a:schemeClr val="tx1"/>
-                </a:solidFill>
-                <a:latin typeface="Calibri" panose="020F0502020204030204" pitchFamily="34" charset="0"/>
-              </a:defRPr>
-            </a:lvl8pPr>
-            <a:lvl9pPr marL="3886200" indent="-228600" eaLnBrk="0" fontAlgn="base" hangingPunct="0">
-              <a:spcBef>
-                <a:spcPct val="0"/>
-              </a:spcBef>
-              <a:spcAft>
-                <a:spcPct val="0"/>
-              </a:spcAft>
-              <a:defRPr>
-                <a:solidFill>
-                  <a:schemeClr val="tx1"/>
-                </a:solidFill>
-                <a:latin typeface="Calibri" panose="020F0502020204030204" pitchFamily="34" charset="0"/>
-              </a:defRPr>
-            </a:lvl9pPr>
-          </a:lstStyle>
-          <a:p>
-            <a:pPr algn="ctr" eaLnBrk="1" hangingPunct="1"/>
-            <a:r>
-              <a:rPr lang="en-US" altLang="en-US" sz="1000" dirty="0">
-                <a:latin typeface="Arial" panose="020B0604020202020204" pitchFamily="34" charset="0"/>
-                <a:ea typeface="Amazon Ember" panose="020B0603020204020204" pitchFamily="34" charset="0"/>
-                <a:cs typeface="Arial" panose="020B0604020202020204" pitchFamily="34" charset="0"/>
-              </a:rPr>
-              <a:t>Simple Storage Service (S3)</a:t>
-            </a:r>
-          </a:p>
-        </p:txBody>
-      </p:sp>
-      <p:sp>
-        <p:nvSpPr>
-          <p:cNvPr id="35" name="TextBox 6">
-            <a:extLst>
-              <a:ext uri="{FF2B5EF4-FFF2-40B4-BE49-F238E27FC236}">
-                <a16:creationId xmlns:a16="http://schemas.microsoft.com/office/drawing/2014/main" id="{0B062034-FDDA-7042-B736-AC51C9D51953}"/>
-              </a:ext>
-            </a:extLst>
-          </p:cNvPr>
-          <p:cNvSpPr txBox="1">
-            <a:spLocks noChangeArrowheads="1"/>
-          </p:cNvSpPr>
-          <p:nvPr/>
-        </p:nvSpPr>
-        <p:spPr bwMode="auto">
-          <a:xfrm>
-            <a:off x="10880957" y="2262616"/>
-            <a:ext cx="1087287" cy="400110"/>
-          </a:xfrm>
-          <a:prstGeom prst="rect">
-            <a:avLst/>
-          </a:prstGeom>
-          <a:noFill/>
-          <a:ln>
-            <a:noFill/>
-          </a:ln>
-          <a:extLst>
-            <a:ext uri="{909E8E84-426E-40DD-AFC4-6F175D3DCCD1}">
-              <a14:hiddenFill xmlns:a14="http://schemas.microsoft.com/office/drawing/2010/main">
-                <a:solidFill>
-                  <a:srgbClr val="FFFFFF"/>
-                </a:solidFill>
-              </a14:hiddenFill>
-            </a:ext>
-            <a:ext uri="{91240B29-F687-4F45-9708-019B960494DF}">
-              <a14:hiddenLine xmlns:a14="http://schemas.microsoft.com/office/drawing/2010/main" w="9525">
-                <a:solidFill>
-                  <a:srgbClr val="000000"/>
-                </a:solidFill>
-                <a:miter lim="800000"/>
-                <a:headEnd/>
-                <a:tailEnd/>
-              </a14:hiddenLine>
-            </a:ext>
-          </a:extLst>
-        </p:spPr>
-        <p:txBody>
-          <a:bodyPr wrap="square">
-            <a:spAutoFit/>
-          </a:bodyPr>
-          <a:lstStyle>
-            <a:lvl1pPr>
-              <a:defRPr>
-                <a:solidFill>
-                  <a:schemeClr val="tx1"/>
-                </a:solidFill>
-                <a:latin typeface="Calibri" panose="020F0502020204030204" pitchFamily="34" charset="0"/>
-              </a:defRPr>
-            </a:lvl1pPr>
-            <a:lvl2pPr marL="742950" indent="-285750">
-              <a:defRPr>
-                <a:solidFill>
-                  <a:schemeClr val="tx1"/>
-                </a:solidFill>
-                <a:latin typeface="Calibri" panose="020F0502020204030204" pitchFamily="34" charset="0"/>
-              </a:defRPr>
-            </a:lvl2pPr>
-            <a:lvl3pPr marL="1143000" indent="-228600">
-              <a:defRPr>
-                <a:solidFill>
-                  <a:schemeClr val="tx1"/>
-                </a:solidFill>
-                <a:latin typeface="Calibri" panose="020F0502020204030204" pitchFamily="34" charset="0"/>
-              </a:defRPr>
-            </a:lvl3pPr>
-            <a:lvl4pPr marL="1600200" indent="-228600">
-              <a:defRPr>
-                <a:solidFill>
-                  <a:schemeClr val="tx1"/>
-                </a:solidFill>
-                <a:latin typeface="Calibri" panose="020F0502020204030204" pitchFamily="34" charset="0"/>
-              </a:defRPr>
-            </a:lvl4pPr>
-            <a:lvl5pPr marL="2057400" indent="-228600">
-              <a:defRPr>
-                <a:solidFill>
-                  <a:schemeClr val="tx1"/>
-                </a:solidFill>
-                <a:latin typeface="Calibri" panose="020F0502020204030204" pitchFamily="34" charset="0"/>
-              </a:defRPr>
-            </a:lvl5pPr>
-            <a:lvl6pPr marL="2514600" indent="-228600" eaLnBrk="0" fontAlgn="base" hangingPunct="0">
-              <a:spcBef>
-                <a:spcPct val="0"/>
-              </a:spcBef>
-              <a:spcAft>
-                <a:spcPct val="0"/>
-              </a:spcAft>
-              <a:defRPr>
-                <a:solidFill>
-                  <a:schemeClr val="tx1"/>
-                </a:solidFill>
-                <a:latin typeface="Calibri" panose="020F0502020204030204" pitchFamily="34" charset="0"/>
-              </a:defRPr>
-            </a:lvl6pPr>
-            <a:lvl7pPr marL="2971800" indent="-228600" eaLnBrk="0" fontAlgn="base" hangingPunct="0">
-              <a:spcBef>
-                <a:spcPct val="0"/>
-              </a:spcBef>
-              <a:spcAft>
-                <a:spcPct val="0"/>
-              </a:spcAft>
-              <a:defRPr>
-                <a:solidFill>
-                  <a:schemeClr val="tx1"/>
-                </a:solidFill>
-                <a:latin typeface="Calibri" panose="020F0502020204030204" pitchFamily="34" charset="0"/>
-              </a:defRPr>
-            </a:lvl7pPr>
-            <a:lvl8pPr marL="3429000" indent="-228600" eaLnBrk="0" fontAlgn="base" hangingPunct="0">
-              <a:spcBef>
-                <a:spcPct val="0"/>
-              </a:spcBef>
-              <a:spcAft>
-                <a:spcPct val="0"/>
-              </a:spcAft>
-              <a:defRPr>
-                <a:solidFill>
-                  <a:schemeClr val="tx1"/>
-                </a:solidFill>
-                <a:latin typeface="Calibri" panose="020F0502020204030204" pitchFamily="34" charset="0"/>
-              </a:defRPr>
-            </a:lvl8pPr>
-            <a:lvl9pPr marL="3886200" indent="-228600" eaLnBrk="0" fontAlgn="base" hangingPunct="0">
-              <a:spcBef>
-                <a:spcPct val="0"/>
-              </a:spcBef>
-              <a:spcAft>
-                <a:spcPct val="0"/>
-              </a:spcAft>
-              <a:defRPr>
-                <a:solidFill>
-                  <a:schemeClr val="tx1"/>
-                </a:solidFill>
-                <a:latin typeface="Calibri" panose="020F0502020204030204" pitchFamily="34" charset="0"/>
-              </a:defRPr>
-            </a:lvl9pPr>
-          </a:lstStyle>
-          <a:p>
-            <a:pPr algn="ctr" eaLnBrk="1" hangingPunct="1"/>
-            <a:r>
-              <a:rPr lang="en-US" altLang="en-US" sz="1000" dirty="0">
-                <a:latin typeface="Arial" panose="020B0604020202020204" pitchFamily="34" charset="0"/>
-                <a:ea typeface="Amazon Ember" panose="020B0603020204020204" pitchFamily="34" charset="0"/>
-                <a:cs typeface="Arial" panose="020B0604020202020204" pitchFamily="34" charset="0"/>
-              </a:rPr>
-              <a:t>Elastic File System (EFS)</a:t>
-            </a:r>
-          </a:p>
-        </p:txBody>
-      </p:sp>
-      <p:pic>
-        <p:nvPicPr>
-          <p:cNvPr id="36" name="Graphic 6">
-            <a:extLst>
-              <a:ext uri="{FF2B5EF4-FFF2-40B4-BE49-F238E27FC236}">
-                <a16:creationId xmlns:a16="http://schemas.microsoft.com/office/drawing/2014/main" id="{70B757BC-BFC5-0243-916E-259D6C027588}"/>
-              </a:ext>
-            </a:extLst>
-          </p:cNvPr>
-          <p:cNvPicPr>
-            <a:picLocks noChangeAspect="1" noChangeArrowheads="1"/>
-          </p:cNvPicPr>
-          <p:nvPr/>
-        </p:nvPicPr>
-        <p:blipFill>
-          <a:blip r:embed="rId14">
-            <a:extLst>
-              <a:ext uri="{28A0092B-C50C-407E-A947-70E740481C1C}">
-                <a14:useLocalDpi xmlns:a14="http://schemas.microsoft.com/office/drawing/2010/main" val="0"/>
-              </a:ext>
-            </a:extLst>
-          </a:blip>
-          <a:srcRect/>
-          <a:stretch>
-            <a:fillRect/>
-          </a:stretch>
-        </p:blipFill>
-        <p:spPr bwMode="auto">
-          <a:xfrm>
-            <a:off x="6732378" y="4161271"/>
-            <a:ext cx="465197" cy="465197"/>
-          </a:xfrm>
-          <a:prstGeom prst="rect">
-            <a:avLst/>
-          </a:prstGeom>
-          <a:noFill/>
-          <a:ln>
-            <a:noFill/>
-          </a:ln>
-          <a:extLst>
-            <a:ext uri="{909E8E84-426E-40DD-AFC4-6F175D3DCCD1}">
-              <a14:hiddenFill xmlns:a14="http://schemas.microsoft.com/office/drawing/2010/main">
-                <a:solidFill>
-                  <a:srgbClr val="FFFFFF"/>
-                </a:solidFill>
-              </a14:hiddenFill>
-            </a:ext>
-            <a:ext uri="{91240B29-F687-4F45-9708-019B960494DF}">
-              <a14:hiddenLine xmlns:a14="http://schemas.microsoft.com/office/drawing/2010/main" w="9525">
-                <a:solidFill>
-                  <a:srgbClr val="000000"/>
-                </a:solidFill>
-                <a:miter lim="800000"/>
-                <a:headEnd/>
-                <a:tailEnd/>
-              </a14:hiddenLine>
-            </a:ext>
-          </a:extLst>
-        </p:spPr>
-      </p:pic>
-      <p:sp>
-        <p:nvSpPr>
-          <p:cNvPr id="37" name="TextBox 6">
-            <a:extLst>
-              <a:ext uri="{FF2B5EF4-FFF2-40B4-BE49-F238E27FC236}">
-                <a16:creationId xmlns:a16="http://schemas.microsoft.com/office/drawing/2014/main" id="{A762A341-4AA5-5643-98D5-335609F70CEE}"/>
-              </a:ext>
-            </a:extLst>
-          </p:cNvPr>
-          <p:cNvSpPr txBox="1">
-            <a:spLocks noChangeArrowheads="1"/>
-          </p:cNvSpPr>
-          <p:nvPr/>
-        </p:nvSpPr>
-        <p:spPr bwMode="auto">
-          <a:xfrm>
-            <a:off x="8030516" y="4643143"/>
-            <a:ext cx="930478" cy="253916"/>
-          </a:xfrm>
-          <a:prstGeom prst="rect">
-            <a:avLst/>
-          </a:prstGeom>
-          <a:noFill/>
-          <a:ln>
-            <a:noFill/>
-          </a:ln>
-          <a:extLst>
-            <a:ext uri="{909E8E84-426E-40DD-AFC4-6F175D3DCCD1}">
-              <a14:hiddenFill xmlns:a14="http://schemas.microsoft.com/office/drawing/2010/main">
-                <a:solidFill>
-                  <a:srgbClr val="FFFFFF"/>
-                </a:solidFill>
-              </a14:hiddenFill>
-            </a:ext>
-            <a:ext uri="{91240B29-F687-4F45-9708-019B960494DF}">
-              <a14:hiddenLine xmlns:a14="http://schemas.microsoft.com/office/drawing/2010/main" w="9525">
-                <a:solidFill>
-                  <a:srgbClr val="000000"/>
-                </a:solidFill>
-                <a:miter lim="800000"/>
-                <a:headEnd/>
-                <a:tailEnd/>
-              </a14:hiddenLine>
-            </a:ext>
-          </a:extLst>
-        </p:spPr>
-        <p:txBody>
-          <a:bodyPr wrap="square">
-            <a:spAutoFit/>
-          </a:bodyPr>
-          <a:lstStyle>
-            <a:lvl1pPr>
-              <a:defRPr>
-                <a:solidFill>
-                  <a:schemeClr val="tx1"/>
-                </a:solidFill>
-                <a:latin typeface="Calibri" panose="020F0502020204030204" pitchFamily="34" charset="0"/>
-              </a:defRPr>
-            </a:lvl1pPr>
-            <a:lvl2pPr marL="742950" indent="-285750">
-              <a:defRPr>
-                <a:solidFill>
-                  <a:schemeClr val="tx1"/>
-                </a:solidFill>
-                <a:latin typeface="Calibri" panose="020F0502020204030204" pitchFamily="34" charset="0"/>
-              </a:defRPr>
-            </a:lvl2pPr>
-            <a:lvl3pPr marL="1143000" indent="-228600">
-              <a:defRPr>
-                <a:solidFill>
-                  <a:schemeClr val="tx1"/>
-                </a:solidFill>
-                <a:latin typeface="Calibri" panose="020F0502020204030204" pitchFamily="34" charset="0"/>
-              </a:defRPr>
-            </a:lvl3pPr>
-            <a:lvl4pPr marL="1600200" indent="-228600">
-              <a:defRPr>
-                <a:solidFill>
-                  <a:schemeClr val="tx1"/>
-                </a:solidFill>
-                <a:latin typeface="Calibri" panose="020F0502020204030204" pitchFamily="34" charset="0"/>
-              </a:defRPr>
-            </a:lvl4pPr>
-            <a:lvl5pPr marL="2057400" indent="-228600">
-              <a:defRPr>
-                <a:solidFill>
-                  <a:schemeClr val="tx1"/>
-                </a:solidFill>
-                <a:latin typeface="Calibri" panose="020F0502020204030204" pitchFamily="34" charset="0"/>
-              </a:defRPr>
-            </a:lvl5pPr>
-            <a:lvl6pPr marL="2514600" indent="-228600" eaLnBrk="0" fontAlgn="base" hangingPunct="0">
-              <a:spcBef>
-                <a:spcPct val="0"/>
-              </a:spcBef>
-              <a:spcAft>
-                <a:spcPct val="0"/>
-              </a:spcAft>
-              <a:defRPr>
-                <a:solidFill>
-                  <a:schemeClr val="tx1"/>
-                </a:solidFill>
-                <a:latin typeface="Calibri" panose="020F0502020204030204" pitchFamily="34" charset="0"/>
-              </a:defRPr>
-            </a:lvl6pPr>
-            <a:lvl7pPr marL="2971800" indent="-228600" eaLnBrk="0" fontAlgn="base" hangingPunct="0">
-              <a:spcBef>
-                <a:spcPct val="0"/>
-              </a:spcBef>
-              <a:spcAft>
-                <a:spcPct val="0"/>
-              </a:spcAft>
-              <a:defRPr>
-                <a:solidFill>
-                  <a:schemeClr val="tx1"/>
-                </a:solidFill>
-                <a:latin typeface="Calibri" panose="020F0502020204030204" pitchFamily="34" charset="0"/>
-              </a:defRPr>
-            </a:lvl7pPr>
-            <a:lvl8pPr marL="3429000" indent="-228600" eaLnBrk="0" fontAlgn="base" hangingPunct="0">
-              <a:spcBef>
-                <a:spcPct val="0"/>
-              </a:spcBef>
-              <a:spcAft>
-                <a:spcPct val="0"/>
-              </a:spcAft>
-              <a:defRPr>
-                <a:solidFill>
-                  <a:schemeClr val="tx1"/>
-                </a:solidFill>
-                <a:latin typeface="Calibri" panose="020F0502020204030204" pitchFamily="34" charset="0"/>
-              </a:defRPr>
-            </a:lvl8pPr>
-            <a:lvl9pPr marL="3886200" indent="-228600" eaLnBrk="0" fontAlgn="base" hangingPunct="0">
-              <a:spcBef>
-                <a:spcPct val="0"/>
-              </a:spcBef>
-              <a:spcAft>
-                <a:spcPct val="0"/>
-              </a:spcAft>
-              <a:defRPr>
-                <a:solidFill>
-                  <a:schemeClr val="tx1"/>
-                </a:solidFill>
-                <a:latin typeface="Calibri" panose="020F0502020204030204" pitchFamily="34" charset="0"/>
-              </a:defRPr>
-            </a:lvl9pPr>
-          </a:lstStyle>
-          <a:p>
-            <a:pPr algn="ctr" eaLnBrk="1" hangingPunct="1"/>
-            <a:r>
-              <a:rPr lang="en-US" altLang="en-US" sz="1000" dirty="0">
-                <a:latin typeface="Arial" panose="020B0604020202020204" pitchFamily="34" charset="0"/>
-                <a:ea typeface="Amazon Ember" panose="020B0603020204020204" pitchFamily="34" charset="0"/>
-                <a:cs typeface="Arial" panose="020B0604020202020204" pitchFamily="34" charset="0"/>
-              </a:rPr>
-              <a:t>CloudFront</a:t>
-            </a:r>
-          </a:p>
-        </p:txBody>
-      </p:sp>
-      <p:sp>
-        <p:nvSpPr>
-          <p:cNvPr id="38" name="TextBox 6">
-            <a:extLst>
-              <a:ext uri="{FF2B5EF4-FFF2-40B4-BE49-F238E27FC236}">
-                <a16:creationId xmlns:a16="http://schemas.microsoft.com/office/drawing/2014/main" id="{68C23C77-9E59-DA4B-86C1-D80F5EC8F80C}"/>
-              </a:ext>
-            </a:extLst>
-          </p:cNvPr>
-          <p:cNvSpPr txBox="1">
-            <a:spLocks noChangeArrowheads="1"/>
-          </p:cNvSpPr>
-          <p:nvPr/>
-        </p:nvSpPr>
-        <p:spPr bwMode="auto">
-          <a:xfrm>
-            <a:off x="7208865" y="5600789"/>
-            <a:ext cx="930478" cy="246221"/>
-          </a:xfrm>
-          <a:prstGeom prst="rect">
-            <a:avLst/>
-          </a:prstGeom>
-          <a:noFill/>
-          <a:ln>
-            <a:noFill/>
-          </a:ln>
-          <a:extLst>
-            <a:ext uri="{909E8E84-426E-40DD-AFC4-6F175D3DCCD1}">
-              <a14:hiddenFill xmlns:a14="http://schemas.microsoft.com/office/drawing/2010/main">
-                <a:solidFill>
-                  <a:srgbClr val="FFFFFF"/>
-                </a:solidFill>
-              </a14:hiddenFill>
-            </a:ext>
-            <a:ext uri="{91240B29-F687-4F45-9708-019B960494DF}">
-              <a14:hiddenLine xmlns:a14="http://schemas.microsoft.com/office/drawing/2010/main" w="9525">
-                <a:solidFill>
-                  <a:srgbClr val="000000"/>
-                </a:solidFill>
-                <a:miter lim="800000"/>
-                <a:headEnd/>
-                <a:tailEnd/>
-              </a14:hiddenLine>
-            </a:ext>
-          </a:extLst>
-        </p:spPr>
-        <p:txBody>
-          <a:bodyPr wrap="square">
-            <a:spAutoFit/>
-          </a:bodyPr>
-          <a:lstStyle>
-            <a:lvl1pPr>
-              <a:defRPr>
-                <a:solidFill>
-                  <a:schemeClr val="tx1"/>
-                </a:solidFill>
-                <a:latin typeface="Calibri" panose="020F0502020204030204" pitchFamily="34" charset="0"/>
-              </a:defRPr>
-            </a:lvl1pPr>
-            <a:lvl2pPr marL="742950" indent="-285750">
-              <a:defRPr>
-                <a:solidFill>
-                  <a:schemeClr val="tx1"/>
-                </a:solidFill>
-                <a:latin typeface="Calibri" panose="020F0502020204030204" pitchFamily="34" charset="0"/>
-              </a:defRPr>
-            </a:lvl2pPr>
-            <a:lvl3pPr marL="1143000" indent="-228600">
-              <a:defRPr>
-                <a:solidFill>
-                  <a:schemeClr val="tx1"/>
-                </a:solidFill>
-                <a:latin typeface="Calibri" panose="020F0502020204030204" pitchFamily="34" charset="0"/>
-              </a:defRPr>
-            </a:lvl3pPr>
-            <a:lvl4pPr marL="1600200" indent="-228600">
-              <a:defRPr>
-                <a:solidFill>
-                  <a:schemeClr val="tx1"/>
-                </a:solidFill>
-                <a:latin typeface="Calibri" panose="020F0502020204030204" pitchFamily="34" charset="0"/>
-              </a:defRPr>
-            </a:lvl4pPr>
-            <a:lvl5pPr marL="2057400" indent="-228600">
-              <a:defRPr>
-                <a:solidFill>
-                  <a:schemeClr val="tx1"/>
-                </a:solidFill>
-                <a:latin typeface="Calibri" panose="020F0502020204030204" pitchFamily="34" charset="0"/>
-              </a:defRPr>
-            </a:lvl5pPr>
-            <a:lvl6pPr marL="2514600" indent="-228600" eaLnBrk="0" fontAlgn="base" hangingPunct="0">
-              <a:spcBef>
-                <a:spcPct val="0"/>
-              </a:spcBef>
-              <a:spcAft>
-                <a:spcPct val="0"/>
-              </a:spcAft>
-              <a:defRPr>
-                <a:solidFill>
-                  <a:schemeClr val="tx1"/>
-                </a:solidFill>
-                <a:latin typeface="Calibri" panose="020F0502020204030204" pitchFamily="34" charset="0"/>
-              </a:defRPr>
-            </a:lvl6pPr>
-            <a:lvl7pPr marL="2971800" indent="-228600" eaLnBrk="0" fontAlgn="base" hangingPunct="0">
-              <a:spcBef>
-                <a:spcPct val="0"/>
-              </a:spcBef>
-              <a:spcAft>
-                <a:spcPct val="0"/>
-              </a:spcAft>
-              <a:defRPr>
-                <a:solidFill>
-                  <a:schemeClr val="tx1"/>
-                </a:solidFill>
-                <a:latin typeface="Calibri" panose="020F0502020204030204" pitchFamily="34" charset="0"/>
-              </a:defRPr>
-            </a:lvl7pPr>
-            <a:lvl8pPr marL="3429000" indent="-228600" eaLnBrk="0" fontAlgn="base" hangingPunct="0">
-              <a:spcBef>
-                <a:spcPct val="0"/>
-              </a:spcBef>
-              <a:spcAft>
-                <a:spcPct val="0"/>
-              </a:spcAft>
-              <a:defRPr>
-                <a:solidFill>
-                  <a:schemeClr val="tx1"/>
-                </a:solidFill>
-                <a:latin typeface="Calibri" panose="020F0502020204030204" pitchFamily="34" charset="0"/>
-              </a:defRPr>
-            </a:lvl8pPr>
-            <a:lvl9pPr marL="3886200" indent="-228600" eaLnBrk="0" fontAlgn="base" hangingPunct="0">
-              <a:spcBef>
-                <a:spcPct val="0"/>
-              </a:spcBef>
-              <a:spcAft>
-                <a:spcPct val="0"/>
-              </a:spcAft>
-              <a:defRPr>
-                <a:solidFill>
-                  <a:schemeClr val="tx1"/>
-                </a:solidFill>
-                <a:latin typeface="Calibri" panose="020F0502020204030204" pitchFamily="34" charset="0"/>
-              </a:defRPr>
-            </a:lvl9pPr>
-          </a:lstStyle>
-          <a:p>
-            <a:pPr algn="ctr" eaLnBrk="1" hangingPunct="1"/>
-            <a:r>
-              <a:rPr lang="en-US" altLang="en-US" sz="1000" dirty="0">
-                <a:latin typeface="Arial" panose="020B0604020202020204" pitchFamily="34" charset="0"/>
-                <a:ea typeface="Amazon Ember" panose="020B0603020204020204" pitchFamily="34" charset="0"/>
-                <a:cs typeface="Arial" panose="020B0604020202020204" pitchFamily="34" charset="0"/>
-              </a:rPr>
-              <a:t>Route 53</a:t>
-            </a:r>
-          </a:p>
-        </p:txBody>
-      </p:sp>
-      <p:sp>
-        <p:nvSpPr>
-          <p:cNvPr id="39" name="TextBox 6">
-            <a:extLst>
-              <a:ext uri="{FF2B5EF4-FFF2-40B4-BE49-F238E27FC236}">
-                <a16:creationId xmlns:a16="http://schemas.microsoft.com/office/drawing/2014/main" id="{F5E85292-16BA-4E4B-B5D7-08793E718AB1}"/>
-              </a:ext>
-            </a:extLst>
-          </p:cNvPr>
-          <p:cNvSpPr txBox="1">
-            <a:spLocks noChangeArrowheads="1"/>
-          </p:cNvSpPr>
-          <p:nvPr/>
-        </p:nvSpPr>
-        <p:spPr bwMode="auto">
-          <a:xfrm>
-            <a:off x="6382716" y="4626468"/>
-            <a:ext cx="1164520" cy="400110"/>
-          </a:xfrm>
-          <a:prstGeom prst="rect">
-            <a:avLst/>
-          </a:prstGeom>
-          <a:noFill/>
-          <a:ln>
-            <a:noFill/>
-          </a:ln>
-          <a:extLst>
-            <a:ext uri="{909E8E84-426E-40DD-AFC4-6F175D3DCCD1}">
-              <a14:hiddenFill xmlns:a14="http://schemas.microsoft.com/office/drawing/2010/main">
-                <a:solidFill>
-                  <a:srgbClr val="FFFFFF"/>
-                </a:solidFill>
-              </a14:hiddenFill>
-            </a:ext>
-            <a:ext uri="{91240B29-F687-4F45-9708-019B960494DF}">
-              <a14:hiddenLine xmlns:a14="http://schemas.microsoft.com/office/drawing/2010/main" w="9525">
-                <a:solidFill>
-                  <a:srgbClr val="000000"/>
-                </a:solidFill>
-                <a:miter lim="800000"/>
-                <a:headEnd/>
-                <a:tailEnd/>
-              </a14:hiddenLine>
-            </a:ext>
-          </a:extLst>
-        </p:spPr>
-        <p:txBody>
-          <a:bodyPr wrap="square">
-            <a:spAutoFit/>
-          </a:bodyPr>
-          <a:lstStyle>
-            <a:lvl1pPr>
-              <a:defRPr>
-                <a:solidFill>
-                  <a:schemeClr val="tx1"/>
-                </a:solidFill>
-                <a:latin typeface="Calibri" panose="020F0502020204030204" pitchFamily="34" charset="0"/>
-              </a:defRPr>
-            </a:lvl1pPr>
-            <a:lvl2pPr marL="742950" indent="-285750">
-              <a:defRPr>
-                <a:solidFill>
-                  <a:schemeClr val="tx1"/>
-                </a:solidFill>
-                <a:latin typeface="Calibri" panose="020F0502020204030204" pitchFamily="34" charset="0"/>
-              </a:defRPr>
-            </a:lvl2pPr>
-            <a:lvl3pPr marL="1143000" indent="-228600">
-              <a:defRPr>
-                <a:solidFill>
-                  <a:schemeClr val="tx1"/>
-                </a:solidFill>
-                <a:latin typeface="Calibri" panose="020F0502020204030204" pitchFamily="34" charset="0"/>
-              </a:defRPr>
-            </a:lvl3pPr>
-            <a:lvl4pPr marL="1600200" indent="-228600">
-              <a:defRPr>
-                <a:solidFill>
-                  <a:schemeClr val="tx1"/>
-                </a:solidFill>
-                <a:latin typeface="Calibri" panose="020F0502020204030204" pitchFamily="34" charset="0"/>
-              </a:defRPr>
-            </a:lvl4pPr>
-            <a:lvl5pPr marL="2057400" indent="-228600">
-              <a:defRPr>
-                <a:solidFill>
-                  <a:schemeClr val="tx1"/>
-                </a:solidFill>
-                <a:latin typeface="Calibri" panose="020F0502020204030204" pitchFamily="34" charset="0"/>
-              </a:defRPr>
-            </a:lvl5pPr>
-            <a:lvl6pPr marL="2514600" indent="-228600" eaLnBrk="0" fontAlgn="base" hangingPunct="0">
-              <a:spcBef>
-                <a:spcPct val="0"/>
-              </a:spcBef>
-              <a:spcAft>
-                <a:spcPct val="0"/>
-              </a:spcAft>
-              <a:defRPr>
-                <a:solidFill>
-                  <a:schemeClr val="tx1"/>
-                </a:solidFill>
-                <a:latin typeface="Calibri" panose="020F0502020204030204" pitchFamily="34" charset="0"/>
-              </a:defRPr>
-            </a:lvl6pPr>
-            <a:lvl7pPr marL="2971800" indent="-228600" eaLnBrk="0" fontAlgn="base" hangingPunct="0">
-              <a:spcBef>
-                <a:spcPct val="0"/>
-              </a:spcBef>
-              <a:spcAft>
-                <a:spcPct val="0"/>
-              </a:spcAft>
-              <a:defRPr>
-                <a:solidFill>
-                  <a:schemeClr val="tx1"/>
-                </a:solidFill>
-                <a:latin typeface="Calibri" panose="020F0502020204030204" pitchFamily="34" charset="0"/>
-              </a:defRPr>
-            </a:lvl7pPr>
-            <a:lvl8pPr marL="3429000" indent="-228600" eaLnBrk="0" fontAlgn="base" hangingPunct="0">
-              <a:spcBef>
-                <a:spcPct val="0"/>
-              </a:spcBef>
-              <a:spcAft>
-                <a:spcPct val="0"/>
-              </a:spcAft>
-              <a:defRPr>
-                <a:solidFill>
-                  <a:schemeClr val="tx1"/>
-                </a:solidFill>
-                <a:latin typeface="Calibri" panose="020F0502020204030204" pitchFamily="34" charset="0"/>
-              </a:defRPr>
-            </a:lvl8pPr>
-            <a:lvl9pPr marL="3886200" indent="-228600" eaLnBrk="0" fontAlgn="base" hangingPunct="0">
-              <a:spcBef>
-                <a:spcPct val="0"/>
-              </a:spcBef>
-              <a:spcAft>
-                <a:spcPct val="0"/>
-              </a:spcAft>
-              <a:defRPr>
-                <a:solidFill>
-                  <a:schemeClr val="tx1"/>
-                </a:solidFill>
-                <a:latin typeface="Calibri" panose="020F0502020204030204" pitchFamily="34" charset="0"/>
-              </a:defRPr>
-            </a:lvl9pPr>
-          </a:lstStyle>
-          <a:p>
-            <a:pPr algn="ctr" eaLnBrk="1" hangingPunct="1"/>
-            <a:r>
-              <a:rPr lang="en-US" altLang="en-US" sz="1000" dirty="0">
-                <a:latin typeface="Arial" panose="020B0604020202020204" pitchFamily="34" charset="0"/>
-                <a:ea typeface="Amazon Ember" panose="020B0603020204020204" pitchFamily="34" charset="0"/>
-                <a:cs typeface="Arial" panose="020B0604020202020204" pitchFamily="34" charset="0"/>
-              </a:rPr>
-              <a:t>Virtual Private Cloud (VPC)</a:t>
-            </a:r>
-          </a:p>
-        </p:txBody>
-      </p:sp>
-      <p:pic>
-        <p:nvPicPr>
-          <p:cNvPr id="40" name="Graphic 21">
-            <a:extLst>
-              <a:ext uri="{FF2B5EF4-FFF2-40B4-BE49-F238E27FC236}">
-                <a16:creationId xmlns:a16="http://schemas.microsoft.com/office/drawing/2014/main" id="{DF03E66A-09E5-D446-92FC-74CE3912FAF3}"/>
-              </a:ext>
-            </a:extLst>
-          </p:cNvPr>
-          <p:cNvPicPr>
-            <a:picLocks noChangeAspect="1" noChangeArrowheads="1"/>
-          </p:cNvPicPr>
-          <p:nvPr/>
-        </p:nvPicPr>
-        <p:blipFill>
-          <a:blip r:embed="rId15">
-            <a:extLst>
-              <a:ext uri="{28A0092B-C50C-407E-A947-70E740481C1C}">
-                <a14:useLocalDpi xmlns:a14="http://schemas.microsoft.com/office/drawing/2010/main" val="0"/>
-              </a:ext>
-            </a:extLst>
-          </a:blip>
-          <a:srcRect/>
-          <a:stretch>
-            <a:fillRect/>
-          </a:stretch>
-        </p:blipFill>
-        <p:spPr bwMode="auto">
-          <a:xfrm>
-            <a:off x="7441506" y="5110137"/>
-            <a:ext cx="465197" cy="465197"/>
-          </a:xfrm>
-          <a:prstGeom prst="rect">
-            <a:avLst/>
-          </a:prstGeom>
-          <a:noFill/>
-          <a:ln>
-            <a:noFill/>
-          </a:ln>
-          <a:extLst>
-            <a:ext uri="{909E8E84-426E-40DD-AFC4-6F175D3DCCD1}">
-              <a14:hiddenFill xmlns:a14="http://schemas.microsoft.com/office/drawing/2010/main">
-                <a:solidFill>
-                  <a:srgbClr val="FFFFFF"/>
-                </a:solidFill>
-              </a14:hiddenFill>
-            </a:ext>
-            <a:ext uri="{91240B29-F687-4F45-9708-019B960494DF}">
-              <a14:hiddenLine xmlns:a14="http://schemas.microsoft.com/office/drawing/2010/main" w="9525">
-                <a:solidFill>
-                  <a:srgbClr val="000000"/>
-                </a:solidFill>
-                <a:miter lim="800000"/>
-                <a:headEnd/>
-                <a:tailEnd/>
-              </a14:hiddenLine>
-            </a:ext>
-          </a:extLst>
-        </p:spPr>
-      </p:pic>
-      <p:pic>
-        <p:nvPicPr>
-          <p:cNvPr id="41" name="Graphic 19">
-            <a:extLst>
-              <a:ext uri="{FF2B5EF4-FFF2-40B4-BE49-F238E27FC236}">
-                <a16:creationId xmlns:a16="http://schemas.microsoft.com/office/drawing/2014/main" id="{9CC114F7-4B50-E747-BDC8-441615CF177A}"/>
-              </a:ext>
-            </a:extLst>
-          </p:cNvPr>
-          <p:cNvPicPr>
-            <a:picLocks noChangeAspect="1" noChangeArrowheads="1"/>
-          </p:cNvPicPr>
-          <p:nvPr/>
-        </p:nvPicPr>
-        <p:blipFill>
-          <a:blip r:embed="rId16">
-            <a:extLst>
-              <a:ext uri="{28A0092B-C50C-407E-A947-70E740481C1C}">
-                <a14:useLocalDpi xmlns:a14="http://schemas.microsoft.com/office/drawing/2010/main" val="0"/>
-              </a:ext>
-            </a:extLst>
-          </a:blip>
-          <a:srcRect/>
-          <a:stretch>
-            <a:fillRect/>
-          </a:stretch>
-        </p:blipFill>
-        <p:spPr bwMode="auto">
-          <a:xfrm>
-            <a:off x="8278887" y="4153297"/>
-            <a:ext cx="465197" cy="465197"/>
-          </a:xfrm>
-          <a:prstGeom prst="rect">
-            <a:avLst/>
-          </a:prstGeom>
-          <a:noFill/>
-          <a:ln>
-            <a:noFill/>
-          </a:ln>
-          <a:extLst>
-            <a:ext uri="{909E8E84-426E-40DD-AFC4-6F175D3DCCD1}">
-              <a14:hiddenFill xmlns:a14="http://schemas.microsoft.com/office/drawing/2010/main">
-                <a:solidFill>
-                  <a:srgbClr val="FFFFFF"/>
-                </a:solidFill>
-              </a14:hiddenFill>
-            </a:ext>
-            <a:ext uri="{91240B29-F687-4F45-9708-019B960494DF}">
-              <a14:hiddenLine xmlns:a14="http://schemas.microsoft.com/office/drawing/2010/main" w="9525">
-                <a:solidFill>
-                  <a:srgbClr val="000000"/>
-                </a:solidFill>
-                <a:miter lim="800000"/>
-                <a:headEnd/>
-                <a:tailEnd/>
-              </a14:hiddenLine>
-            </a:ext>
-          </a:extLst>
-        </p:spPr>
-      </p:pic>
-      <p:pic>
-        <p:nvPicPr>
-          <p:cNvPr id="42" name="Graphic 6">
-            <a:extLst>
-              <a:ext uri="{FF2B5EF4-FFF2-40B4-BE49-F238E27FC236}">
-                <a16:creationId xmlns:a16="http://schemas.microsoft.com/office/drawing/2014/main" id="{B5529E32-8F59-8F45-915D-8FF118F246FF}"/>
-              </a:ext>
-            </a:extLst>
-          </p:cNvPr>
-          <p:cNvPicPr>
-            <a:picLocks noChangeAspect="1" noChangeArrowheads="1"/>
-          </p:cNvPicPr>
-          <p:nvPr/>
-        </p:nvPicPr>
-        <p:blipFill>
-          <a:blip r:embed="rId17">
-            <a:extLst>
-              <a:ext uri="{28A0092B-C50C-407E-A947-70E740481C1C}">
-                <a14:useLocalDpi xmlns:a14="http://schemas.microsoft.com/office/drawing/2010/main" val="0"/>
-              </a:ext>
-            </a:extLst>
-          </a:blip>
-          <a:srcRect/>
-          <a:stretch>
-            <a:fillRect/>
-          </a:stretch>
-        </p:blipFill>
-        <p:spPr bwMode="auto">
-          <a:xfrm>
-            <a:off x="9735116" y="4154286"/>
-            <a:ext cx="463217" cy="463217"/>
-          </a:xfrm>
-          <a:prstGeom prst="rect">
-            <a:avLst/>
-          </a:prstGeom>
-          <a:noFill/>
-          <a:ln>
-            <a:noFill/>
-          </a:ln>
-          <a:extLst>
-            <a:ext uri="{909E8E84-426E-40DD-AFC4-6F175D3DCCD1}">
-              <a14:hiddenFill xmlns:a14="http://schemas.microsoft.com/office/drawing/2010/main">
-                <a:solidFill>
-                  <a:srgbClr val="FFFFFF"/>
-                </a:solidFill>
-              </a14:hiddenFill>
-            </a:ext>
-            <a:ext uri="{91240B29-F687-4F45-9708-019B960494DF}">
-              <a14:hiddenLine xmlns:a14="http://schemas.microsoft.com/office/drawing/2010/main" w="9525">
-                <a:solidFill>
-                  <a:srgbClr val="000000"/>
-                </a:solidFill>
-                <a:miter lim="800000"/>
-                <a:headEnd/>
-                <a:tailEnd/>
-              </a14:hiddenLine>
-            </a:ext>
-          </a:extLst>
-        </p:spPr>
-      </p:pic>
-      <p:pic>
-        <p:nvPicPr>
-          <p:cNvPr id="43" name="Graphic 23">
-            <a:extLst>
-              <a:ext uri="{FF2B5EF4-FFF2-40B4-BE49-F238E27FC236}">
-                <a16:creationId xmlns:a16="http://schemas.microsoft.com/office/drawing/2014/main" id="{B559E98D-5A70-484F-867C-4D59BE785E20}"/>
-              </a:ext>
-            </a:extLst>
-          </p:cNvPr>
-          <p:cNvPicPr>
-            <a:picLocks noChangeAspect="1" noChangeArrowheads="1"/>
-          </p:cNvPicPr>
-          <p:nvPr/>
-        </p:nvPicPr>
-        <p:blipFill>
-          <a:blip r:embed="rId18">
-            <a:extLst>
-              <a:ext uri="{28A0092B-C50C-407E-A947-70E740481C1C}">
-                <a14:useLocalDpi xmlns:a14="http://schemas.microsoft.com/office/drawing/2010/main" val="0"/>
-              </a:ext>
-            </a:extLst>
-          </a:blip>
-          <a:srcRect/>
-          <a:stretch>
-            <a:fillRect/>
-          </a:stretch>
-        </p:blipFill>
-        <p:spPr bwMode="auto">
-          <a:xfrm>
-            <a:off x="10438147" y="5112117"/>
-            <a:ext cx="463217" cy="463217"/>
-          </a:xfrm>
-          <a:prstGeom prst="rect">
-            <a:avLst/>
-          </a:prstGeom>
-          <a:noFill/>
-          <a:ln>
-            <a:noFill/>
-          </a:ln>
-          <a:extLst>
-            <a:ext uri="{909E8E84-426E-40DD-AFC4-6F175D3DCCD1}">
-              <a14:hiddenFill xmlns:a14="http://schemas.microsoft.com/office/drawing/2010/main">
-                <a:solidFill>
-                  <a:srgbClr val="FFFFFF"/>
-                </a:solidFill>
-              </a14:hiddenFill>
-            </a:ext>
-            <a:ext uri="{91240B29-F687-4F45-9708-019B960494DF}">
-              <a14:hiddenLine xmlns:a14="http://schemas.microsoft.com/office/drawing/2010/main" w="9525">
-                <a:solidFill>
-                  <a:srgbClr val="000000"/>
-                </a:solidFill>
-                <a:miter lim="800000"/>
-                <a:headEnd/>
-                <a:tailEnd/>
-              </a14:hiddenLine>
-            </a:ext>
-          </a:extLst>
-        </p:spPr>
-      </p:pic>
-      <p:sp>
-        <p:nvSpPr>
-          <p:cNvPr id="44" name="TextBox 6">
-            <a:extLst>
-              <a:ext uri="{FF2B5EF4-FFF2-40B4-BE49-F238E27FC236}">
-                <a16:creationId xmlns:a16="http://schemas.microsoft.com/office/drawing/2014/main" id="{F0E24E1A-443B-B746-9469-80E8CCFD6C13}"/>
-              </a:ext>
-            </a:extLst>
-          </p:cNvPr>
-          <p:cNvSpPr txBox="1">
-            <a:spLocks noChangeArrowheads="1"/>
-          </p:cNvSpPr>
-          <p:nvPr/>
-        </p:nvSpPr>
-        <p:spPr bwMode="auto">
-          <a:xfrm>
-            <a:off x="10226183" y="5600789"/>
-            <a:ext cx="930478" cy="246221"/>
-          </a:xfrm>
-          <a:prstGeom prst="rect">
-            <a:avLst/>
-          </a:prstGeom>
-          <a:noFill/>
-          <a:ln>
-            <a:noFill/>
-          </a:ln>
-          <a:extLst>
-            <a:ext uri="{909E8E84-426E-40DD-AFC4-6F175D3DCCD1}">
-              <a14:hiddenFill xmlns:a14="http://schemas.microsoft.com/office/drawing/2010/main">
-                <a:solidFill>
-                  <a:srgbClr val="FFFFFF"/>
-                </a:solidFill>
-              </a14:hiddenFill>
-            </a:ext>
-            <a:ext uri="{91240B29-F687-4F45-9708-019B960494DF}">
-              <a14:hiddenLine xmlns:a14="http://schemas.microsoft.com/office/drawing/2010/main" w="9525">
-                <a:solidFill>
-                  <a:srgbClr val="000000"/>
-                </a:solidFill>
-                <a:miter lim="800000"/>
-                <a:headEnd/>
-                <a:tailEnd/>
-              </a14:hiddenLine>
-            </a:ext>
-          </a:extLst>
-        </p:spPr>
-        <p:txBody>
-          <a:bodyPr wrap="square">
-            <a:spAutoFit/>
-          </a:bodyPr>
-          <a:lstStyle>
-            <a:lvl1pPr>
-              <a:defRPr>
-                <a:solidFill>
-                  <a:schemeClr val="tx1"/>
-                </a:solidFill>
-                <a:latin typeface="Calibri" panose="020F0502020204030204" pitchFamily="34" charset="0"/>
-              </a:defRPr>
-            </a:lvl1pPr>
-            <a:lvl2pPr marL="742950" indent="-285750">
-              <a:defRPr>
-                <a:solidFill>
-                  <a:schemeClr val="tx1"/>
-                </a:solidFill>
-                <a:latin typeface="Calibri" panose="020F0502020204030204" pitchFamily="34" charset="0"/>
-              </a:defRPr>
-            </a:lvl2pPr>
-            <a:lvl3pPr marL="1143000" indent="-228600">
-              <a:defRPr>
-                <a:solidFill>
-                  <a:schemeClr val="tx1"/>
-                </a:solidFill>
-                <a:latin typeface="Calibri" panose="020F0502020204030204" pitchFamily="34" charset="0"/>
-              </a:defRPr>
-            </a:lvl3pPr>
-            <a:lvl4pPr marL="1600200" indent="-228600">
-              <a:defRPr>
-                <a:solidFill>
-                  <a:schemeClr val="tx1"/>
-                </a:solidFill>
-                <a:latin typeface="Calibri" panose="020F0502020204030204" pitchFamily="34" charset="0"/>
-              </a:defRPr>
-            </a:lvl4pPr>
-            <a:lvl5pPr marL="2057400" indent="-228600">
-              <a:defRPr>
-                <a:solidFill>
-                  <a:schemeClr val="tx1"/>
-                </a:solidFill>
-                <a:latin typeface="Calibri" panose="020F0502020204030204" pitchFamily="34" charset="0"/>
-              </a:defRPr>
-            </a:lvl5pPr>
-            <a:lvl6pPr marL="2514600" indent="-228600" eaLnBrk="0" fontAlgn="base" hangingPunct="0">
-              <a:spcBef>
-                <a:spcPct val="0"/>
-              </a:spcBef>
-              <a:spcAft>
-                <a:spcPct val="0"/>
-              </a:spcAft>
-              <a:defRPr>
-                <a:solidFill>
-                  <a:schemeClr val="tx1"/>
-                </a:solidFill>
-                <a:latin typeface="Calibri" panose="020F0502020204030204" pitchFamily="34" charset="0"/>
-              </a:defRPr>
-            </a:lvl6pPr>
-            <a:lvl7pPr marL="2971800" indent="-228600" eaLnBrk="0" fontAlgn="base" hangingPunct="0">
-              <a:spcBef>
-                <a:spcPct val="0"/>
-              </a:spcBef>
-              <a:spcAft>
-                <a:spcPct val="0"/>
-              </a:spcAft>
-              <a:defRPr>
-                <a:solidFill>
-                  <a:schemeClr val="tx1"/>
-                </a:solidFill>
-                <a:latin typeface="Calibri" panose="020F0502020204030204" pitchFamily="34" charset="0"/>
-              </a:defRPr>
-            </a:lvl7pPr>
-            <a:lvl8pPr marL="3429000" indent="-228600" eaLnBrk="0" fontAlgn="base" hangingPunct="0">
-              <a:spcBef>
-                <a:spcPct val="0"/>
-              </a:spcBef>
-              <a:spcAft>
-                <a:spcPct val="0"/>
-              </a:spcAft>
-              <a:defRPr>
-                <a:solidFill>
-                  <a:schemeClr val="tx1"/>
-                </a:solidFill>
-                <a:latin typeface="Calibri" panose="020F0502020204030204" pitchFamily="34" charset="0"/>
-              </a:defRPr>
-            </a:lvl8pPr>
-            <a:lvl9pPr marL="3886200" indent="-228600" eaLnBrk="0" fontAlgn="base" hangingPunct="0">
-              <a:spcBef>
-                <a:spcPct val="0"/>
-              </a:spcBef>
-              <a:spcAft>
-                <a:spcPct val="0"/>
-              </a:spcAft>
-              <a:defRPr>
-                <a:solidFill>
-                  <a:schemeClr val="tx1"/>
-                </a:solidFill>
-                <a:latin typeface="Calibri" panose="020F0502020204030204" pitchFamily="34" charset="0"/>
-              </a:defRPr>
-            </a:lvl9pPr>
-          </a:lstStyle>
-          <a:p>
-            <a:pPr algn="ctr" eaLnBrk="1" hangingPunct="1"/>
-            <a:r>
-              <a:rPr lang="en-US" altLang="en-US" sz="1000" dirty="0">
-                <a:latin typeface="Arial" panose="020B0604020202020204" pitchFamily="34" charset="0"/>
-                <a:ea typeface="Amazon Ember" panose="020B0603020204020204" pitchFamily="34" charset="0"/>
-                <a:cs typeface="Arial" panose="020B0604020202020204" pitchFamily="34" charset="0"/>
-              </a:rPr>
-              <a:t>DynamoDB</a:t>
-            </a:r>
-          </a:p>
-        </p:txBody>
-      </p:sp>
-      <p:sp>
-        <p:nvSpPr>
-          <p:cNvPr id="45" name="TextBox 6">
-            <a:extLst>
-              <a:ext uri="{FF2B5EF4-FFF2-40B4-BE49-F238E27FC236}">
-                <a16:creationId xmlns:a16="http://schemas.microsoft.com/office/drawing/2014/main" id="{25CA14AA-8C66-A840-AA8A-4EF6D9787B2B}"/>
-              </a:ext>
-            </a:extLst>
-          </p:cNvPr>
-          <p:cNvSpPr txBox="1">
-            <a:spLocks noChangeArrowheads="1"/>
-          </p:cNvSpPr>
-          <p:nvPr/>
-        </p:nvSpPr>
-        <p:spPr bwMode="auto">
-          <a:xfrm>
-            <a:off x="9318142" y="4617503"/>
-            <a:ext cx="1351614" cy="400110"/>
-          </a:xfrm>
-          <a:prstGeom prst="rect">
-            <a:avLst/>
-          </a:prstGeom>
-          <a:noFill/>
-          <a:ln>
-            <a:noFill/>
-          </a:ln>
-          <a:extLst>
-            <a:ext uri="{909E8E84-426E-40DD-AFC4-6F175D3DCCD1}">
-              <a14:hiddenFill xmlns:a14="http://schemas.microsoft.com/office/drawing/2010/main">
-                <a:solidFill>
-                  <a:srgbClr val="FFFFFF"/>
-                </a:solidFill>
-              </a14:hiddenFill>
-            </a:ext>
-            <a:ext uri="{91240B29-F687-4F45-9708-019B960494DF}">
-              <a14:hiddenLine xmlns:a14="http://schemas.microsoft.com/office/drawing/2010/main" w="9525">
-                <a:solidFill>
-                  <a:srgbClr val="000000"/>
-                </a:solidFill>
-                <a:miter lim="800000"/>
-                <a:headEnd/>
-                <a:tailEnd/>
-              </a14:hiddenLine>
-            </a:ext>
-          </a:extLst>
-        </p:spPr>
-        <p:txBody>
-          <a:bodyPr wrap="square">
-            <a:spAutoFit/>
-          </a:bodyPr>
-          <a:lstStyle>
-            <a:lvl1pPr>
-              <a:defRPr>
-                <a:solidFill>
-                  <a:schemeClr val="tx1"/>
-                </a:solidFill>
-                <a:latin typeface="Calibri" panose="020F0502020204030204" pitchFamily="34" charset="0"/>
-              </a:defRPr>
-            </a:lvl1pPr>
-            <a:lvl2pPr marL="742950" indent="-285750">
-              <a:defRPr>
-                <a:solidFill>
-                  <a:schemeClr val="tx1"/>
-                </a:solidFill>
-                <a:latin typeface="Calibri" panose="020F0502020204030204" pitchFamily="34" charset="0"/>
-              </a:defRPr>
-            </a:lvl2pPr>
-            <a:lvl3pPr marL="1143000" indent="-228600">
-              <a:defRPr>
-                <a:solidFill>
-                  <a:schemeClr val="tx1"/>
-                </a:solidFill>
-                <a:latin typeface="Calibri" panose="020F0502020204030204" pitchFamily="34" charset="0"/>
-              </a:defRPr>
-            </a:lvl3pPr>
-            <a:lvl4pPr marL="1600200" indent="-228600">
-              <a:defRPr>
-                <a:solidFill>
-                  <a:schemeClr val="tx1"/>
-                </a:solidFill>
-                <a:latin typeface="Calibri" panose="020F0502020204030204" pitchFamily="34" charset="0"/>
-              </a:defRPr>
-            </a:lvl4pPr>
-            <a:lvl5pPr marL="2057400" indent="-228600">
-              <a:defRPr>
-                <a:solidFill>
-                  <a:schemeClr val="tx1"/>
-                </a:solidFill>
-                <a:latin typeface="Calibri" panose="020F0502020204030204" pitchFamily="34" charset="0"/>
-              </a:defRPr>
-            </a:lvl5pPr>
-            <a:lvl6pPr marL="2514600" indent="-228600" eaLnBrk="0" fontAlgn="base" hangingPunct="0">
-              <a:spcBef>
-                <a:spcPct val="0"/>
-              </a:spcBef>
-              <a:spcAft>
-                <a:spcPct val="0"/>
-              </a:spcAft>
-              <a:defRPr>
-                <a:solidFill>
-                  <a:schemeClr val="tx1"/>
-                </a:solidFill>
-                <a:latin typeface="Calibri" panose="020F0502020204030204" pitchFamily="34" charset="0"/>
-              </a:defRPr>
-            </a:lvl6pPr>
-            <a:lvl7pPr marL="2971800" indent="-228600" eaLnBrk="0" fontAlgn="base" hangingPunct="0">
-              <a:spcBef>
-                <a:spcPct val="0"/>
-              </a:spcBef>
-              <a:spcAft>
-                <a:spcPct val="0"/>
-              </a:spcAft>
-              <a:defRPr>
-                <a:solidFill>
-                  <a:schemeClr val="tx1"/>
-                </a:solidFill>
-                <a:latin typeface="Calibri" panose="020F0502020204030204" pitchFamily="34" charset="0"/>
-              </a:defRPr>
-            </a:lvl7pPr>
-            <a:lvl8pPr marL="3429000" indent="-228600" eaLnBrk="0" fontAlgn="base" hangingPunct="0">
-              <a:spcBef>
-                <a:spcPct val="0"/>
-              </a:spcBef>
-              <a:spcAft>
-                <a:spcPct val="0"/>
-              </a:spcAft>
-              <a:defRPr>
-                <a:solidFill>
-                  <a:schemeClr val="tx1"/>
-                </a:solidFill>
-                <a:latin typeface="Calibri" panose="020F0502020204030204" pitchFamily="34" charset="0"/>
-              </a:defRPr>
-            </a:lvl8pPr>
-            <a:lvl9pPr marL="3886200" indent="-228600" eaLnBrk="0" fontAlgn="base" hangingPunct="0">
-              <a:spcBef>
-                <a:spcPct val="0"/>
-              </a:spcBef>
-              <a:spcAft>
-                <a:spcPct val="0"/>
-              </a:spcAft>
-              <a:defRPr>
-                <a:solidFill>
-                  <a:schemeClr val="tx1"/>
-                </a:solidFill>
-                <a:latin typeface="Calibri" panose="020F0502020204030204" pitchFamily="34" charset="0"/>
-              </a:defRPr>
-            </a:lvl9pPr>
-          </a:lstStyle>
-          <a:p>
-            <a:pPr algn="ctr" eaLnBrk="1" hangingPunct="1"/>
-            <a:r>
-              <a:rPr lang="en-US" altLang="en-US" sz="1000" dirty="0">
-                <a:latin typeface="Arial" panose="020B0604020202020204" pitchFamily="34" charset="0"/>
-                <a:ea typeface="Amazon Ember" panose="020B0603020204020204" pitchFamily="34" charset="0"/>
-                <a:cs typeface="Arial" panose="020B0604020202020204" pitchFamily="34" charset="0"/>
-              </a:rPr>
-              <a:t>Relational Database Service (RDS)</a:t>
-            </a:r>
-          </a:p>
-        </p:txBody>
-      </p:sp>
-      <p:pic>
-        <p:nvPicPr>
-          <p:cNvPr id="46" name="Graphic 23">
-            <a:extLst>
-              <a:ext uri="{FF2B5EF4-FFF2-40B4-BE49-F238E27FC236}">
-                <a16:creationId xmlns:a16="http://schemas.microsoft.com/office/drawing/2014/main" id="{5600DD27-AB54-2940-AB0D-26B4FFD80F82}"/>
-              </a:ext>
-            </a:extLst>
-          </p:cNvPr>
-          <p:cNvPicPr>
-            <a:picLocks noChangeAspect="1" noChangeArrowheads="1"/>
-          </p:cNvPicPr>
-          <p:nvPr/>
-        </p:nvPicPr>
-        <p:blipFill>
-          <a:blip r:embed="rId19">
-            <a:extLst>
-              <a:ext uri="{28A0092B-C50C-407E-A947-70E740481C1C}">
-                <a14:useLocalDpi xmlns:a14="http://schemas.microsoft.com/office/drawing/2010/main" val="0"/>
-              </a:ext>
-            </a:extLst>
-          </a:blip>
-          <a:srcRect/>
-          <a:stretch>
-            <a:fillRect/>
-          </a:stretch>
-        </p:blipFill>
-        <p:spPr bwMode="auto">
-          <a:xfrm>
-            <a:off x="11185519" y="4153297"/>
-            <a:ext cx="478162" cy="478162"/>
-          </a:xfrm>
-          <a:prstGeom prst="rect">
-            <a:avLst/>
-          </a:prstGeom>
-          <a:noFill/>
-          <a:ln>
-            <a:noFill/>
-          </a:ln>
-          <a:extLst>
-            <a:ext uri="{909E8E84-426E-40DD-AFC4-6F175D3DCCD1}">
-              <a14:hiddenFill xmlns:a14="http://schemas.microsoft.com/office/drawing/2010/main">
-                <a:solidFill>
-                  <a:srgbClr val="FFFFFF"/>
-                </a:solidFill>
-              </a14:hiddenFill>
-            </a:ext>
-            <a:ext uri="{91240B29-F687-4F45-9708-019B960494DF}">
-              <a14:hiddenLine xmlns:a14="http://schemas.microsoft.com/office/drawing/2010/main" w="9525">
-                <a:solidFill>
-                  <a:srgbClr val="000000"/>
-                </a:solidFill>
-                <a:miter lim="800000"/>
-                <a:headEnd/>
-                <a:tailEnd/>
-              </a14:hiddenLine>
-            </a:ext>
-          </a:extLst>
-        </p:spPr>
-      </p:pic>
-      <p:sp>
-        <p:nvSpPr>
-          <p:cNvPr id="47" name="TextBox 6">
-            <a:extLst>
-              <a:ext uri="{FF2B5EF4-FFF2-40B4-BE49-F238E27FC236}">
-                <a16:creationId xmlns:a16="http://schemas.microsoft.com/office/drawing/2014/main" id="{8D6F929C-E614-F649-B1C0-5EC401C4B272}"/>
-              </a:ext>
-            </a:extLst>
-          </p:cNvPr>
-          <p:cNvSpPr txBox="1">
-            <a:spLocks noChangeArrowheads="1"/>
-          </p:cNvSpPr>
-          <p:nvPr/>
-        </p:nvSpPr>
-        <p:spPr bwMode="auto">
-          <a:xfrm>
-            <a:off x="10959361" y="4656805"/>
-            <a:ext cx="930478" cy="246221"/>
-          </a:xfrm>
-          <a:prstGeom prst="rect">
-            <a:avLst/>
-          </a:prstGeom>
-          <a:noFill/>
-          <a:ln>
-            <a:noFill/>
-          </a:ln>
-          <a:extLst>
-            <a:ext uri="{909E8E84-426E-40DD-AFC4-6F175D3DCCD1}">
-              <a14:hiddenFill xmlns:a14="http://schemas.microsoft.com/office/drawing/2010/main">
-                <a:solidFill>
-                  <a:srgbClr val="FFFFFF"/>
-                </a:solidFill>
-              </a14:hiddenFill>
-            </a:ext>
-            <a:ext uri="{91240B29-F687-4F45-9708-019B960494DF}">
-              <a14:hiddenLine xmlns:a14="http://schemas.microsoft.com/office/drawing/2010/main" w="9525">
-                <a:solidFill>
-                  <a:srgbClr val="000000"/>
-                </a:solidFill>
-                <a:miter lim="800000"/>
-                <a:headEnd/>
-                <a:tailEnd/>
-              </a14:hiddenLine>
-            </a:ext>
-          </a:extLst>
-        </p:spPr>
-        <p:txBody>
-          <a:bodyPr wrap="square">
-            <a:spAutoFit/>
-          </a:bodyPr>
-          <a:lstStyle>
-            <a:lvl1pPr>
-              <a:defRPr>
-                <a:solidFill>
-                  <a:schemeClr val="tx1"/>
-                </a:solidFill>
-                <a:latin typeface="Calibri" panose="020F0502020204030204" pitchFamily="34" charset="0"/>
-              </a:defRPr>
-            </a:lvl1pPr>
-            <a:lvl2pPr marL="742950" indent="-285750">
-              <a:defRPr>
-                <a:solidFill>
-                  <a:schemeClr val="tx1"/>
-                </a:solidFill>
-                <a:latin typeface="Calibri" panose="020F0502020204030204" pitchFamily="34" charset="0"/>
-              </a:defRPr>
-            </a:lvl2pPr>
-            <a:lvl3pPr marL="1143000" indent="-228600">
-              <a:defRPr>
-                <a:solidFill>
-                  <a:schemeClr val="tx1"/>
-                </a:solidFill>
-                <a:latin typeface="Calibri" panose="020F0502020204030204" pitchFamily="34" charset="0"/>
-              </a:defRPr>
-            </a:lvl3pPr>
-            <a:lvl4pPr marL="1600200" indent="-228600">
-              <a:defRPr>
-                <a:solidFill>
-                  <a:schemeClr val="tx1"/>
-                </a:solidFill>
-                <a:latin typeface="Calibri" panose="020F0502020204030204" pitchFamily="34" charset="0"/>
-              </a:defRPr>
-            </a:lvl4pPr>
-            <a:lvl5pPr marL="2057400" indent="-228600">
-              <a:defRPr>
-                <a:solidFill>
-                  <a:schemeClr val="tx1"/>
-                </a:solidFill>
-                <a:latin typeface="Calibri" panose="020F0502020204030204" pitchFamily="34" charset="0"/>
-              </a:defRPr>
-            </a:lvl5pPr>
-            <a:lvl6pPr marL="2514600" indent="-228600" eaLnBrk="0" fontAlgn="base" hangingPunct="0">
-              <a:spcBef>
-                <a:spcPct val="0"/>
-              </a:spcBef>
-              <a:spcAft>
-                <a:spcPct val="0"/>
-              </a:spcAft>
-              <a:defRPr>
-                <a:solidFill>
-                  <a:schemeClr val="tx1"/>
-                </a:solidFill>
-                <a:latin typeface="Calibri" panose="020F0502020204030204" pitchFamily="34" charset="0"/>
-              </a:defRPr>
-            </a:lvl6pPr>
-            <a:lvl7pPr marL="2971800" indent="-228600" eaLnBrk="0" fontAlgn="base" hangingPunct="0">
-              <a:spcBef>
-                <a:spcPct val="0"/>
-              </a:spcBef>
-              <a:spcAft>
-                <a:spcPct val="0"/>
-              </a:spcAft>
-              <a:defRPr>
-                <a:solidFill>
-                  <a:schemeClr val="tx1"/>
-                </a:solidFill>
-                <a:latin typeface="Calibri" panose="020F0502020204030204" pitchFamily="34" charset="0"/>
-              </a:defRPr>
-            </a:lvl7pPr>
-            <a:lvl8pPr marL="3429000" indent="-228600" eaLnBrk="0" fontAlgn="base" hangingPunct="0">
-              <a:spcBef>
-                <a:spcPct val="0"/>
-              </a:spcBef>
-              <a:spcAft>
-                <a:spcPct val="0"/>
-              </a:spcAft>
-              <a:defRPr>
-                <a:solidFill>
-                  <a:schemeClr val="tx1"/>
-                </a:solidFill>
-                <a:latin typeface="Calibri" panose="020F0502020204030204" pitchFamily="34" charset="0"/>
-              </a:defRPr>
-            </a:lvl8pPr>
-            <a:lvl9pPr marL="3886200" indent="-228600" eaLnBrk="0" fontAlgn="base" hangingPunct="0">
-              <a:spcBef>
-                <a:spcPct val="0"/>
-              </a:spcBef>
-              <a:spcAft>
-                <a:spcPct val="0"/>
-              </a:spcAft>
-              <a:defRPr>
-                <a:solidFill>
-                  <a:schemeClr val="tx1"/>
-                </a:solidFill>
-                <a:latin typeface="Calibri" panose="020F0502020204030204" pitchFamily="34" charset="0"/>
-              </a:defRPr>
-            </a:lvl9pPr>
-          </a:lstStyle>
-          <a:p>
-            <a:pPr algn="ctr" eaLnBrk="1" hangingPunct="1"/>
-            <a:r>
-              <a:rPr lang="en-US" altLang="en-US" sz="1000" dirty="0">
-                <a:latin typeface="Arial" panose="020B0604020202020204" pitchFamily="34" charset="0"/>
-                <a:ea typeface="Amazon Ember" panose="020B0603020204020204" pitchFamily="34" charset="0"/>
-                <a:cs typeface="Arial" panose="020B0604020202020204" pitchFamily="34" charset="0"/>
-              </a:rPr>
-              <a:t>Redshift</a:t>
-            </a:r>
-          </a:p>
-        </p:txBody>
-      </p:sp>
+            <a:ln>
+              <a:noFill/>
+            </a:ln>
+            <a:extLst>
+              <a:ext uri="{91240B29-F687-4F45-9708-019B960494DF}">
+                <a14:hiddenLine xmlns:a14="http://schemas.microsoft.com/office/drawing/2010/main" w="9525">
+                  <a:solidFill>
+                    <a:srgbClr val="000000"/>
+                  </a:solidFill>
+                  <a:miter lim="800000"/>
+                  <a:headEnd/>
+                  <a:tailEnd/>
+                </a14:hiddenLine>
+              </a:ext>
+            </a:extLst>
+          </p:spPr>
+          <p:txBody>
+            <a:bodyPr wrap="square">
+              <a:spAutoFit/>
+            </a:bodyPr>
+            <a:lstStyle>
+              <a:lvl1pPr>
+                <a:defRPr>
+                  <a:solidFill>
+                    <a:schemeClr val="tx1"/>
+                  </a:solidFill>
+                  <a:latin typeface="Calibri" panose="020F0502020204030204" pitchFamily="34" charset="0"/>
+                </a:defRPr>
+              </a:lvl1pPr>
+              <a:lvl2pPr marL="742950" indent="-285750">
+                <a:defRPr>
+                  <a:solidFill>
+                    <a:schemeClr val="tx1"/>
+                  </a:solidFill>
+                  <a:latin typeface="Calibri" panose="020F0502020204030204" pitchFamily="34" charset="0"/>
+                </a:defRPr>
+              </a:lvl2pPr>
+              <a:lvl3pPr marL="1143000" indent="-228600">
+                <a:defRPr>
+                  <a:solidFill>
+                    <a:schemeClr val="tx1"/>
+                  </a:solidFill>
+                  <a:latin typeface="Calibri" panose="020F0502020204030204" pitchFamily="34" charset="0"/>
+                </a:defRPr>
+              </a:lvl3pPr>
+              <a:lvl4pPr marL="1600200" indent="-228600">
+                <a:defRPr>
+                  <a:solidFill>
+                    <a:schemeClr val="tx1"/>
+                  </a:solidFill>
+                  <a:latin typeface="Calibri" panose="020F0502020204030204" pitchFamily="34" charset="0"/>
+                </a:defRPr>
+              </a:lvl4pPr>
+              <a:lvl5pPr marL="2057400" indent="-228600">
+                <a:defRPr>
+                  <a:solidFill>
+                    <a:schemeClr val="tx1"/>
+                  </a:solidFill>
+                  <a:latin typeface="Calibri" panose="020F0502020204030204" pitchFamily="34" charset="0"/>
+                </a:defRPr>
+              </a:lvl5pPr>
+              <a:lvl6pPr marL="2514600" indent="-228600" eaLnBrk="0" fontAlgn="base" hangingPunct="0">
+                <a:spcBef>
+                  <a:spcPct val="0"/>
+                </a:spcBef>
+                <a:spcAft>
+                  <a:spcPct val="0"/>
+                </a:spcAft>
+                <a:defRPr>
+                  <a:solidFill>
+                    <a:schemeClr val="tx1"/>
+                  </a:solidFill>
+                  <a:latin typeface="Calibri" panose="020F0502020204030204" pitchFamily="34" charset="0"/>
+                </a:defRPr>
+              </a:lvl6pPr>
+              <a:lvl7pPr marL="2971800" indent="-228600" eaLnBrk="0" fontAlgn="base" hangingPunct="0">
+                <a:spcBef>
+                  <a:spcPct val="0"/>
+                </a:spcBef>
+                <a:spcAft>
+                  <a:spcPct val="0"/>
+                </a:spcAft>
+                <a:defRPr>
+                  <a:solidFill>
+                    <a:schemeClr val="tx1"/>
+                  </a:solidFill>
+                  <a:latin typeface="Calibri" panose="020F0502020204030204" pitchFamily="34" charset="0"/>
+                </a:defRPr>
+              </a:lvl7pPr>
+              <a:lvl8pPr marL="3429000" indent="-228600" eaLnBrk="0" fontAlgn="base" hangingPunct="0">
+                <a:spcBef>
+                  <a:spcPct val="0"/>
+                </a:spcBef>
+                <a:spcAft>
+                  <a:spcPct val="0"/>
+                </a:spcAft>
+                <a:defRPr>
+                  <a:solidFill>
+                    <a:schemeClr val="tx1"/>
+                  </a:solidFill>
+                  <a:latin typeface="Calibri" panose="020F0502020204030204" pitchFamily="34" charset="0"/>
+                </a:defRPr>
+              </a:lvl8pPr>
+              <a:lvl9pPr marL="3886200" indent="-228600" eaLnBrk="0" fontAlgn="base" hangingPunct="0">
+                <a:spcBef>
+                  <a:spcPct val="0"/>
+                </a:spcBef>
+                <a:spcAft>
+                  <a:spcPct val="0"/>
+                </a:spcAft>
+                <a:defRPr>
+                  <a:solidFill>
+                    <a:schemeClr val="tx1"/>
+                  </a:solidFill>
+                  <a:latin typeface="Calibri" panose="020F0502020204030204" pitchFamily="34" charset="0"/>
+                </a:defRPr>
+              </a:lvl9pPr>
+            </a:lstStyle>
+            <a:p>
+              <a:pPr algn="ctr" eaLnBrk="1" hangingPunct="1"/>
+              <a:r>
+                <a:rPr lang="en-US" altLang="en-US" sz="1000" dirty="0">
+                  <a:latin typeface="Arial" panose="020B0604020202020204" pitchFamily="34" charset="0"/>
+                  <a:ea typeface="Amazon Ember" panose="020B0603020204020204" pitchFamily="34" charset="0"/>
+                  <a:cs typeface="Arial" panose="020B0604020202020204" pitchFamily="34" charset="0"/>
+                </a:rPr>
+                <a:t>Identity and Access Management (IAM)</a:t>
+              </a:r>
+            </a:p>
+          </p:txBody>
+        </p:sp>
+      </p:grpSp>
     </p:spTree>
     <p:extLst>
       <p:ext uri="{BB962C8B-B14F-4D97-AF65-F5344CB8AC3E}">
@@ -8560,6 +8912,531 @@
   <p:clrMapOvr>
     <a:masterClrMapping/>
   </p:clrMapOvr>
+  <p:timing>
+    <p:tnLst>
+      <p:par>
+        <p:cTn id="1" dur="indefinite" restart="never" nodeType="tmRoot">
+          <p:childTnLst>
+            <p:seq concurrent="1" nextAc="seek">
+              <p:cTn id="2" dur="indefinite" nodeType="mainSeq">
+                <p:childTnLst>
+                  <p:par>
+                    <p:cTn id="3" fill="hold">
+                      <p:stCondLst>
+                        <p:cond delay="indefinite"/>
+                      </p:stCondLst>
+                      <p:childTnLst>
+                        <p:par>
+                          <p:cTn id="4" fill="hold">
+                            <p:stCondLst>
+                              <p:cond delay="0"/>
+                            </p:stCondLst>
+                            <p:childTnLst>
+                              <p:par>
+                                <p:cTn id="5" presetID="42" presetClass="entr" presetSubtype="0" fill="hold" nodeType="clickEffect">
+                                  <p:stCondLst>
+                                    <p:cond delay="0"/>
+                                  </p:stCondLst>
+                                  <p:childTnLst>
+                                    <p:set>
+                                      <p:cBhvr>
+                                        <p:cTn id="6" dur="1" fill="hold">
+                                          <p:stCondLst>
+                                            <p:cond delay="0"/>
+                                          </p:stCondLst>
+                                        </p:cTn>
+                                        <p:tgtEl>
+                                          <p:spTgt spid="15"/>
+                                        </p:tgtEl>
+                                        <p:attrNameLst>
+                                          <p:attrName>style.visibility</p:attrName>
+                                        </p:attrNameLst>
+                                      </p:cBhvr>
+                                      <p:to>
+                                        <p:strVal val="visible"/>
+                                      </p:to>
+                                    </p:set>
+                                    <p:animEffect transition="in" filter="fade">
+                                      <p:cBhvr>
+                                        <p:cTn id="7" dur="1000"/>
+                                        <p:tgtEl>
+                                          <p:spTgt spid="15"/>
+                                        </p:tgtEl>
+                                      </p:cBhvr>
+                                    </p:animEffect>
+                                    <p:anim calcmode="lin" valueType="num">
+                                      <p:cBhvr>
+                                        <p:cTn id="8" dur="1000" fill="hold"/>
+                                        <p:tgtEl>
+                                          <p:spTgt spid="15"/>
+                                        </p:tgtEl>
+                                        <p:attrNameLst>
+                                          <p:attrName>ppt_x</p:attrName>
+                                        </p:attrNameLst>
+                                      </p:cBhvr>
+                                      <p:tavLst>
+                                        <p:tav tm="0">
+                                          <p:val>
+                                            <p:strVal val="#ppt_x"/>
+                                          </p:val>
+                                        </p:tav>
+                                        <p:tav tm="100000">
+                                          <p:val>
+                                            <p:strVal val="#ppt_x"/>
+                                          </p:val>
+                                        </p:tav>
+                                      </p:tavLst>
+                                    </p:anim>
+                                    <p:anim calcmode="lin" valueType="num">
+                                      <p:cBhvr>
+                                        <p:cTn id="9" dur="1000" fill="hold"/>
+                                        <p:tgtEl>
+                                          <p:spTgt spid="15"/>
+                                        </p:tgtEl>
+                                        <p:attrNameLst>
+                                          <p:attrName>ppt_y</p:attrName>
+                                        </p:attrNameLst>
+                                      </p:cBhvr>
+                                      <p:tavLst>
+                                        <p:tav tm="0">
+                                          <p:val>
+                                            <p:strVal val="#ppt_y+.1"/>
+                                          </p:val>
+                                        </p:tav>
+                                        <p:tav tm="100000">
+                                          <p:val>
+                                            <p:strVal val="#ppt_y"/>
+                                          </p:val>
+                                        </p:tav>
+                                      </p:tavLst>
+                                    </p:anim>
+                                  </p:childTnLst>
+                                </p:cTn>
+                              </p:par>
+                            </p:childTnLst>
+                          </p:cTn>
+                        </p:par>
+                      </p:childTnLst>
+                    </p:cTn>
+                  </p:par>
+                  <p:par>
+                    <p:cTn id="10" fill="hold">
+                      <p:stCondLst>
+                        <p:cond delay="indefinite"/>
+                      </p:stCondLst>
+                      <p:childTnLst>
+                        <p:par>
+                          <p:cTn id="11" fill="hold">
+                            <p:stCondLst>
+                              <p:cond delay="0"/>
+                            </p:stCondLst>
+                            <p:childTnLst>
+                              <p:par>
+                                <p:cTn id="12" presetID="42" presetClass="entr" presetSubtype="0" fill="hold" nodeType="clickEffect">
+                                  <p:stCondLst>
+                                    <p:cond delay="0"/>
+                                  </p:stCondLst>
+                                  <p:childTnLst>
+                                    <p:set>
+                                      <p:cBhvr>
+                                        <p:cTn id="13" dur="1" fill="hold">
+                                          <p:stCondLst>
+                                            <p:cond delay="0"/>
+                                          </p:stCondLst>
+                                        </p:cTn>
+                                        <p:tgtEl>
+                                          <p:spTgt spid="3"/>
+                                        </p:tgtEl>
+                                        <p:attrNameLst>
+                                          <p:attrName>style.visibility</p:attrName>
+                                        </p:attrNameLst>
+                                      </p:cBhvr>
+                                      <p:to>
+                                        <p:strVal val="visible"/>
+                                      </p:to>
+                                    </p:set>
+                                    <p:animEffect transition="in" filter="fade">
+                                      <p:cBhvr>
+                                        <p:cTn id="14" dur="1000"/>
+                                        <p:tgtEl>
+                                          <p:spTgt spid="3"/>
+                                        </p:tgtEl>
+                                      </p:cBhvr>
+                                    </p:animEffect>
+                                    <p:anim calcmode="lin" valueType="num">
+                                      <p:cBhvr>
+                                        <p:cTn id="15" dur="1000" fill="hold"/>
+                                        <p:tgtEl>
+                                          <p:spTgt spid="3"/>
+                                        </p:tgtEl>
+                                        <p:attrNameLst>
+                                          <p:attrName>ppt_x</p:attrName>
+                                        </p:attrNameLst>
+                                      </p:cBhvr>
+                                      <p:tavLst>
+                                        <p:tav tm="0">
+                                          <p:val>
+                                            <p:strVal val="#ppt_x"/>
+                                          </p:val>
+                                        </p:tav>
+                                        <p:tav tm="100000">
+                                          <p:val>
+                                            <p:strVal val="#ppt_x"/>
+                                          </p:val>
+                                        </p:tav>
+                                      </p:tavLst>
+                                    </p:anim>
+                                    <p:anim calcmode="lin" valueType="num">
+                                      <p:cBhvr>
+                                        <p:cTn id="16" dur="1000" fill="hold"/>
+                                        <p:tgtEl>
+                                          <p:spTgt spid="3"/>
+                                        </p:tgtEl>
+                                        <p:attrNameLst>
+                                          <p:attrName>ppt_y</p:attrName>
+                                        </p:attrNameLst>
+                                      </p:cBhvr>
+                                      <p:tavLst>
+                                        <p:tav tm="0">
+                                          <p:val>
+                                            <p:strVal val="#ppt_y+.1"/>
+                                          </p:val>
+                                        </p:tav>
+                                        <p:tav tm="100000">
+                                          <p:val>
+                                            <p:strVal val="#ppt_y"/>
+                                          </p:val>
+                                        </p:tav>
+                                      </p:tavLst>
+                                    </p:anim>
+                                  </p:childTnLst>
+                                </p:cTn>
+                              </p:par>
+                            </p:childTnLst>
+                          </p:cTn>
+                        </p:par>
+                      </p:childTnLst>
+                    </p:cTn>
+                  </p:par>
+                  <p:par>
+                    <p:cTn id="17" fill="hold">
+                      <p:stCondLst>
+                        <p:cond delay="indefinite"/>
+                      </p:stCondLst>
+                      <p:childTnLst>
+                        <p:par>
+                          <p:cTn id="18" fill="hold">
+                            <p:stCondLst>
+                              <p:cond delay="0"/>
+                            </p:stCondLst>
+                            <p:childTnLst>
+                              <p:par>
+                                <p:cTn id="19" presetID="42" presetClass="entr" presetSubtype="0" fill="hold" nodeType="clickEffect">
+                                  <p:stCondLst>
+                                    <p:cond delay="0"/>
+                                  </p:stCondLst>
+                                  <p:childTnLst>
+                                    <p:set>
+                                      <p:cBhvr>
+                                        <p:cTn id="20" dur="1" fill="hold">
+                                          <p:stCondLst>
+                                            <p:cond delay="0"/>
+                                          </p:stCondLst>
+                                        </p:cTn>
+                                        <p:tgtEl>
+                                          <p:spTgt spid="6"/>
+                                        </p:tgtEl>
+                                        <p:attrNameLst>
+                                          <p:attrName>style.visibility</p:attrName>
+                                        </p:attrNameLst>
+                                      </p:cBhvr>
+                                      <p:to>
+                                        <p:strVal val="visible"/>
+                                      </p:to>
+                                    </p:set>
+                                    <p:animEffect transition="in" filter="fade">
+                                      <p:cBhvr>
+                                        <p:cTn id="21" dur="1000"/>
+                                        <p:tgtEl>
+                                          <p:spTgt spid="6"/>
+                                        </p:tgtEl>
+                                      </p:cBhvr>
+                                    </p:animEffect>
+                                    <p:anim calcmode="lin" valueType="num">
+                                      <p:cBhvr>
+                                        <p:cTn id="22" dur="1000" fill="hold"/>
+                                        <p:tgtEl>
+                                          <p:spTgt spid="6"/>
+                                        </p:tgtEl>
+                                        <p:attrNameLst>
+                                          <p:attrName>ppt_x</p:attrName>
+                                        </p:attrNameLst>
+                                      </p:cBhvr>
+                                      <p:tavLst>
+                                        <p:tav tm="0">
+                                          <p:val>
+                                            <p:strVal val="#ppt_x"/>
+                                          </p:val>
+                                        </p:tav>
+                                        <p:tav tm="100000">
+                                          <p:val>
+                                            <p:strVal val="#ppt_x"/>
+                                          </p:val>
+                                        </p:tav>
+                                      </p:tavLst>
+                                    </p:anim>
+                                    <p:anim calcmode="lin" valueType="num">
+                                      <p:cBhvr>
+                                        <p:cTn id="23" dur="1000" fill="hold"/>
+                                        <p:tgtEl>
+                                          <p:spTgt spid="6"/>
+                                        </p:tgtEl>
+                                        <p:attrNameLst>
+                                          <p:attrName>ppt_y</p:attrName>
+                                        </p:attrNameLst>
+                                      </p:cBhvr>
+                                      <p:tavLst>
+                                        <p:tav tm="0">
+                                          <p:val>
+                                            <p:strVal val="#ppt_y+.1"/>
+                                          </p:val>
+                                        </p:tav>
+                                        <p:tav tm="100000">
+                                          <p:val>
+                                            <p:strVal val="#ppt_y"/>
+                                          </p:val>
+                                        </p:tav>
+                                      </p:tavLst>
+                                    </p:anim>
+                                  </p:childTnLst>
+                                </p:cTn>
+                              </p:par>
+                            </p:childTnLst>
+                          </p:cTn>
+                        </p:par>
+                      </p:childTnLst>
+                    </p:cTn>
+                  </p:par>
+                  <p:par>
+                    <p:cTn id="24" fill="hold">
+                      <p:stCondLst>
+                        <p:cond delay="indefinite"/>
+                      </p:stCondLst>
+                      <p:childTnLst>
+                        <p:par>
+                          <p:cTn id="25" fill="hold">
+                            <p:stCondLst>
+                              <p:cond delay="0"/>
+                            </p:stCondLst>
+                            <p:childTnLst>
+                              <p:par>
+                                <p:cTn id="26" presetID="42" presetClass="entr" presetSubtype="0" fill="hold" nodeType="clickEffect">
+                                  <p:stCondLst>
+                                    <p:cond delay="0"/>
+                                  </p:stCondLst>
+                                  <p:childTnLst>
+                                    <p:set>
+                                      <p:cBhvr>
+                                        <p:cTn id="27" dur="1" fill="hold">
+                                          <p:stCondLst>
+                                            <p:cond delay="0"/>
+                                          </p:stCondLst>
+                                        </p:cTn>
+                                        <p:tgtEl>
+                                          <p:spTgt spid="8"/>
+                                        </p:tgtEl>
+                                        <p:attrNameLst>
+                                          <p:attrName>style.visibility</p:attrName>
+                                        </p:attrNameLst>
+                                      </p:cBhvr>
+                                      <p:to>
+                                        <p:strVal val="visible"/>
+                                      </p:to>
+                                    </p:set>
+                                    <p:animEffect transition="in" filter="fade">
+                                      <p:cBhvr>
+                                        <p:cTn id="28" dur="1000"/>
+                                        <p:tgtEl>
+                                          <p:spTgt spid="8"/>
+                                        </p:tgtEl>
+                                      </p:cBhvr>
+                                    </p:animEffect>
+                                    <p:anim calcmode="lin" valueType="num">
+                                      <p:cBhvr>
+                                        <p:cTn id="29" dur="1000" fill="hold"/>
+                                        <p:tgtEl>
+                                          <p:spTgt spid="8"/>
+                                        </p:tgtEl>
+                                        <p:attrNameLst>
+                                          <p:attrName>ppt_x</p:attrName>
+                                        </p:attrNameLst>
+                                      </p:cBhvr>
+                                      <p:tavLst>
+                                        <p:tav tm="0">
+                                          <p:val>
+                                            <p:strVal val="#ppt_x"/>
+                                          </p:val>
+                                        </p:tav>
+                                        <p:tav tm="100000">
+                                          <p:val>
+                                            <p:strVal val="#ppt_x"/>
+                                          </p:val>
+                                        </p:tav>
+                                      </p:tavLst>
+                                    </p:anim>
+                                    <p:anim calcmode="lin" valueType="num">
+                                      <p:cBhvr>
+                                        <p:cTn id="30" dur="1000" fill="hold"/>
+                                        <p:tgtEl>
+                                          <p:spTgt spid="8"/>
+                                        </p:tgtEl>
+                                        <p:attrNameLst>
+                                          <p:attrName>ppt_y</p:attrName>
+                                        </p:attrNameLst>
+                                      </p:cBhvr>
+                                      <p:tavLst>
+                                        <p:tav tm="0">
+                                          <p:val>
+                                            <p:strVal val="#ppt_y+.1"/>
+                                          </p:val>
+                                        </p:tav>
+                                        <p:tav tm="100000">
+                                          <p:val>
+                                            <p:strVal val="#ppt_y"/>
+                                          </p:val>
+                                        </p:tav>
+                                      </p:tavLst>
+                                    </p:anim>
+                                  </p:childTnLst>
+                                </p:cTn>
+                              </p:par>
+                            </p:childTnLst>
+                          </p:cTn>
+                        </p:par>
+                      </p:childTnLst>
+                    </p:cTn>
+                  </p:par>
+                  <p:par>
+                    <p:cTn id="31" fill="hold">
+                      <p:stCondLst>
+                        <p:cond delay="indefinite"/>
+                      </p:stCondLst>
+                      <p:childTnLst>
+                        <p:par>
+                          <p:cTn id="32" fill="hold">
+                            <p:stCondLst>
+                              <p:cond delay="0"/>
+                            </p:stCondLst>
+                            <p:childTnLst>
+                              <p:par>
+                                <p:cTn id="33" presetID="42" presetClass="entr" presetSubtype="0" fill="hold" nodeType="clickEffect">
+                                  <p:stCondLst>
+                                    <p:cond delay="0"/>
+                                  </p:stCondLst>
+                                  <p:childTnLst>
+                                    <p:set>
+                                      <p:cBhvr>
+                                        <p:cTn id="34" dur="1" fill="hold">
+                                          <p:stCondLst>
+                                            <p:cond delay="0"/>
+                                          </p:stCondLst>
+                                        </p:cTn>
+                                        <p:tgtEl>
+                                          <p:spTgt spid="9"/>
+                                        </p:tgtEl>
+                                        <p:attrNameLst>
+                                          <p:attrName>style.visibility</p:attrName>
+                                        </p:attrNameLst>
+                                      </p:cBhvr>
+                                      <p:to>
+                                        <p:strVal val="visible"/>
+                                      </p:to>
+                                    </p:set>
+                                    <p:animEffect transition="in" filter="fade">
+                                      <p:cBhvr>
+                                        <p:cTn id="35" dur="1000"/>
+                                        <p:tgtEl>
+                                          <p:spTgt spid="9"/>
+                                        </p:tgtEl>
+                                      </p:cBhvr>
+                                    </p:animEffect>
+                                    <p:anim calcmode="lin" valueType="num">
+                                      <p:cBhvr>
+                                        <p:cTn id="36" dur="1000" fill="hold"/>
+                                        <p:tgtEl>
+                                          <p:spTgt spid="9"/>
+                                        </p:tgtEl>
+                                        <p:attrNameLst>
+                                          <p:attrName>ppt_x</p:attrName>
+                                        </p:attrNameLst>
+                                      </p:cBhvr>
+                                      <p:tavLst>
+                                        <p:tav tm="0">
+                                          <p:val>
+                                            <p:strVal val="#ppt_x"/>
+                                          </p:val>
+                                        </p:tav>
+                                        <p:tav tm="100000">
+                                          <p:val>
+                                            <p:strVal val="#ppt_x"/>
+                                          </p:val>
+                                        </p:tav>
+                                      </p:tavLst>
+                                    </p:anim>
+                                    <p:anim calcmode="lin" valueType="num">
+                                      <p:cBhvr>
+                                        <p:cTn id="37" dur="1000" fill="hold"/>
+                                        <p:tgtEl>
+                                          <p:spTgt spid="9"/>
+                                        </p:tgtEl>
+                                        <p:attrNameLst>
+                                          <p:attrName>ppt_y</p:attrName>
+                                        </p:attrNameLst>
+                                      </p:cBhvr>
+                                      <p:tavLst>
+                                        <p:tav tm="0">
+                                          <p:val>
+                                            <p:strVal val="#ppt_y+.1"/>
+                                          </p:val>
+                                        </p:tav>
+                                        <p:tav tm="100000">
+                                          <p:val>
+                                            <p:strVal val="#ppt_y"/>
+                                          </p:val>
+                                        </p:tav>
+                                      </p:tavLst>
+                                    </p:anim>
+                                  </p:childTnLst>
+                                </p:cTn>
+                              </p:par>
+                            </p:childTnLst>
+                          </p:cTn>
+                        </p:par>
+                      </p:childTnLst>
+                    </p:cTn>
+                  </p:par>
+                </p:childTnLst>
+              </p:cTn>
+              <p:prevCondLst>
+                <p:cond evt="onPrev" delay="0">
+                  <p:tgtEl>
+                    <p:sldTgt/>
+                  </p:tgtEl>
+                </p:cond>
+              </p:prevCondLst>
+              <p:nextCondLst>
+                <p:cond evt="onNext" delay="0">
+                  <p:tgtEl>
+                    <p:sldTgt/>
+                  </p:tgtEl>
+                </p:cond>
+              </p:nextCondLst>
+            </p:seq>
+          </p:childTnLst>
+        </p:cTn>
+      </p:par>
+    </p:tnLst>
+  </p:timing>
 </p:sld>
 </file>
 
@@ -8659,7 +9536,7 @@
         </p:blipFill>
         <p:spPr bwMode="auto">
           <a:xfrm>
-            <a:off x="1750122" y="243840"/>
+            <a:off x="2040466" y="243840"/>
             <a:ext cx="7759756" cy="5933123"/>
           </a:xfrm>
           <a:prstGeom prst="rect">
@@ -11211,12 +12088,8 @@
           <a:lstStyle/>
           <a:p>
             <a:r>
-              <a:rPr lang="en-US" dirty="0" err="1"/>
-              <a:t>Weakneses</a:t>
-            </a:r>
-            <a:r>
               <a:rPr lang="en-US" dirty="0"/>
-              <a:t> and Challenges</a:t>
+              <a:t>Weaknesses &amp; Challenges</a:t>
             </a:r>
           </a:p>
         </p:txBody>
